--- a/Hands-on Machine Learning with Python - Datagiri.pptx
+++ b/Hands-on Machine Learning with Python - Datagiri.pptx
@@ -5,7 +5,7 @@
     <p:sldMasterId id="2147483659" r:id="rId1"/>
   </p:sldMasterIdLst>
   <p:notesMasterIdLst>
-    <p:notesMasterId r:id="rId46"/>
+    <p:notesMasterId r:id="rId48"/>
   </p:notesMasterIdLst>
   <p:sldIdLst>
     <p:sldId id="256" r:id="rId2"/>
@@ -34,38 +34,40 @@
     <p:sldId id="276" r:id="rId25"/>
     <p:sldId id="277" r:id="rId26"/>
     <p:sldId id="278" r:id="rId27"/>
-    <p:sldId id="279" r:id="rId28"/>
-    <p:sldId id="297" r:id="rId29"/>
-    <p:sldId id="298" r:id="rId30"/>
-    <p:sldId id="299" r:id="rId31"/>
-    <p:sldId id="280" r:id="rId32"/>
-    <p:sldId id="281" r:id="rId33"/>
-    <p:sldId id="282" r:id="rId34"/>
-    <p:sldId id="283" r:id="rId35"/>
-    <p:sldId id="284" r:id="rId36"/>
-    <p:sldId id="293" r:id="rId37"/>
-    <p:sldId id="285" r:id="rId38"/>
-    <p:sldId id="286" r:id="rId39"/>
-    <p:sldId id="287" r:id="rId40"/>
-    <p:sldId id="288" r:id="rId41"/>
-    <p:sldId id="289" r:id="rId42"/>
-    <p:sldId id="290" r:id="rId43"/>
-    <p:sldId id="291" r:id="rId44"/>
-    <p:sldId id="292" r:id="rId45"/>
+    <p:sldId id="300" r:id="rId28"/>
+    <p:sldId id="301" r:id="rId29"/>
+    <p:sldId id="305" r:id="rId30"/>
+    <p:sldId id="306" r:id="rId31"/>
+    <p:sldId id="307" r:id="rId32"/>
+    <p:sldId id="308" r:id="rId33"/>
+    <p:sldId id="309" r:id="rId34"/>
+    <p:sldId id="281" r:id="rId35"/>
+    <p:sldId id="282" r:id="rId36"/>
+    <p:sldId id="283" r:id="rId37"/>
+    <p:sldId id="284" r:id="rId38"/>
+    <p:sldId id="293" r:id="rId39"/>
+    <p:sldId id="285" r:id="rId40"/>
+    <p:sldId id="286" r:id="rId41"/>
+    <p:sldId id="287" r:id="rId42"/>
+    <p:sldId id="288" r:id="rId43"/>
+    <p:sldId id="289" r:id="rId44"/>
+    <p:sldId id="290" r:id="rId45"/>
+    <p:sldId id="304" r:id="rId46"/>
+    <p:sldId id="292" r:id="rId47"/>
   </p:sldIdLst>
   <p:sldSz cx="9144000" cy="5143500" type="screen16x9"/>
   <p:notesSz cx="6858000" cy="9144000"/>
   <p:embeddedFontLst>
     <p:embeddedFont>
       <p:font typeface="Roboto" panose="020B0604020202020204" charset="0"/>
-      <p:regular r:id="rId47"/>
-      <p:bold r:id="rId48"/>
-      <p:italic r:id="rId49"/>
-      <p:boldItalic r:id="rId50"/>
+      <p:regular r:id="rId49"/>
+      <p:bold r:id="rId50"/>
+      <p:italic r:id="rId51"/>
+      <p:boldItalic r:id="rId52"/>
     </p:embeddedFont>
     <p:embeddedFont>
       <p:font typeface="Cambria Math" panose="02040503050406030204" pitchFamily="18" charset="0"/>
-      <p:regular r:id="rId51"/>
+      <p:regular r:id="rId53"/>
     </p:embeddedFont>
   </p:embeddedFontLst>
   <p:defaultTextStyle>
@@ -298,6 +300,80 @@
     </a:lvl9pPr>
   </p:defaultTextStyle>
   <p:extLst>
+    <p:ext uri="{521415D9-36F7-43E2-AB2F-B90AF26B5E84}">
+      <p14:sectionLst xmlns:p14="http://schemas.microsoft.com/office/powerpoint/2010/main">
+        <p14:section name="Default Section" id="{EAB5C85F-8B8E-4BFB-AC9F-46468B8BB062}">
+          <p14:sldIdLst>
+            <p14:sldId id="256"/>
+            <p14:sldId id="257"/>
+            <p14:sldId id="258"/>
+            <p14:sldId id="259"/>
+            <p14:sldId id="260"/>
+            <p14:sldId id="261"/>
+          </p14:sldIdLst>
+        </p14:section>
+        <p14:section name="Get the data" id="{D9F1EF45-7CA3-4A35-BF36-0320CADDD998}">
+          <p14:sldIdLst>
+            <p14:sldId id="262"/>
+            <p14:sldId id="263"/>
+            <p14:sldId id="264"/>
+            <p14:sldId id="265"/>
+            <p14:sldId id="266"/>
+            <p14:sldId id="267"/>
+            <p14:sldId id="269"/>
+            <p14:sldId id="270"/>
+            <p14:sldId id="268"/>
+            <p14:sldId id="295"/>
+            <p14:sldId id="294"/>
+            <p14:sldId id="296"/>
+            <p14:sldId id="271"/>
+            <p14:sldId id="272"/>
+            <p14:sldId id="273"/>
+            <p14:sldId id="274"/>
+            <p14:sldId id="275"/>
+            <p14:sldId id="276"/>
+            <p14:sldId id="277"/>
+          </p14:sldIdLst>
+        </p14:section>
+        <p14:section name="Data Exploration &amp; Visualization" id="{12EEF529-6D2C-4742-BEE2-8CA6AAFF44EB}">
+          <p14:sldIdLst>
+            <p14:sldId id="278"/>
+            <p14:sldId id="300"/>
+            <p14:sldId id="301"/>
+            <p14:sldId id="305"/>
+          </p14:sldIdLst>
+        </p14:section>
+        <p14:section name="Preparing Data for ML Algorithms" id="{54713FA0-267F-4C04-9D37-1562A4A95BC8}">
+          <p14:sldIdLst>
+            <p14:sldId id="306"/>
+            <p14:sldId id="307"/>
+            <p14:sldId id="308"/>
+            <p14:sldId id="309"/>
+          </p14:sldIdLst>
+        </p14:section>
+        <p14:section name="Train and Fine-Tuning the Model" id="{943370A6-D0AB-44F0-B1E6-1064A60EBC09}">
+          <p14:sldIdLst>
+            <p14:sldId id="281"/>
+            <p14:sldId id="282"/>
+            <p14:sldId id="283"/>
+            <p14:sldId id="284"/>
+            <p14:sldId id="293"/>
+            <p14:sldId id="285"/>
+            <p14:sldId id="286"/>
+            <p14:sldId id="287"/>
+            <p14:sldId id="288"/>
+            <p14:sldId id="289"/>
+            <p14:sldId id="290"/>
+            <p14:sldId id="304"/>
+          </p14:sldIdLst>
+        </p14:section>
+        <p14:section name="References &amp; Questions" id="{DC42A2FA-9F7B-40FC-84E3-90656C44BE96}">
+          <p14:sldIdLst>
+            <p14:sldId id="292"/>
+          </p14:sldIdLst>
+        </p14:section>
+      </p14:sectionLst>
+    </p:ext>
     <p:ext uri="{EFAFB233-063F-42B5-8137-9DF3F51BA10A}">
       <p15:sldGuideLst xmlns:p15="http://schemas.microsoft.com/office/powerpoint/2012/main">
         <p15:guide id="1" orient="horz" pos="1620">
@@ -2751,7 +2827,7 @@
   <p:cSld>
     <p:spTree>
       <p:nvGrpSpPr>
-        <p:cNvPr id="1" name="Shape 255"/>
+        <p:cNvPr id="1" name="Shape 249"/>
         <p:cNvGrpSpPr/>
         <p:nvPr/>
       </p:nvGrpSpPr>
@@ -2765,7 +2841,7 @@
       </p:grpSpPr>
       <p:sp>
         <p:nvSpPr>
-          <p:cNvPr id="256" name="Google Shape;256;g40393bc292_0_104:notes"/>
+          <p:cNvPr id="250" name="Google Shape;250;g401a0811a1_0_1079:notes"/>
           <p:cNvSpPr>
             <a:spLocks noGrp="1" noRot="1" noChangeAspect="1"/>
           </p:cNvSpPr>
@@ -2806,7 +2882,7 @@
       </p:sp>
       <p:sp>
         <p:nvSpPr>
-          <p:cNvPr id="257" name="Google Shape;257;g40393bc292_0_104:notes"/>
+          <p:cNvPr id="251" name="Google Shape;251;g401a0811a1_0_1079:notes"/>
           <p:cNvSpPr txBox="1">
             <a:spLocks noGrp="1"/>
           </p:cNvSpPr>
@@ -2843,6 +2919,11 @@
         </p:txBody>
       </p:sp>
     </p:spTree>
+    <p:extLst>
+      <p:ext uri="{BB962C8B-B14F-4D97-AF65-F5344CB8AC3E}">
+        <p14:creationId xmlns:p14="http://schemas.microsoft.com/office/powerpoint/2010/main" val="207117742"/>
+      </p:ext>
+    </p:extLst>
   </p:cSld>
   <p:clrMapOvr>
     <a:masterClrMapping/>
@@ -2855,7 +2936,7 @@
   <p:cSld>
     <p:spTree>
       <p:nvGrpSpPr>
-        <p:cNvPr id="1" name="Shape 255"/>
+        <p:cNvPr id="1" name="Shape 249"/>
         <p:cNvGrpSpPr/>
         <p:nvPr/>
       </p:nvGrpSpPr>
@@ -2869,7 +2950,7 @@
       </p:grpSpPr>
       <p:sp>
         <p:nvSpPr>
-          <p:cNvPr id="256" name="Google Shape;256;g40393bc292_0_104:notes"/>
+          <p:cNvPr id="250" name="Google Shape;250;g401a0811a1_0_1079:notes"/>
           <p:cNvSpPr>
             <a:spLocks noGrp="1" noRot="1" noChangeAspect="1"/>
           </p:cNvSpPr>
@@ -2910,7 +2991,7 @@
       </p:sp>
       <p:sp>
         <p:nvSpPr>
-          <p:cNvPr id="257" name="Google Shape;257;g40393bc292_0_104:notes"/>
+          <p:cNvPr id="251" name="Google Shape;251;g401a0811a1_0_1079:notes"/>
           <p:cNvSpPr txBox="1">
             <a:spLocks noGrp="1"/>
           </p:cNvSpPr>
@@ -2949,7 +3030,7 @@
     </p:spTree>
     <p:extLst>
       <p:ext uri="{BB962C8B-B14F-4D97-AF65-F5344CB8AC3E}">
-        <p14:creationId xmlns:p14="http://schemas.microsoft.com/office/powerpoint/2010/main" val="2954499595"/>
+        <p14:creationId xmlns:p14="http://schemas.microsoft.com/office/powerpoint/2010/main" val="2168235425"/>
       </p:ext>
     </p:extLst>
   </p:cSld>
@@ -2964,7 +3045,7 @@
   <p:cSld>
     <p:spTree>
       <p:nvGrpSpPr>
-        <p:cNvPr id="1" name="Shape 255"/>
+        <p:cNvPr id="1" name="Shape 249"/>
         <p:cNvGrpSpPr/>
         <p:nvPr/>
       </p:nvGrpSpPr>
@@ -2978,7 +3059,7 @@
       </p:grpSpPr>
       <p:sp>
         <p:nvSpPr>
-          <p:cNvPr id="256" name="Google Shape;256;g40393bc292_0_104:notes"/>
+          <p:cNvPr id="250" name="Google Shape;250;g401a0811a1_0_1079:notes"/>
           <p:cNvSpPr>
             <a:spLocks noGrp="1" noRot="1" noChangeAspect="1"/>
           </p:cNvSpPr>
@@ -3019,7 +3100,7 @@
       </p:sp>
       <p:sp>
         <p:nvSpPr>
-          <p:cNvPr id="257" name="Google Shape;257;g40393bc292_0_104:notes"/>
+          <p:cNvPr id="251" name="Google Shape;251;g401a0811a1_0_1079:notes"/>
           <p:cNvSpPr txBox="1">
             <a:spLocks noGrp="1"/>
           </p:cNvSpPr>
@@ -3058,7 +3139,7 @@
     </p:spTree>
     <p:extLst>
       <p:ext uri="{BB962C8B-B14F-4D97-AF65-F5344CB8AC3E}">
-        <p14:creationId xmlns:p14="http://schemas.microsoft.com/office/powerpoint/2010/main" val="696751043"/>
+        <p14:creationId xmlns:p14="http://schemas.microsoft.com/office/powerpoint/2010/main" val="3060178214"/>
       </p:ext>
     </p:extLst>
   </p:cSld>
@@ -3271,7 +3352,7 @@
     </p:spTree>
     <p:extLst>
       <p:ext uri="{BB962C8B-B14F-4D97-AF65-F5344CB8AC3E}">
-        <p14:creationId xmlns:p14="http://schemas.microsoft.com/office/powerpoint/2010/main" val="899924909"/>
+        <p14:creationId xmlns:p14="http://schemas.microsoft.com/office/powerpoint/2010/main" val="1638775988"/>
       </p:ext>
     </p:extLst>
   </p:cSld>
@@ -3286,7 +3367,7 @@
   <p:cSld>
     <p:spTree>
       <p:nvGrpSpPr>
-        <p:cNvPr id="1" name="Shape 261"/>
+        <p:cNvPr id="1" name="Shape 255"/>
         <p:cNvGrpSpPr/>
         <p:nvPr/>
       </p:nvGrpSpPr>
@@ -3300,7 +3381,7 @@
       </p:grpSpPr>
       <p:sp>
         <p:nvSpPr>
-          <p:cNvPr id="262" name="Google Shape;262;g401a0811a1_0_1085:notes"/>
+          <p:cNvPr id="256" name="Google Shape;256;g40393bc292_0_104:notes"/>
           <p:cNvSpPr>
             <a:spLocks noGrp="1" noRot="1" noChangeAspect="1"/>
           </p:cNvSpPr>
@@ -3341,7 +3422,7 @@
       </p:sp>
       <p:sp>
         <p:nvSpPr>
-          <p:cNvPr id="263" name="Google Shape;263;g401a0811a1_0_1085:notes"/>
+          <p:cNvPr id="257" name="Google Shape;257;g40393bc292_0_104:notes"/>
           <p:cNvSpPr txBox="1">
             <a:spLocks noGrp="1"/>
           </p:cNvSpPr>
@@ -3378,6 +3459,11 @@
         </p:txBody>
       </p:sp>
     </p:spTree>
+    <p:extLst>
+      <p:ext uri="{BB962C8B-B14F-4D97-AF65-F5344CB8AC3E}">
+        <p14:creationId xmlns:p14="http://schemas.microsoft.com/office/powerpoint/2010/main" val="1644260214"/>
+      </p:ext>
+    </p:extLst>
   </p:cSld>
   <p:clrMapOvr>
     <a:masterClrMapping/>
@@ -3386,6 +3472,224 @@
 </file>
 
 <file path=ppt/notesSlides/notesSlide32.xml><?xml version="1.0" encoding="utf-8"?>
+<p:notes xmlns:a="http://schemas.openxmlformats.org/drawingml/2006/main" xmlns:r="http://schemas.openxmlformats.org/officeDocument/2006/relationships" xmlns:p="http://schemas.openxmlformats.org/presentationml/2006/main" showMasterSp="0" showMasterPhAnim="0">
+  <p:cSld>
+    <p:spTree>
+      <p:nvGrpSpPr>
+        <p:cNvPr id="1" name="Shape 255"/>
+        <p:cNvGrpSpPr/>
+        <p:nvPr/>
+      </p:nvGrpSpPr>
+      <p:grpSpPr>
+        <a:xfrm>
+          <a:off x="0" y="0"/>
+          <a:ext cx="0" cy="0"/>
+          <a:chOff x="0" y="0"/>
+          <a:chExt cx="0" cy="0"/>
+        </a:xfrm>
+      </p:grpSpPr>
+      <p:sp>
+        <p:nvSpPr>
+          <p:cNvPr id="256" name="Google Shape;256;g40393bc292_0_104:notes"/>
+          <p:cNvSpPr>
+            <a:spLocks noGrp="1" noRot="1" noChangeAspect="1"/>
+          </p:cNvSpPr>
+          <p:nvPr>
+            <p:ph type="sldImg" idx="2"/>
+          </p:nvPr>
+        </p:nvSpPr>
+        <p:spPr>
+          <a:xfrm>
+            <a:off x="381000" y="685800"/>
+            <a:ext cx="6096000" cy="3429000"/>
+          </a:xfrm>
+          <a:custGeom>
+            <a:avLst/>
+            <a:gdLst/>
+            <a:ahLst/>
+            <a:cxnLst/>
+            <a:rect l="l" t="t" r="r" b="b"/>
+            <a:pathLst>
+              <a:path w="120000" h="120000" extrusionOk="0">
+                <a:moveTo>
+                  <a:pt x="0" y="0"/>
+                </a:moveTo>
+                <a:lnTo>
+                  <a:pt x="120000" y="0"/>
+                </a:lnTo>
+                <a:lnTo>
+                  <a:pt x="120000" y="120000"/>
+                </a:lnTo>
+                <a:lnTo>
+                  <a:pt x="0" y="120000"/>
+                </a:lnTo>
+                <a:close/>
+              </a:path>
+            </a:pathLst>
+          </a:custGeom>
+        </p:spPr>
+      </p:sp>
+      <p:sp>
+        <p:nvSpPr>
+          <p:cNvPr id="257" name="Google Shape;257;g40393bc292_0_104:notes"/>
+          <p:cNvSpPr txBox="1">
+            <a:spLocks noGrp="1"/>
+          </p:cNvSpPr>
+          <p:nvPr>
+            <p:ph type="body" idx="1"/>
+          </p:nvPr>
+        </p:nvSpPr>
+        <p:spPr>
+          <a:xfrm>
+            <a:off x="685800" y="4343400"/>
+            <a:ext cx="5486400" cy="4114800"/>
+          </a:xfrm>
+          <a:prstGeom prst="rect">
+            <a:avLst/>
+          </a:prstGeom>
+        </p:spPr>
+        <p:txBody>
+          <a:bodyPr spcFirstLastPara="1" wrap="square" lIns="91425" tIns="91425" rIns="91425" bIns="91425" anchor="t" anchorCtr="0">
+            <a:noAutofit/>
+          </a:bodyPr>
+          <a:lstStyle/>
+          <a:p>
+            <a:pPr marL="0" lvl="0" indent="0" rtl="0">
+              <a:spcBef>
+                <a:spcPts val="0"/>
+              </a:spcBef>
+              <a:spcAft>
+                <a:spcPts val="0"/>
+              </a:spcAft>
+              <a:buNone/>
+            </a:pPr>
+            <a:endParaRPr/>
+          </a:p>
+        </p:txBody>
+      </p:sp>
+    </p:spTree>
+    <p:extLst>
+      <p:ext uri="{BB962C8B-B14F-4D97-AF65-F5344CB8AC3E}">
+        <p14:creationId xmlns:p14="http://schemas.microsoft.com/office/powerpoint/2010/main" val="1055043482"/>
+      </p:ext>
+    </p:extLst>
+  </p:cSld>
+  <p:clrMapOvr>
+    <a:masterClrMapping/>
+  </p:clrMapOvr>
+</p:notes>
+</file>
+
+<file path=ppt/notesSlides/notesSlide33.xml><?xml version="1.0" encoding="utf-8"?>
+<p:notes xmlns:a="http://schemas.openxmlformats.org/drawingml/2006/main" xmlns:r="http://schemas.openxmlformats.org/officeDocument/2006/relationships" xmlns:p="http://schemas.openxmlformats.org/presentationml/2006/main" showMasterSp="0" showMasterPhAnim="0">
+  <p:cSld>
+    <p:spTree>
+      <p:nvGrpSpPr>
+        <p:cNvPr id="1" name="Shape 255"/>
+        <p:cNvGrpSpPr/>
+        <p:nvPr/>
+      </p:nvGrpSpPr>
+      <p:grpSpPr>
+        <a:xfrm>
+          <a:off x="0" y="0"/>
+          <a:ext cx="0" cy="0"/>
+          <a:chOff x="0" y="0"/>
+          <a:chExt cx="0" cy="0"/>
+        </a:xfrm>
+      </p:grpSpPr>
+      <p:sp>
+        <p:nvSpPr>
+          <p:cNvPr id="256" name="Google Shape;256;g40393bc292_0_104:notes"/>
+          <p:cNvSpPr>
+            <a:spLocks noGrp="1" noRot="1" noChangeAspect="1"/>
+          </p:cNvSpPr>
+          <p:nvPr>
+            <p:ph type="sldImg" idx="2"/>
+          </p:nvPr>
+        </p:nvSpPr>
+        <p:spPr>
+          <a:xfrm>
+            <a:off x="381000" y="685800"/>
+            <a:ext cx="6096000" cy="3429000"/>
+          </a:xfrm>
+          <a:custGeom>
+            <a:avLst/>
+            <a:gdLst/>
+            <a:ahLst/>
+            <a:cxnLst/>
+            <a:rect l="l" t="t" r="r" b="b"/>
+            <a:pathLst>
+              <a:path w="120000" h="120000" extrusionOk="0">
+                <a:moveTo>
+                  <a:pt x="0" y="0"/>
+                </a:moveTo>
+                <a:lnTo>
+                  <a:pt x="120000" y="0"/>
+                </a:lnTo>
+                <a:lnTo>
+                  <a:pt x="120000" y="120000"/>
+                </a:lnTo>
+                <a:lnTo>
+                  <a:pt x="0" y="120000"/>
+                </a:lnTo>
+                <a:close/>
+              </a:path>
+            </a:pathLst>
+          </a:custGeom>
+        </p:spPr>
+      </p:sp>
+      <p:sp>
+        <p:nvSpPr>
+          <p:cNvPr id="257" name="Google Shape;257;g40393bc292_0_104:notes"/>
+          <p:cNvSpPr txBox="1">
+            <a:spLocks noGrp="1"/>
+          </p:cNvSpPr>
+          <p:nvPr>
+            <p:ph type="body" idx="1"/>
+          </p:nvPr>
+        </p:nvSpPr>
+        <p:spPr>
+          <a:xfrm>
+            <a:off x="685800" y="4343400"/>
+            <a:ext cx="5486400" cy="4114800"/>
+          </a:xfrm>
+          <a:prstGeom prst="rect">
+            <a:avLst/>
+          </a:prstGeom>
+        </p:spPr>
+        <p:txBody>
+          <a:bodyPr spcFirstLastPara="1" wrap="square" lIns="91425" tIns="91425" rIns="91425" bIns="91425" anchor="t" anchorCtr="0">
+            <a:noAutofit/>
+          </a:bodyPr>
+          <a:lstStyle/>
+          <a:p>
+            <a:pPr marL="0" lvl="0" indent="0" rtl="0">
+              <a:spcBef>
+                <a:spcPts val="0"/>
+              </a:spcBef>
+              <a:spcAft>
+                <a:spcPts val="0"/>
+              </a:spcAft>
+              <a:buNone/>
+            </a:pPr>
+            <a:endParaRPr/>
+          </a:p>
+        </p:txBody>
+      </p:sp>
+    </p:spTree>
+    <p:extLst>
+      <p:ext uri="{BB962C8B-B14F-4D97-AF65-F5344CB8AC3E}">
+        <p14:creationId xmlns:p14="http://schemas.microsoft.com/office/powerpoint/2010/main" val="2380957616"/>
+      </p:ext>
+    </p:extLst>
+  </p:cSld>
+  <p:clrMapOvr>
+    <a:masterClrMapping/>
+  </p:clrMapOvr>
+</p:notes>
+</file>
+
+<file path=ppt/notesSlides/notesSlide34.xml><?xml version="1.0" encoding="utf-8"?>
 <p:notes xmlns:a="http://schemas.openxmlformats.org/drawingml/2006/main" xmlns:r="http://schemas.openxmlformats.org/officeDocument/2006/relationships" xmlns:p="http://schemas.openxmlformats.org/presentationml/2006/main" showMasterSp="0" showMasterPhAnim="0">
   <p:cSld>
     <p:spTree>
@@ -3489,7 +3793,7 @@
 </p:notes>
 </file>
 
-<file path=ppt/notesSlides/notesSlide33.xml><?xml version="1.0" encoding="utf-8"?>
+<file path=ppt/notesSlides/notesSlide35.xml><?xml version="1.0" encoding="utf-8"?>
 <p:notes xmlns:a="http://schemas.openxmlformats.org/drawingml/2006/main" xmlns:r="http://schemas.openxmlformats.org/officeDocument/2006/relationships" xmlns:p="http://schemas.openxmlformats.org/presentationml/2006/main" showMasterSp="0" showMasterPhAnim="0">
   <p:cSld>
     <p:spTree>
@@ -3633,7 +3937,7 @@
 </p:notes>
 </file>
 
-<file path=ppt/notesSlides/notesSlide34.xml><?xml version="1.0" encoding="utf-8"?>
+<file path=ppt/notesSlides/notesSlide36.xml><?xml version="1.0" encoding="utf-8"?>
 <p:notes xmlns:a="http://schemas.openxmlformats.org/drawingml/2006/main" xmlns:r="http://schemas.openxmlformats.org/officeDocument/2006/relationships" xmlns:p="http://schemas.openxmlformats.org/presentationml/2006/main" showMasterSp="0" showMasterPhAnim="0">
   <p:cSld>
     <p:spTree>
@@ -3737,7 +4041,7 @@
 </p:notes>
 </file>
 
-<file path=ppt/notesSlides/notesSlide35.xml><?xml version="1.0" encoding="utf-8"?>
+<file path=ppt/notesSlides/notesSlide37.xml><?xml version="1.0" encoding="utf-8"?>
 <p:notes xmlns:a="http://schemas.openxmlformats.org/drawingml/2006/main" xmlns:r="http://schemas.openxmlformats.org/officeDocument/2006/relationships" xmlns:p="http://schemas.openxmlformats.org/presentationml/2006/main" showMasterSp="0" showMasterPhAnim="0">
   <p:cSld>
     <p:spTree>
@@ -3841,7 +4145,7 @@
 </p:notes>
 </file>
 
-<file path=ppt/notesSlides/notesSlide36.xml><?xml version="1.0" encoding="utf-8"?>
+<file path=ppt/notesSlides/notesSlide38.xml><?xml version="1.0" encoding="utf-8"?>
 <p:notes xmlns:a="http://schemas.openxmlformats.org/drawingml/2006/main" xmlns:r="http://schemas.openxmlformats.org/officeDocument/2006/relationships" xmlns:p="http://schemas.openxmlformats.org/presentationml/2006/main" showMasterSp="0" showMasterPhAnim="0">
   <p:cSld>
     <p:spTree>
@@ -3950,7 +4254,7 @@
 </p:notes>
 </file>
 
-<file path=ppt/notesSlides/notesSlide37.xml><?xml version="1.0" encoding="utf-8"?>
+<file path=ppt/notesSlides/notesSlide39.xml><?xml version="1.0" encoding="utf-8"?>
 <p:notes xmlns:a="http://schemas.openxmlformats.org/drawingml/2006/main" xmlns:r="http://schemas.openxmlformats.org/officeDocument/2006/relationships" xmlns:p="http://schemas.openxmlformats.org/presentationml/2006/main" showMasterSp="0" showMasterPhAnim="0">
   <p:cSld>
     <p:spTree>
@@ -4011,214 +4315,6 @@
       <p:sp>
         <p:nvSpPr>
           <p:cNvPr id="313" name="Google Shape;313;g3fe1bea38b_0_40:notes"/>
-          <p:cNvSpPr txBox="1">
-            <a:spLocks noGrp="1"/>
-          </p:cNvSpPr>
-          <p:nvPr>
-            <p:ph type="body" idx="1"/>
-          </p:nvPr>
-        </p:nvSpPr>
-        <p:spPr>
-          <a:xfrm>
-            <a:off x="685800" y="4343400"/>
-            <a:ext cx="5486400" cy="4114800"/>
-          </a:xfrm>
-          <a:prstGeom prst="rect">
-            <a:avLst/>
-          </a:prstGeom>
-        </p:spPr>
-        <p:txBody>
-          <a:bodyPr spcFirstLastPara="1" wrap="square" lIns="91425" tIns="91425" rIns="91425" bIns="91425" anchor="t" anchorCtr="0">
-            <a:noAutofit/>
-          </a:bodyPr>
-          <a:lstStyle/>
-          <a:p>
-            <a:pPr marL="0" lvl="0" indent="0" rtl="0">
-              <a:spcBef>
-                <a:spcPts val="0"/>
-              </a:spcBef>
-              <a:spcAft>
-                <a:spcPts val="0"/>
-              </a:spcAft>
-              <a:buNone/>
-            </a:pPr>
-            <a:endParaRPr/>
-          </a:p>
-        </p:txBody>
-      </p:sp>
-    </p:spTree>
-  </p:cSld>
-  <p:clrMapOvr>
-    <a:masterClrMapping/>
-  </p:clrMapOvr>
-</p:notes>
-</file>
-
-<file path=ppt/notesSlides/notesSlide38.xml><?xml version="1.0" encoding="utf-8"?>
-<p:notes xmlns:a="http://schemas.openxmlformats.org/drawingml/2006/main" xmlns:r="http://schemas.openxmlformats.org/officeDocument/2006/relationships" xmlns:p="http://schemas.openxmlformats.org/presentationml/2006/main" showMasterSp="0" showMasterPhAnim="0">
-  <p:cSld>
-    <p:spTree>
-      <p:nvGrpSpPr>
-        <p:cNvPr id="1" name="Shape 318"/>
-        <p:cNvGrpSpPr/>
-        <p:nvPr/>
-      </p:nvGrpSpPr>
-      <p:grpSpPr>
-        <a:xfrm>
-          <a:off x="0" y="0"/>
-          <a:ext cx="0" cy="0"/>
-          <a:chOff x="0" y="0"/>
-          <a:chExt cx="0" cy="0"/>
-        </a:xfrm>
-      </p:grpSpPr>
-      <p:sp>
-        <p:nvSpPr>
-          <p:cNvPr id="319" name="Google Shape;319;g3fe1bea38b_0_16:notes"/>
-          <p:cNvSpPr>
-            <a:spLocks noGrp="1" noRot="1" noChangeAspect="1"/>
-          </p:cNvSpPr>
-          <p:nvPr>
-            <p:ph type="sldImg" idx="2"/>
-          </p:nvPr>
-        </p:nvSpPr>
-        <p:spPr>
-          <a:xfrm>
-            <a:off x="381000" y="685800"/>
-            <a:ext cx="6096000" cy="3429000"/>
-          </a:xfrm>
-          <a:custGeom>
-            <a:avLst/>
-            <a:gdLst/>
-            <a:ahLst/>
-            <a:cxnLst/>
-            <a:rect l="l" t="t" r="r" b="b"/>
-            <a:pathLst>
-              <a:path w="120000" h="120000" extrusionOk="0">
-                <a:moveTo>
-                  <a:pt x="0" y="0"/>
-                </a:moveTo>
-                <a:lnTo>
-                  <a:pt x="120000" y="0"/>
-                </a:lnTo>
-                <a:lnTo>
-                  <a:pt x="120000" y="120000"/>
-                </a:lnTo>
-                <a:lnTo>
-                  <a:pt x="0" y="120000"/>
-                </a:lnTo>
-                <a:close/>
-              </a:path>
-            </a:pathLst>
-          </a:custGeom>
-        </p:spPr>
-      </p:sp>
-      <p:sp>
-        <p:nvSpPr>
-          <p:cNvPr id="320" name="Google Shape;320;g3fe1bea38b_0_16:notes"/>
-          <p:cNvSpPr txBox="1">
-            <a:spLocks noGrp="1"/>
-          </p:cNvSpPr>
-          <p:nvPr>
-            <p:ph type="body" idx="1"/>
-          </p:nvPr>
-        </p:nvSpPr>
-        <p:spPr>
-          <a:xfrm>
-            <a:off x="685800" y="4343400"/>
-            <a:ext cx="5486400" cy="4114800"/>
-          </a:xfrm>
-          <a:prstGeom prst="rect">
-            <a:avLst/>
-          </a:prstGeom>
-        </p:spPr>
-        <p:txBody>
-          <a:bodyPr spcFirstLastPara="1" wrap="square" lIns="91425" tIns="91425" rIns="91425" bIns="91425" anchor="t" anchorCtr="0">
-            <a:noAutofit/>
-          </a:bodyPr>
-          <a:lstStyle/>
-          <a:p>
-            <a:pPr marL="0" lvl="0" indent="0">
-              <a:spcBef>
-                <a:spcPts val="0"/>
-              </a:spcBef>
-              <a:spcAft>
-                <a:spcPts val="0"/>
-              </a:spcAft>
-              <a:buNone/>
-            </a:pPr>
-            <a:endParaRPr/>
-          </a:p>
-        </p:txBody>
-      </p:sp>
-    </p:spTree>
-  </p:cSld>
-  <p:clrMapOvr>
-    <a:masterClrMapping/>
-  </p:clrMapOvr>
-</p:notes>
-</file>
-
-<file path=ppt/notesSlides/notesSlide39.xml><?xml version="1.0" encoding="utf-8"?>
-<p:notes xmlns:a="http://schemas.openxmlformats.org/drawingml/2006/main" xmlns:r="http://schemas.openxmlformats.org/officeDocument/2006/relationships" xmlns:p="http://schemas.openxmlformats.org/presentationml/2006/main" showMasterSp="0" showMasterPhAnim="0">
-  <p:cSld>
-    <p:spTree>
-      <p:nvGrpSpPr>
-        <p:cNvPr id="1" name="Shape 323"/>
-        <p:cNvGrpSpPr/>
-        <p:nvPr/>
-      </p:nvGrpSpPr>
-      <p:grpSpPr>
-        <a:xfrm>
-          <a:off x="0" y="0"/>
-          <a:ext cx="0" cy="0"/>
-          <a:chOff x="0" y="0"/>
-          <a:chExt cx="0" cy="0"/>
-        </a:xfrm>
-      </p:grpSpPr>
-      <p:sp>
-        <p:nvSpPr>
-          <p:cNvPr id="324" name="Google Shape;324;g407f472c07_0_0:notes"/>
-          <p:cNvSpPr>
-            <a:spLocks noGrp="1" noRot="1" noChangeAspect="1"/>
-          </p:cNvSpPr>
-          <p:nvPr>
-            <p:ph type="sldImg" idx="2"/>
-          </p:nvPr>
-        </p:nvSpPr>
-        <p:spPr>
-          <a:xfrm>
-            <a:off x="381000" y="685800"/>
-            <a:ext cx="6096000" cy="3429000"/>
-          </a:xfrm>
-          <a:custGeom>
-            <a:avLst/>
-            <a:gdLst/>
-            <a:ahLst/>
-            <a:cxnLst/>
-            <a:rect l="l" t="t" r="r" b="b"/>
-            <a:pathLst>
-              <a:path w="120000" h="120000" extrusionOk="0">
-                <a:moveTo>
-                  <a:pt x="0" y="0"/>
-                </a:moveTo>
-                <a:lnTo>
-                  <a:pt x="120000" y="0"/>
-                </a:lnTo>
-                <a:lnTo>
-                  <a:pt x="120000" y="120000"/>
-                </a:lnTo>
-                <a:lnTo>
-                  <a:pt x="0" y="120000"/>
-                </a:lnTo>
-                <a:close/>
-              </a:path>
-            </a:pathLst>
-          </a:custGeom>
-        </p:spPr>
-      </p:sp>
-      <p:sp>
-        <p:nvSpPr>
-          <p:cNvPr id="325" name="Google Shape;325;g407f472c07_0_0:notes"/>
           <p:cNvSpPr txBox="1">
             <a:spLocks noGrp="1"/>
           </p:cNvSpPr>
@@ -4567,7 +4663,7 @@
   <p:cSld>
     <p:spTree>
       <p:nvGrpSpPr>
-        <p:cNvPr id="1" name="Shape 345"/>
+        <p:cNvPr id="1" name="Shape 318"/>
         <p:cNvGrpSpPr/>
         <p:nvPr/>
       </p:nvGrpSpPr>
@@ -4581,7 +4677,7 @@
       </p:grpSpPr>
       <p:sp>
         <p:nvSpPr>
-          <p:cNvPr id="346" name="Google Shape;346;g407f472c07_0_4:notes"/>
+          <p:cNvPr id="319" name="Google Shape;319;g3fe1bea38b_0_16:notes"/>
           <p:cNvSpPr>
             <a:spLocks noGrp="1" noRot="1" noChangeAspect="1"/>
           </p:cNvSpPr>
@@ -4622,7 +4718,7 @@
       </p:sp>
       <p:sp>
         <p:nvSpPr>
-          <p:cNvPr id="347" name="Google Shape;347;g407f472c07_0_4:notes"/>
+          <p:cNvPr id="320" name="Google Shape;320;g3fe1bea38b_0_16:notes"/>
           <p:cNvSpPr txBox="1">
             <a:spLocks noGrp="1"/>
           </p:cNvSpPr>
@@ -4645,7 +4741,7 @@
           </a:bodyPr>
           <a:lstStyle/>
           <a:p>
-            <a:pPr marL="0" lvl="0" indent="0" rtl="0">
+            <a:pPr marL="0" lvl="0" indent="0">
               <a:spcBef>
                 <a:spcPts val="0"/>
               </a:spcBef>
@@ -4667,6 +4763,214 @@
 </file>
 
 <file path=ppt/notesSlides/notesSlide41.xml><?xml version="1.0" encoding="utf-8"?>
+<p:notes xmlns:a="http://schemas.openxmlformats.org/drawingml/2006/main" xmlns:r="http://schemas.openxmlformats.org/officeDocument/2006/relationships" xmlns:p="http://schemas.openxmlformats.org/presentationml/2006/main" showMasterSp="0" showMasterPhAnim="0">
+  <p:cSld>
+    <p:spTree>
+      <p:nvGrpSpPr>
+        <p:cNvPr id="1" name="Shape 323"/>
+        <p:cNvGrpSpPr/>
+        <p:nvPr/>
+      </p:nvGrpSpPr>
+      <p:grpSpPr>
+        <a:xfrm>
+          <a:off x="0" y="0"/>
+          <a:ext cx="0" cy="0"/>
+          <a:chOff x="0" y="0"/>
+          <a:chExt cx="0" cy="0"/>
+        </a:xfrm>
+      </p:grpSpPr>
+      <p:sp>
+        <p:nvSpPr>
+          <p:cNvPr id="324" name="Google Shape;324;g407f472c07_0_0:notes"/>
+          <p:cNvSpPr>
+            <a:spLocks noGrp="1" noRot="1" noChangeAspect="1"/>
+          </p:cNvSpPr>
+          <p:nvPr>
+            <p:ph type="sldImg" idx="2"/>
+          </p:nvPr>
+        </p:nvSpPr>
+        <p:spPr>
+          <a:xfrm>
+            <a:off x="381000" y="685800"/>
+            <a:ext cx="6096000" cy="3429000"/>
+          </a:xfrm>
+          <a:custGeom>
+            <a:avLst/>
+            <a:gdLst/>
+            <a:ahLst/>
+            <a:cxnLst/>
+            <a:rect l="l" t="t" r="r" b="b"/>
+            <a:pathLst>
+              <a:path w="120000" h="120000" extrusionOk="0">
+                <a:moveTo>
+                  <a:pt x="0" y="0"/>
+                </a:moveTo>
+                <a:lnTo>
+                  <a:pt x="120000" y="0"/>
+                </a:lnTo>
+                <a:lnTo>
+                  <a:pt x="120000" y="120000"/>
+                </a:lnTo>
+                <a:lnTo>
+                  <a:pt x="0" y="120000"/>
+                </a:lnTo>
+                <a:close/>
+              </a:path>
+            </a:pathLst>
+          </a:custGeom>
+        </p:spPr>
+      </p:sp>
+      <p:sp>
+        <p:nvSpPr>
+          <p:cNvPr id="325" name="Google Shape;325;g407f472c07_0_0:notes"/>
+          <p:cNvSpPr txBox="1">
+            <a:spLocks noGrp="1"/>
+          </p:cNvSpPr>
+          <p:nvPr>
+            <p:ph type="body" idx="1"/>
+          </p:nvPr>
+        </p:nvSpPr>
+        <p:spPr>
+          <a:xfrm>
+            <a:off x="685800" y="4343400"/>
+            <a:ext cx="5486400" cy="4114800"/>
+          </a:xfrm>
+          <a:prstGeom prst="rect">
+            <a:avLst/>
+          </a:prstGeom>
+        </p:spPr>
+        <p:txBody>
+          <a:bodyPr spcFirstLastPara="1" wrap="square" lIns="91425" tIns="91425" rIns="91425" bIns="91425" anchor="t" anchorCtr="0">
+            <a:noAutofit/>
+          </a:bodyPr>
+          <a:lstStyle/>
+          <a:p>
+            <a:pPr marL="0" lvl="0" indent="0" rtl="0">
+              <a:spcBef>
+                <a:spcPts val="0"/>
+              </a:spcBef>
+              <a:spcAft>
+                <a:spcPts val="0"/>
+              </a:spcAft>
+              <a:buNone/>
+            </a:pPr>
+            <a:endParaRPr/>
+          </a:p>
+        </p:txBody>
+      </p:sp>
+    </p:spTree>
+  </p:cSld>
+  <p:clrMapOvr>
+    <a:masterClrMapping/>
+  </p:clrMapOvr>
+</p:notes>
+</file>
+
+<file path=ppt/notesSlides/notesSlide42.xml><?xml version="1.0" encoding="utf-8"?>
+<p:notes xmlns:a="http://schemas.openxmlformats.org/drawingml/2006/main" xmlns:r="http://schemas.openxmlformats.org/officeDocument/2006/relationships" xmlns:p="http://schemas.openxmlformats.org/presentationml/2006/main" showMasterSp="0" showMasterPhAnim="0">
+  <p:cSld>
+    <p:spTree>
+      <p:nvGrpSpPr>
+        <p:cNvPr id="1" name="Shape 345"/>
+        <p:cNvGrpSpPr/>
+        <p:nvPr/>
+      </p:nvGrpSpPr>
+      <p:grpSpPr>
+        <a:xfrm>
+          <a:off x="0" y="0"/>
+          <a:ext cx="0" cy="0"/>
+          <a:chOff x="0" y="0"/>
+          <a:chExt cx="0" cy="0"/>
+        </a:xfrm>
+      </p:grpSpPr>
+      <p:sp>
+        <p:nvSpPr>
+          <p:cNvPr id="346" name="Google Shape;346;g407f472c07_0_4:notes"/>
+          <p:cNvSpPr>
+            <a:spLocks noGrp="1" noRot="1" noChangeAspect="1"/>
+          </p:cNvSpPr>
+          <p:nvPr>
+            <p:ph type="sldImg" idx="2"/>
+          </p:nvPr>
+        </p:nvSpPr>
+        <p:spPr>
+          <a:xfrm>
+            <a:off x="381000" y="685800"/>
+            <a:ext cx="6096000" cy="3429000"/>
+          </a:xfrm>
+          <a:custGeom>
+            <a:avLst/>
+            <a:gdLst/>
+            <a:ahLst/>
+            <a:cxnLst/>
+            <a:rect l="l" t="t" r="r" b="b"/>
+            <a:pathLst>
+              <a:path w="120000" h="120000" extrusionOk="0">
+                <a:moveTo>
+                  <a:pt x="0" y="0"/>
+                </a:moveTo>
+                <a:lnTo>
+                  <a:pt x="120000" y="0"/>
+                </a:lnTo>
+                <a:lnTo>
+                  <a:pt x="120000" y="120000"/>
+                </a:lnTo>
+                <a:lnTo>
+                  <a:pt x="0" y="120000"/>
+                </a:lnTo>
+                <a:close/>
+              </a:path>
+            </a:pathLst>
+          </a:custGeom>
+        </p:spPr>
+      </p:sp>
+      <p:sp>
+        <p:nvSpPr>
+          <p:cNvPr id="347" name="Google Shape;347;g407f472c07_0_4:notes"/>
+          <p:cNvSpPr txBox="1">
+            <a:spLocks noGrp="1"/>
+          </p:cNvSpPr>
+          <p:nvPr>
+            <p:ph type="body" idx="1"/>
+          </p:nvPr>
+        </p:nvSpPr>
+        <p:spPr>
+          <a:xfrm>
+            <a:off x="685800" y="4343400"/>
+            <a:ext cx="5486400" cy="4114800"/>
+          </a:xfrm>
+          <a:prstGeom prst="rect">
+            <a:avLst/>
+          </a:prstGeom>
+        </p:spPr>
+        <p:txBody>
+          <a:bodyPr spcFirstLastPara="1" wrap="square" lIns="91425" tIns="91425" rIns="91425" bIns="91425" anchor="t" anchorCtr="0">
+            <a:noAutofit/>
+          </a:bodyPr>
+          <a:lstStyle/>
+          <a:p>
+            <a:pPr marL="0" lvl="0" indent="0" rtl="0">
+              <a:spcBef>
+                <a:spcPts val="0"/>
+              </a:spcBef>
+              <a:spcAft>
+                <a:spcPts val="0"/>
+              </a:spcAft>
+              <a:buNone/>
+            </a:pPr>
+            <a:endParaRPr/>
+          </a:p>
+        </p:txBody>
+      </p:sp>
+    </p:spTree>
+  </p:cSld>
+  <p:clrMapOvr>
+    <a:masterClrMapping/>
+  </p:clrMapOvr>
+</p:notes>
+</file>
+
+<file path=ppt/notesSlides/notesSlide43.xml><?xml version="1.0" encoding="utf-8"?>
 <p:notes xmlns:a="http://schemas.openxmlformats.org/drawingml/2006/main" xmlns:r="http://schemas.openxmlformats.org/officeDocument/2006/relationships" xmlns:p="http://schemas.openxmlformats.org/presentationml/2006/main" showMasterSp="0" showMasterPhAnim="0">
   <p:cSld>
     <p:spTree>
@@ -4770,7 +5074,7 @@
 </p:notes>
 </file>
 
-<file path=ppt/notesSlides/notesSlide42.xml><?xml version="1.0" encoding="utf-8"?>
+<file path=ppt/notesSlides/notesSlide44.xml><?xml version="1.0" encoding="utf-8"?>
 <p:notes xmlns:a="http://schemas.openxmlformats.org/drawingml/2006/main" xmlns:r="http://schemas.openxmlformats.org/officeDocument/2006/relationships" xmlns:p="http://schemas.openxmlformats.org/presentationml/2006/main" showMasterSp="0" showMasterPhAnim="0">
   <p:cSld>
     <p:spTree>
@@ -4874,12 +5178,12 @@
 </p:notes>
 </file>
 
-<file path=ppt/notesSlides/notesSlide43.xml><?xml version="1.0" encoding="utf-8"?>
+<file path=ppt/notesSlides/notesSlide45.xml><?xml version="1.0" encoding="utf-8"?>
 <p:notes xmlns:a="http://schemas.openxmlformats.org/drawingml/2006/main" xmlns:r="http://schemas.openxmlformats.org/officeDocument/2006/relationships" xmlns:p="http://schemas.openxmlformats.org/presentationml/2006/main" showMasterSp="0" showMasterPhAnim="0">
   <p:cSld>
     <p:spTree>
       <p:nvGrpSpPr>
-        <p:cNvPr id="1" name="Shape 364"/>
+        <p:cNvPr id="1" name="Shape 350"/>
         <p:cNvGrpSpPr/>
         <p:nvPr/>
       </p:nvGrpSpPr>
@@ -4893,7 +5197,7 @@
       </p:grpSpPr>
       <p:sp>
         <p:nvSpPr>
-          <p:cNvPr id="365" name="Google Shape;365;g3fe1bea38b_0_34:notes"/>
+          <p:cNvPr id="351" name="Google Shape;351;g3fe1bea38b_0_28:notes"/>
           <p:cNvSpPr>
             <a:spLocks noGrp="1" noRot="1" noChangeAspect="1"/>
           </p:cNvSpPr>
@@ -4934,7 +5238,7 @@
       </p:sp>
       <p:sp>
         <p:nvSpPr>
-          <p:cNvPr id="366" name="Google Shape;366;g3fe1bea38b_0_34:notes"/>
+          <p:cNvPr id="352" name="Google Shape;352;g3fe1bea38b_0_28:notes"/>
           <p:cNvSpPr txBox="1">
             <a:spLocks noGrp="1"/>
           </p:cNvSpPr>
@@ -4971,6 +5275,11 @@
         </p:txBody>
       </p:sp>
     </p:spTree>
+    <p:extLst>
+      <p:ext uri="{BB962C8B-B14F-4D97-AF65-F5344CB8AC3E}">
+        <p14:creationId xmlns:p14="http://schemas.microsoft.com/office/powerpoint/2010/main" val="3095683059"/>
+      </p:ext>
+    </p:extLst>
   </p:cSld>
   <p:clrMapOvr>
     <a:masterClrMapping/>
@@ -4978,7 +5287,7 @@
 </p:notes>
 </file>
 
-<file path=ppt/notesSlides/notesSlide44.xml><?xml version="1.0" encoding="utf-8"?>
+<file path=ppt/notesSlides/notesSlide46.xml><?xml version="1.0" encoding="utf-8"?>
 <p:notes xmlns:a="http://schemas.openxmlformats.org/drawingml/2006/main" xmlns:r="http://schemas.openxmlformats.org/officeDocument/2006/relationships" xmlns:p="http://schemas.openxmlformats.org/presentationml/2006/main" showMasterSp="0" showMasterPhAnim="0">
   <p:cSld>
     <p:spTree>
@@ -5621,10 +5930,10 @@
       </p:grpSpPr>
       <p:pic>
         <p:nvPicPr>
-          <p:cNvPr id="3074" name="Picture 2" descr="Related image">
+          <p:cNvPr id="4098" name="Picture 2" descr="http://scyfer.nl/wp-content/uploads/2016/03/Scyfer-2.jpg">
             <a:extLst>
               <a:ext uri="{FF2B5EF4-FFF2-40B4-BE49-F238E27FC236}">
-                <a16:creationId xmlns:a16="http://schemas.microsoft.com/office/drawing/2014/main" id="{83FEA4BF-B65F-4D63-9D7F-B80E14EEACF8}"/>
+                <a16:creationId xmlns:a16="http://schemas.microsoft.com/office/drawing/2014/main" id="{0EB72757-206C-4DED-9249-70826D77AF01}"/>
               </a:ext>
             </a:extLst>
           </p:cNvPr>
@@ -5635,13 +5944,6 @@
         </p:nvPicPr>
         <p:blipFill>
           <a:blip r:embed="rId2">
-            <a:duotone>
-              <a:prstClr val="black"/>
-              <a:schemeClr val="accent5">
-                <a:tint val="45000"/>
-                <a:satMod val="400000"/>
-              </a:schemeClr>
-            </a:duotone>
             <a:extLst>
               <a:ext uri="{28A0092B-C50C-407E-A947-70E740481C1C}">
                 <a14:useLocalDpi xmlns:a14="http://schemas.microsoft.com/office/drawing/2010/main" val="0"/>
@@ -6735,10 +7037,10 @@
       </p:grpSpPr>
       <p:pic>
         <p:nvPicPr>
-          <p:cNvPr id="8194" name="Picture 2" descr="Related image">
+          <p:cNvPr id="5122" name="Picture 2" descr="http://scyfer.nl/wp-content/uploads/2016/03/Scyfer-2.jpg">
             <a:extLst>
               <a:ext uri="{FF2B5EF4-FFF2-40B4-BE49-F238E27FC236}">
-                <a16:creationId xmlns:a16="http://schemas.microsoft.com/office/drawing/2014/main" id="{F0251B5C-6A8E-4CA1-9E88-329068C5AB74}"/>
+                <a16:creationId xmlns:a16="http://schemas.microsoft.com/office/drawing/2014/main" id="{3CFD19D9-28E8-400A-ADEF-BA121DBDCE76}"/>
               </a:ext>
             </a:extLst>
           </p:cNvPr>
@@ -6749,13 +7051,6 @@
         </p:nvPicPr>
         <p:blipFill>
           <a:blip r:embed="rId2">
-            <a:duotone>
-              <a:prstClr val="black"/>
-              <a:schemeClr val="accent5">
-                <a:tint val="45000"/>
-                <a:satMod val="400000"/>
-              </a:schemeClr>
-            </a:duotone>
             <a:extLst>
               <a:ext uri="{28A0092B-C50C-407E-A947-70E740481C1C}">
                 <a14:useLocalDpi xmlns:a14="http://schemas.microsoft.com/office/drawing/2010/main" val="0"/>
@@ -8089,10 +8384,10 @@
       </p:grpSpPr>
       <p:pic>
         <p:nvPicPr>
-          <p:cNvPr id="4098" name="Picture 2" descr="Related image">
+          <p:cNvPr id="6146" name="Picture 2" descr="http://scyfer.nl/wp-content/uploads/2016/03/Scyfer-2.jpg">
             <a:extLst>
               <a:ext uri="{FF2B5EF4-FFF2-40B4-BE49-F238E27FC236}">
-                <a16:creationId xmlns:a16="http://schemas.microsoft.com/office/drawing/2014/main" id="{3A1BDBB9-0E6C-4FCF-8F71-812CAB43D35E}"/>
+                <a16:creationId xmlns:a16="http://schemas.microsoft.com/office/drawing/2014/main" id="{60DA5479-C97A-4877-9FAD-51B95E41C5E7}"/>
               </a:ext>
             </a:extLst>
           </p:cNvPr>
@@ -8103,26 +8398,19 @@
         </p:nvPicPr>
         <p:blipFill rotWithShape="1">
           <a:blip r:embed="rId2">
-            <a:duotone>
-              <a:prstClr val="black"/>
-              <a:schemeClr val="accent5">
-                <a:tint val="45000"/>
-                <a:satMod val="400000"/>
-              </a:schemeClr>
-            </a:duotone>
             <a:extLst>
               <a:ext uri="{28A0092B-C50C-407E-A947-70E740481C1C}">
                 <a14:useLocalDpi xmlns:a14="http://schemas.microsoft.com/office/drawing/2010/main" val="0"/>
               </a:ext>
             </a:extLst>
           </a:blip>
-          <a:srcRect t="42412" b="43416"/>
+          <a:srcRect t="67529" b="19710"/>
           <a:stretch/>
         </p:blipFill>
         <p:spPr bwMode="auto">
-          <a:xfrm>
-            <a:off x="0" y="-72571"/>
-            <a:ext cx="9144000" cy="728921"/>
+          <a:xfrm flipH="1">
+            <a:off x="0" y="1"/>
+            <a:ext cx="9144000" cy="656349"/>
           </a:xfrm>
           <a:prstGeom prst="rect">
             <a:avLst/>
@@ -8468,10 +8756,10 @@
       </p:grpSpPr>
       <p:pic>
         <p:nvPicPr>
-          <p:cNvPr id="5122" name="Picture 2" descr="Related image">
+          <p:cNvPr id="2050" name="Picture 2" descr="http://scyfer.nl/wp-content/uploads/2016/03/Scyfer-2.jpg">
             <a:extLst>
               <a:ext uri="{FF2B5EF4-FFF2-40B4-BE49-F238E27FC236}">
-                <a16:creationId xmlns:a16="http://schemas.microsoft.com/office/drawing/2014/main" id="{BFA1CE04-137C-4749-A3EC-11808B3A4805}"/>
+                <a16:creationId xmlns:a16="http://schemas.microsoft.com/office/drawing/2014/main" id="{87EEB8D5-B921-42B4-8198-4B91EF51EEEA}"/>
               </a:ext>
             </a:extLst>
           </p:cNvPr>
@@ -8482,13 +8770,6 @@
         </p:nvPicPr>
         <p:blipFill>
           <a:blip r:embed="rId2">
-            <a:duotone>
-              <a:prstClr val="black"/>
-              <a:schemeClr val="accent5">
-                <a:tint val="45000"/>
-                <a:satMod val="400000"/>
-              </a:schemeClr>
-            </a:duotone>
             <a:extLst>
               <a:ext uri="{28A0092B-C50C-407E-A947-70E740481C1C}">
                 <a14:useLocalDpi xmlns:a14="http://schemas.microsoft.com/office/drawing/2010/main" val="0"/>
@@ -8502,7 +8783,7 @@
         </p:blipFill>
         <p:spPr bwMode="auto">
           <a:xfrm>
-            <a:off x="589" y="0"/>
+            <a:off x="0" y="0"/>
             <a:ext cx="9144000" cy="5143500"/>
           </a:xfrm>
           <a:prstGeom prst="rect">
@@ -9038,10 +9319,10 @@
       </p:grpSpPr>
       <p:pic>
         <p:nvPicPr>
-          <p:cNvPr id="7170" name="Picture 2" descr="Related image">
+          <p:cNvPr id="3074" name="Picture 2" descr="http://scyfer.nl/wp-content/uploads/2016/03/Scyfer-2.jpg">
             <a:extLst>
               <a:ext uri="{FF2B5EF4-FFF2-40B4-BE49-F238E27FC236}">
-                <a16:creationId xmlns:a16="http://schemas.microsoft.com/office/drawing/2014/main" id="{253866C6-88B5-47B8-A3D3-3BE4236466F0}"/>
+                <a16:creationId xmlns:a16="http://schemas.microsoft.com/office/drawing/2014/main" id="{F9CE9236-45FA-4600-80AC-4E9D4AE5DAB2}"/>
               </a:ext>
             </a:extLst>
           </p:cNvPr>
@@ -9052,13 +9333,6 @@
         </p:nvPicPr>
         <p:blipFill>
           <a:blip r:embed="rId2">
-            <a:duotone>
-              <a:prstClr val="black"/>
-              <a:schemeClr val="accent5">
-                <a:tint val="45000"/>
-                <a:satMod val="400000"/>
-              </a:schemeClr>
-            </a:duotone>
             <a:extLst>
               <a:ext uri="{28A0092B-C50C-407E-A947-70E740481C1C}">
                 <a14:useLocalDpi xmlns:a14="http://schemas.microsoft.com/office/drawing/2010/main" val="0"/>
@@ -9352,6 +9626,51 @@
           <a:chExt cx="0" cy="0"/>
         </a:xfrm>
       </p:grpSpPr>
+      <p:pic>
+        <p:nvPicPr>
+          <p:cNvPr id="1028" name="Picture 4" descr="http://scyfer.nl/wp-content/uploads/2016/03/Scyfer-2.jpg">
+            <a:extLst>
+              <a:ext uri="{FF2B5EF4-FFF2-40B4-BE49-F238E27FC236}">
+                <a16:creationId xmlns:a16="http://schemas.microsoft.com/office/drawing/2014/main" id="{F282F11C-617F-4651-AA8E-C52969954636}"/>
+              </a:ext>
+            </a:extLst>
+          </p:cNvPr>
+          <p:cNvPicPr>
+            <a:picLocks noChangeAspect="1" noChangeArrowheads="1"/>
+          </p:cNvPicPr>
+          <p:nvPr userDrawn="1"/>
+        </p:nvPicPr>
+        <p:blipFill rotWithShape="1">
+          <a:blip r:embed="rId2">
+            <a:extLst>
+              <a:ext uri="{28A0092B-C50C-407E-A947-70E740481C1C}">
+                <a14:useLocalDpi xmlns:a14="http://schemas.microsoft.com/office/drawing/2010/main" val="0"/>
+              </a:ext>
+            </a:extLst>
+          </a:blip>
+          <a:srcRect r="50000"/>
+          <a:stretch/>
+        </p:blipFill>
+        <p:spPr bwMode="auto">
+          <a:xfrm>
+            <a:off x="4572000" y="0"/>
+            <a:ext cx="4572000" cy="5143500"/>
+          </a:xfrm>
+          <a:prstGeom prst="rect">
+            <a:avLst/>
+          </a:prstGeom>
+          <a:noFill/>
+          <a:extLst>
+            <a:ext uri="{909E8E84-426E-40DD-AFC4-6F175D3DCCD1}">
+              <a14:hiddenFill xmlns:a14="http://schemas.microsoft.com/office/drawing/2010/main">
+                <a:solidFill>
+                  <a:srgbClr val="FFFFFF"/>
+                </a:solidFill>
+              </a14:hiddenFill>
+            </a:ext>
+          </a:extLst>
+        </p:spPr>
+      </p:pic>
       <p:sp>
         <p:nvSpPr>
           <p:cNvPr id="46" name="Google Shape;46;p9"/>
@@ -9637,7 +9956,7 @@
             </a:lvl9pPr>
           </a:lstStyle>
           <a:p>
-            <a:endParaRPr/>
+            <a:endParaRPr dirty="0"/>
           </a:p>
         </p:txBody>
       </p:sp>
@@ -9809,8 +10128,8 @@
         </p:nvSpPr>
         <p:spPr>
           <a:xfrm>
-            <a:off x="9511500" y="751915"/>
-            <a:ext cx="3837000" cy="4030070"/>
+            <a:off x="9678414" y="171343"/>
+            <a:ext cx="3837000" cy="3725743"/>
           </a:xfrm>
           <a:prstGeom prst="rect">
             <a:avLst/>
@@ -10096,58 +10415,6 @@
           </a:p>
         </p:txBody>
       </p:sp>
-      <p:pic>
-        <p:nvPicPr>
-          <p:cNvPr id="6150" name="Picture 6" descr="Related image">
-            <a:extLst>
-              <a:ext uri="{FF2B5EF4-FFF2-40B4-BE49-F238E27FC236}">
-                <a16:creationId xmlns:a16="http://schemas.microsoft.com/office/drawing/2014/main" id="{11B1482A-62B9-4685-83D7-984AFEE4C6BA}"/>
-              </a:ext>
-            </a:extLst>
-          </p:cNvPr>
-          <p:cNvPicPr>
-            <a:picLocks noChangeAspect="1" noChangeArrowheads="1"/>
-          </p:cNvPicPr>
-          <p:nvPr userDrawn="1"/>
-        </p:nvPicPr>
-        <p:blipFill rotWithShape="1">
-          <a:blip r:embed="rId2">
-            <a:duotone>
-              <a:prstClr val="black"/>
-              <a:schemeClr val="accent5">
-                <a:tint val="45000"/>
-                <a:satMod val="400000"/>
-              </a:schemeClr>
-            </a:duotone>
-            <a:extLst>
-              <a:ext uri="{28A0092B-C50C-407E-A947-70E740481C1C}">
-                <a14:useLocalDpi xmlns:a14="http://schemas.microsoft.com/office/drawing/2010/main" val="0"/>
-              </a:ext>
-            </a:extLst>
-          </a:blip>
-          <a:srcRect r="50000"/>
-          <a:stretch/>
-        </p:blipFill>
-        <p:spPr bwMode="auto">
-          <a:xfrm>
-            <a:off x="4572000" y="-25419"/>
-            <a:ext cx="4572000" cy="5609772"/>
-          </a:xfrm>
-          <a:prstGeom prst="rect">
-            <a:avLst/>
-          </a:prstGeom>
-          <a:noFill/>
-          <a:extLst>
-            <a:ext uri="{909E8E84-426E-40DD-AFC4-6F175D3DCCD1}">
-              <a14:hiddenFill xmlns:a14="http://schemas.microsoft.com/office/drawing/2010/main">
-                <a:solidFill>
-                  <a:srgbClr val="FFFFFF"/>
-                </a:solidFill>
-              </a14:hiddenFill>
-            </a:ext>
-          </a:extLst>
-        </p:spPr>
-      </p:pic>
     </p:spTree>
   </p:cSld>
   <p:clrMapOvr>
@@ -11934,12 +12201,18 @@
               <a:buNone/>
             </a:pPr>
             <a:r>
-              <a:rPr lang="en" dirty="0">
-                <a:latin typeface="LM Roman 12" panose="00000500000000000000" pitchFamily="50" charset="0"/>
-              </a:rPr>
-              <a:t>Saurabh Bhatt</a:t>
+              <a:rPr lang="en-IN" dirty="0"/>
+              <a:t>An Introduction to Sci-Kit Learn (</a:t>
             </a:r>
-            <a:endParaRPr dirty="0">
+            <a:r>
+              <a:rPr lang="en-IN" dirty="0" err="1"/>
+              <a:t>sklearn</a:t>
+            </a:r>
+            <a:r>
+              <a:rPr lang="en-IN" dirty="0"/>
+              <a:t>)</a:t>
+            </a:r>
+            <a:endParaRPr lang="en-IN" dirty="0">
               <a:latin typeface="LM Roman 12" panose="00000500000000000000" pitchFamily="50" charset="0"/>
             </a:endParaRPr>
           </a:p>
@@ -12180,7 +12453,7 @@
           </a:prstGeom>
         </p:spPr>
         <p:txBody>
-          <a:bodyPr spcFirstLastPara="1" wrap="square" lIns="91425" tIns="91425" rIns="91425" bIns="91425" anchor="ctr" anchorCtr="0">
+          <a:bodyPr spcFirstLastPara="1" wrap="square" lIns="91425" tIns="91425" rIns="91425" bIns="91425" anchor="t" anchorCtr="0">
             <a:noAutofit/>
           </a:bodyPr>
           <a:lstStyle/>
@@ -12196,22 +12469,10 @@
               <a:buChar char="●"/>
             </a:pPr>
             <a:r>
-              <a:rPr lang="en"/>
+              <a:rPr lang="en" dirty="0"/>
               <a:t>Create Workspace / Virtual Environment</a:t>
             </a:r>
-            <a:endParaRPr/>
-          </a:p>
-          <a:p>
-            <a:pPr marL="457200" lvl="0" indent="0" rtl="0">
-              <a:spcBef>
-                <a:spcPts val="1600"/>
-              </a:spcBef>
-              <a:spcAft>
-                <a:spcPts val="0"/>
-              </a:spcAft>
-              <a:buNone/>
-            </a:pPr>
-            <a:endParaRPr/>
+            <a:endParaRPr dirty="0"/>
           </a:p>
           <a:p>
             <a:pPr marL="457200" lvl="0" indent="-342900" rtl="0">
@@ -12225,22 +12486,10 @@
               <a:buChar char="●"/>
             </a:pPr>
             <a:r>
-              <a:rPr lang="en"/>
+              <a:rPr lang="en" dirty="0"/>
               <a:t>Importing Data</a:t>
             </a:r>
-            <a:endParaRPr/>
-          </a:p>
-          <a:p>
-            <a:pPr marL="457200" lvl="0" indent="0" rtl="0">
-              <a:spcBef>
-                <a:spcPts val="1600"/>
-              </a:spcBef>
-              <a:spcAft>
-                <a:spcPts val="0"/>
-              </a:spcAft>
-              <a:buNone/>
-            </a:pPr>
-            <a:endParaRPr/>
+            <a:endParaRPr dirty="0"/>
           </a:p>
           <a:p>
             <a:pPr marL="457200" lvl="0" indent="-342900" rtl="0">
@@ -12254,22 +12503,10 @@
               <a:buChar char="●"/>
             </a:pPr>
             <a:r>
-              <a:rPr lang="en"/>
+              <a:rPr lang="en" dirty="0"/>
               <a:t>Quick look on the data structure</a:t>
             </a:r>
-            <a:endParaRPr/>
-          </a:p>
-          <a:p>
-            <a:pPr marL="457200" lvl="0" indent="0" rtl="0">
-              <a:spcBef>
-                <a:spcPts val="1600"/>
-              </a:spcBef>
-              <a:spcAft>
-                <a:spcPts val="0"/>
-              </a:spcAft>
-              <a:buNone/>
-            </a:pPr>
-            <a:endParaRPr/>
+            <a:endParaRPr dirty="0"/>
           </a:p>
           <a:p>
             <a:pPr marL="457200" lvl="0" indent="-342900" rtl="0">
@@ -12283,10 +12520,10 @@
               <a:buChar char="●"/>
             </a:pPr>
             <a:r>
-              <a:rPr lang="en"/>
+              <a:rPr lang="en" dirty="0"/>
               <a:t>Creating a test set</a:t>
             </a:r>
-            <a:endParaRPr/>
+            <a:endParaRPr dirty="0"/>
           </a:p>
         </p:txBody>
       </p:sp>
@@ -12340,8 +12577,8 @@
         </p:nvSpPr>
         <p:spPr>
           <a:xfrm>
-            <a:off x="5006700" y="1689475"/>
-            <a:ext cx="3702600" cy="740400"/>
+            <a:off x="5006700" y="1223390"/>
+            <a:ext cx="3702600" cy="529210"/>
           </a:xfrm>
           <a:prstGeom prst="roundRect">
             <a:avLst>
@@ -12423,7 +12660,7 @@
           </a:prstGeom>
         </p:spPr>
         <p:txBody>
-          <a:bodyPr spcFirstLastPara="1" wrap="square" lIns="91425" tIns="91425" rIns="91425" bIns="91425" anchor="ctr" anchorCtr="0">
+          <a:bodyPr spcFirstLastPara="1" wrap="square" lIns="91425" tIns="91425" rIns="91425" bIns="91425" anchor="t" anchorCtr="0">
             <a:noAutofit/>
           </a:bodyPr>
           <a:lstStyle/>
@@ -12439,22 +12676,10 @@
               <a:buChar char="●"/>
             </a:pPr>
             <a:r>
-              <a:rPr lang="en"/>
+              <a:rPr lang="en" dirty="0"/>
               <a:t>Create Workspace / Virtual Environment</a:t>
             </a:r>
-            <a:endParaRPr/>
-          </a:p>
-          <a:p>
-            <a:pPr marL="457200" lvl="0" indent="0" rtl="0">
-              <a:spcBef>
-                <a:spcPts val="1600"/>
-              </a:spcBef>
-              <a:spcAft>
-                <a:spcPts val="0"/>
-              </a:spcAft>
-              <a:buNone/>
-            </a:pPr>
-            <a:endParaRPr/>
+            <a:endParaRPr dirty="0"/>
           </a:p>
           <a:p>
             <a:pPr marL="457200" lvl="0" indent="-342900" rtl="0">
@@ -12468,22 +12693,10 @@
               <a:buChar char="●"/>
             </a:pPr>
             <a:r>
-              <a:rPr lang="en"/>
+              <a:rPr lang="en" dirty="0"/>
               <a:t>Importing Data</a:t>
             </a:r>
-            <a:endParaRPr/>
-          </a:p>
-          <a:p>
-            <a:pPr marL="457200" lvl="0" indent="0" rtl="0">
-              <a:spcBef>
-                <a:spcPts val="1600"/>
-              </a:spcBef>
-              <a:spcAft>
-                <a:spcPts val="0"/>
-              </a:spcAft>
-              <a:buNone/>
-            </a:pPr>
-            <a:endParaRPr/>
+            <a:endParaRPr dirty="0"/>
           </a:p>
           <a:p>
             <a:pPr marL="457200" lvl="0" indent="-342900" rtl="0">
@@ -12497,22 +12710,10 @@
               <a:buChar char="●"/>
             </a:pPr>
             <a:r>
-              <a:rPr lang="en"/>
+              <a:rPr lang="en" dirty="0"/>
               <a:t>Quick look on the data structure</a:t>
             </a:r>
-            <a:endParaRPr/>
-          </a:p>
-          <a:p>
-            <a:pPr marL="457200" lvl="0" indent="0" rtl="0">
-              <a:spcBef>
-                <a:spcPts val="1600"/>
-              </a:spcBef>
-              <a:spcAft>
-                <a:spcPts val="0"/>
-              </a:spcAft>
-              <a:buNone/>
-            </a:pPr>
-            <a:endParaRPr/>
+            <a:endParaRPr dirty="0"/>
           </a:p>
           <a:p>
             <a:pPr marL="457200" lvl="0" indent="-342900" rtl="0">
@@ -12526,10 +12727,10 @@
               <a:buChar char="●"/>
             </a:pPr>
             <a:r>
-              <a:rPr lang="en"/>
+              <a:rPr lang="en" dirty="0"/>
               <a:t>Creating a test set</a:t>
             </a:r>
-            <a:endParaRPr/>
+            <a:endParaRPr dirty="0"/>
           </a:p>
         </p:txBody>
       </p:sp>
@@ -12583,8 +12784,8 @@
         </p:nvSpPr>
         <p:spPr>
           <a:xfrm>
-            <a:off x="5006700" y="2886175"/>
-            <a:ext cx="3702600" cy="740400"/>
+            <a:off x="4939500" y="1766035"/>
+            <a:ext cx="3702600" cy="672365"/>
           </a:xfrm>
           <a:prstGeom prst="roundRect">
             <a:avLst>
@@ -14032,7 +14233,7 @@
                 </a:solidFill>
                 <a:latin typeface="LM Roman 12" panose="00000500000000000000" pitchFamily="50" charset="0"/>
               </a:rPr>
-              <a:t>related with the last contact of the current campaign:</a:t>
+              <a:t>Contact of the current campaign:</a:t>
             </a:r>
           </a:p>
           <a:p>
@@ -15392,7 +15593,7 @@
         </p:nvSpPr>
         <p:spPr>
           <a:xfrm>
-            <a:off x="211564" y="1613286"/>
+            <a:off x="211564" y="394086"/>
             <a:ext cx="2808000" cy="953400"/>
           </a:xfrm>
           <a:prstGeom prst="rect">
@@ -15434,7 +15635,7 @@
         </p:nvSpPr>
         <p:spPr>
           <a:xfrm>
-            <a:off x="211560" y="2416486"/>
+            <a:off x="211560" y="1197286"/>
             <a:ext cx="2974325" cy="3163500"/>
           </a:xfrm>
           <a:prstGeom prst="rect">
@@ -15654,6 +15855,128 @@
           </a:p>
         </p:txBody>
       </p:sp>
+      <p:grpSp>
+        <p:nvGrpSpPr>
+          <p:cNvPr id="3" name="Group 2">
+            <a:extLst>
+              <a:ext uri="{FF2B5EF4-FFF2-40B4-BE49-F238E27FC236}">
+                <a16:creationId xmlns:a16="http://schemas.microsoft.com/office/drawing/2014/main" id="{BF69A33E-63EF-4E6E-9DB4-40E35A600993}"/>
+              </a:ext>
+            </a:extLst>
+          </p:cNvPr>
+          <p:cNvGrpSpPr/>
+          <p:nvPr/>
+        </p:nvGrpSpPr>
+        <p:grpSpPr>
+          <a:xfrm>
+            <a:off x="543339" y="1716156"/>
+            <a:ext cx="2140226" cy="702365"/>
+            <a:chOff x="543339" y="2935356"/>
+            <a:chExt cx="2140226" cy="702365"/>
+          </a:xfrm>
+        </p:grpSpPr>
+        <p:sp>
+          <p:nvSpPr>
+            <p:cNvPr id="2" name="Rectangle 1">
+              <a:extLst>
+                <a:ext uri="{FF2B5EF4-FFF2-40B4-BE49-F238E27FC236}">
+                  <a16:creationId xmlns:a16="http://schemas.microsoft.com/office/drawing/2014/main" id="{70AA238B-3B42-40D7-9D01-5E8500DF2132}"/>
+                </a:ext>
+              </a:extLst>
+            </p:cNvPr>
+            <p:cNvSpPr/>
+            <p:nvPr/>
+          </p:nvSpPr>
+          <p:spPr>
+            <a:xfrm>
+              <a:off x="543339" y="2935356"/>
+              <a:ext cx="2140226" cy="702365"/>
+            </a:xfrm>
+            <a:prstGeom prst="rect">
+              <a:avLst/>
+            </a:prstGeom>
+            <a:solidFill>
+              <a:schemeClr val="bg1"/>
+            </a:solidFill>
+            <a:ln>
+              <a:solidFill>
+                <a:schemeClr val="bg1"/>
+              </a:solidFill>
+            </a:ln>
+          </p:spPr>
+          <p:style>
+            <a:lnRef idx="2">
+              <a:schemeClr val="accent1">
+                <a:shade val="50000"/>
+              </a:schemeClr>
+            </a:lnRef>
+            <a:fillRef idx="1">
+              <a:schemeClr val="accent1"/>
+            </a:fillRef>
+            <a:effectRef idx="0">
+              <a:schemeClr val="accent1"/>
+            </a:effectRef>
+            <a:fontRef idx="minor">
+              <a:schemeClr val="lt1"/>
+            </a:fontRef>
+          </p:style>
+          <p:txBody>
+            <a:bodyPr rtlCol="0" anchor="ctr"/>
+            <a:lstStyle/>
+            <a:p>
+              <a:pPr algn="ctr"/>
+              <a:endParaRPr lang="en-IN"/>
+            </a:p>
+          </p:txBody>
+        </p:sp>
+        <p:pic>
+          <p:nvPicPr>
+            <p:cNvPr id="1026" name="Picture 2" descr="Image result for fractalanalytics">
+              <a:extLst>
+                <a:ext uri="{FF2B5EF4-FFF2-40B4-BE49-F238E27FC236}">
+                  <a16:creationId xmlns:a16="http://schemas.microsoft.com/office/drawing/2014/main" id="{BB4C098A-B00B-4A68-9B1E-715A6DE7F3EB}"/>
+                </a:ext>
+              </a:extLst>
+            </p:cNvPr>
+            <p:cNvPicPr>
+              <a:picLocks noChangeAspect="1" noChangeArrowheads="1"/>
+            </p:cNvPicPr>
+            <p:nvPr/>
+          </p:nvPicPr>
+          <p:blipFill>
+            <a:blip r:embed="rId3">
+              <a:extLst>
+                <a:ext uri="{28A0092B-C50C-407E-A947-70E740481C1C}">
+                  <a14:useLocalDpi xmlns:a14="http://schemas.microsoft.com/office/drawing/2010/main" val="0"/>
+                </a:ext>
+              </a:extLst>
+            </a:blip>
+            <a:srcRect/>
+            <a:stretch>
+              <a:fillRect/>
+            </a:stretch>
+          </p:blipFill>
+          <p:spPr bwMode="auto">
+            <a:xfrm>
+              <a:off x="654544" y="2994916"/>
+              <a:ext cx="1922040" cy="547248"/>
+            </a:xfrm>
+            <a:prstGeom prst="rect">
+              <a:avLst/>
+            </a:prstGeom>
+            <a:noFill/>
+            <a:extLst>
+              <a:ext uri="{909E8E84-426E-40DD-AFC4-6F175D3DCCD1}">
+                <a14:hiddenFill xmlns:a14="http://schemas.microsoft.com/office/drawing/2010/main">
+                  <a:solidFill>
+                    <a:srgbClr val="FFFFFF"/>
+                  </a:solidFill>
+                </a14:hiddenFill>
+              </a:ext>
+            </a:extLst>
+          </p:spPr>
+        </p:pic>
+      </p:grpSp>
     </p:spTree>
   </p:cSld>
   <p:clrMapOvr>
@@ -15984,7 +16307,7 @@
           </a:prstGeom>
         </p:spPr>
         <p:txBody>
-          <a:bodyPr spcFirstLastPara="1" wrap="square" lIns="91425" tIns="91425" rIns="91425" bIns="91425" anchor="ctr" anchorCtr="0">
+          <a:bodyPr spcFirstLastPara="1" wrap="square" lIns="91425" tIns="91425" rIns="91425" bIns="91425" anchor="t" anchorCtr="0">
             <a:noAutofit/>
           </a:bodyPr>
           <a:lstStyle/>
@@ -16000,22 +16323,10 @@
               <a:buChar char="●"/>
             </a:pPr>
             <a:r>
-              <a:rPr lang="en"/>
+              <a:rPr lang="en" dirty="0"/>
               <a:t>Create Workspace / Virtual Environment</a:t>
             </a:r>
-            <a:endParaRPr/>
-          </a:p>
-          <a:p>
-            <a:pPr marL="457200" lvl="0" indent="0" rtl="0">
-              <a:spcBef>
-                <a:spcPts val="1600"/>
-              </a:spcBef>
-              <a:spcAft>
-                <a:spcPts val="0"/>
-              </a:spcAft>
-              <a:buNone/>
-            </a:pPr>
-            <a:endParaRPr/>
+            <a:endParaRPr dirty="0"/>
           </a:p>
           <a:p>
             <a:pPr marL="457200" lvl="0" indent="-342900" rtl="0">
@@ -16029,22 +16340,10 @@
               <a:buChar char="●"/>
             </a:pPr>
             <a:r>
-              <a:rPr lang="en"/>
+              <a:rPr lang="en" dirty="0"/>
               <a:t>Importing Data</a:t>
             </a:r>
-            <a:endParaRPr/>
-          </a:p>
-          <a:p>
-            <a:pPr marL="457200" lvl="0" indent="0" rtl="0">
-              <a:spcBef>
-                <a:spcPts val="1600"/>
-              </a:spcBef>
-              <a:spcAft>
-                <a:spcPts val="0"/>
-              </a:spcAft>
-              <a:buNone/>
-            </a:pPr>
-            <a:endParaRPr/>
+            <a:endParaRPr dirty="0"/>
           </a:p>
           <a:p>
             <a:pPr marL="457200" lvl="0" indent="-342900" rtl="0">
@@ -16058,22 +16357,10 @@
               <a:buChar char="●"/>
             </a:pPr>
             <a:r>
-              <a:rPr lang="en"/>
+              <a:rPr lang="en" dirty="0"/>
               <a:t>Quick look on the data structure</a:t>
             </a:r>
-            <a:endParaRPr/>
-          </a:p>
-          <a:p>
-            <a:pPr marL="457200" lvl="0" indent="0" rtl="0">
-              <a:spcBef>
-                <a:spcPts val="1600"/>
-              </a:spcBef>
-              <a:spcAft>
-                <a:spcPts val="0"/>
-              </a:spcAft>
-              <a:buNone/>
-            </a:pPr>
-            <a:endParaRPr/>
+            <a:endParaRPr dirty="0"/>
           </a:p>
           <a:p>
             <a:pPr marL="457200" lvl="0" indent="-342900" rtl="0">
@@ -16087,10 +16374,10 @@
               <a:buChar char="●"/>
             </a:pPr>
             <a:r>
-              <a:rPr lang="en"/>
+              <a:rPr lang="en" dirty="0"/>
               <a:t>Creating a test set</a:t>
             </a:r>
-            <a:endParaRPr/>
+            <a:endParaRPr dirty="0"/>
           </a:p>
         </p:txBody>
       </p:sp>
@@ -16144,8 +16431,8 @@
         </p:nvSpPr>
         <p:spPr>
           <a:xfrm>
-            <a:off x="5006700" y="4047550"/>
-            <a:ext cx="3702600" cy="740400"/>
+            <a:off x="4939500" y="2582370"/>
+            <a:ext cx="3702600" cy="480870"/>
           </a:xfrm>
           <a:prstGeom prst="roundRect">
             <a:avLst>
@@ -16290,17 +16577,17 @@
               <a:buNone/>
             </a:pPr>
             <a:r>
-              <a:rPr lang="en">
-                <a:solidFill>
-                  <a:srgbClr val="224144"/>
+              <a:rPr lang="en" dirty="0">
+                <a:solidFill>
+                  <a:srgbClr val="502653"/>
                 </a:solidFill>
                 <a:latin typeface="LM Roman 12" panose="00000500000000000000" pitchFamily="50" charset="0"/>
               </a:rPr>
               <a:t>Complete Data</a:t>
             </a:r>
-            <a:endParaRPr>
+            <a:endParaRPr dirty="0">
               <a:solidFill>
-                <a:srgbClr val="224144"/>
+                <a:srgbClr val="502653"/>
               </a:solidFill>
               <a:latin typeface="LM Roman 12" panose="00000500000000000000" pitchFamily="50" charset="0"/>
             </a:endParaRPr>
@@ -16348,17 +16635,17 @@
               <a:buNone/>
             </a:pPr>
             <a:r>
-              <a:rPr lang="en">
-                <a:solidFill>
-                  <a:srgbClr val="224144"/>
+              <a:rPr lang="en" dirty="0">
+                <a:solidFill>
+                  <a:srgbClr val="502653"/>
                 </a:solidFill>
                 <a:latin typeface="LM Roman 12" panose="00000500000000000000" pitchFamily="50" charset="0"/>
               </a:rPr>
               <a:t>Train Data</a:t>
             </a:r>
-            <a:endParaRPr>
+            <a:endParaRPr dirty="0">
               <a:solidFill>
-                <a:srgbClr val="224144"/>
+                <a:srgbClr val="502653"/>
               </a:solidFill>
               <a:latin typeface="LM Roman 12" panose="00000500000000000000" pitchFamily="50" charset="0"/>
             </a:endParaRPr>
@@ -16380,7 +16667,7 @@
             <a:avLst/>
           </a:prstGeom>
           <a:solidFill>
-            <a:srgbClr val="224144"/>
+            <a:srgbClr val="502653"/>
           </a:solidFill>
           <a:ln w="9525" cap="flat" cmpd="sng">
             <a:solidFill>
@@ -16443,7 +16730,7 @@
             </a:avLst>
           </a:prstGeom>
           <a:solidFill>
-            <a:srgbClr val="224144"/>
+            <a:srgbClr val="502653"/>
           </a:solidFill>
           <a:ln w="9525" cap="flat" cmpd="sng">
             <a:solidFill>
@@ -16472,7 +16759,7 @@
             </a:pPr>
             <a:endParaRPr>
               <a:solidFill>
-                <a:srgbClr val="224144"/>
+                <a:srgbClr val="502653"/>
               </a:solidFill>
               <a:latin typeface="LM Roman 12" panose="00000500000000000000" pitchFamily="50" charset="0"/>
             </a:endParaRPr>
@@ -16520,17 +16807,17 @@
               <a:buNone/>
             </a:pPr>
             <a:r>
-              <a:rPr lang="en">
-                <a:solidFill>
-                  <a:srgbClr val="224144"/>
+              <a:rPr lang="en" dirty="0">
+                <a:solidFill>
+                  <a:srgbClr val="502653"/>
                 </a:solidFill>
                 <a:latin typeface="LM Roman 12" panose="00000500000000000000" pitchFamily="50" charset="0"/>
               </a:rPr>
               <a:t>Training Set</a:t>
             </a:r>
-            <a:endParaRPr>
+            <a:endParaRPr dirty="0">
               <a:solidFill>
-                <a:srgbClr val="224144"/>
+                <a:srgbClr val="502653"/>
               </a:solidFill>
               <a:latin typeface="LM Roman 12" panose="00000500000000000000" pitchFamily="50" charset="0"/>
             </a:endParaRPr>
@@ -16552,7 +16839,7 @@
             <a:avLst/>
           </a:prstGeom>
           <a:solidFill>
-            <a:srgbClr val="224144"/>
+            <a:srgbClr val="502653"/>
           </a:solidFill>
           <a:ln w="9525" cap="flat" cmpd="sng">
             <a:solidFill>
@@ -16640,17 +16927,17 @@
               <a:buNone/>
             </a:pPr>
             <a:r>
-              <a:rPr lang="en">
-                <a:solidFill>
-                  <a:srgbClr val="224144"/>
+              <a:rPr lang="en" dirty="0">
+                <a:solidFill>
+                  <a:srgbClr val="502653"/>
                 </a:solidFill>
                 <a:latin typeface="LM Roman 12" panose="00000500000000000000" pitchFamily="50" charset="0"/>
               </a:rPr>
               <a:t>Validation Set</a:t>
             </a:r>
-            <a:endParaRPr>
+            <a:endParaRPr dirty="0">
               <a:solidFill>
-                <a:srgbClr val="224144"/>
+                <a:srgbClr val="502653"/>
               </a:solidFill>
               <a:latin typeface="LM Roman 12" panose="00000500000000000000" pitchFamily="50" charset="0"/>
             </a:endParaRPr>
@@ -16675,7 +16962,7 @@
             </a:avLst>
           </a:prstGeom>
           <a:solidFill>
-            <a:srgbClr val="224144"/>
+            <a:srgbClr val="502653"/>
           </a:solidFill>
           <a:ln w="9525" cap="flat" cmpd="sng">
             <a:solidFill>
@@ -16704,7 +16991,7 @@
             </a:pPr>
             <a:endParaRPr>
               <a:solidFill>
-                <a:srgbClr val="224144"/>
+                <a:srgbClr val="502653"/>
               </a:solidFill>
               <a:latin typeface="LM Roman 12" panose="00000500000000000000" pitchFamily="50" charset="0"/>
             </a:endParaRPr>
@@ -17235,6 +17522,239 @@
 </file>
 
 <file path=ppt/slides/slide26.xml><?xml version="1.0" encoding="utf-8"?>
+<p:sld xmlns:a="http://schemas.openxmlformats.org/drawingml/2006/main" xmlns:r="http://schemas.openxmlformats.org/officeDocument/2006/relationships" xmlns:p="http://schemas.openxmlformats.org/presentationml/2006/main" show="0">
+  <p:cSld>
+    <p:spTree>
+      <p:nvGrpSpPr>
+        <p:cNvPr id="1" name="Shape 252"/>
+        <p:cNvGrpSpPr/>
+        <p:nvPr/>
+      </p:nvGrpSpPr>
+      <p:grpSpPr>
+        <a:xfrm>
+          <a:off x="0" y="0"/>
+          <a:ext cx="0" cy="0"/>
+          <a:chOff x="0" y="0"/>
+          <a:chExt cx="0" cy="0"/>
+        </a:xfrm>
+      </p:grpSpPr>
+      <p:sp>
+        <p:nvSpPr>
+          <p:cNvPr id="253" name="Google Shape;253;p35"/>
+          <p:cNvSpPr txBox="1">
+            <a:spLocks noGrp="1"/>
+          </p:cNvSpPr>
+          <p:nvPr>
+            <p:ph type="title"/>
+          </p:nvPr>
+        </p:nvSpPr>
+        <p:spPr>
+          <a:xfrm>
+            <a:off x="265500" y="928375"/>
+            <a:ext cx="4045200" cy="3270000"/>
+          </a:xfrm>
+          <a:prstGeom prst="rect">
+            <a:avLst/>
+          </a:prstGeom>
+        </p:spPr>
+        <p:txBody>
+          <a:bodyPr spcFirstLastPara="1" wrap="square" lIns="91425" tIns="91425" rIns="91425" bIns="91425" anchor="ctr" anchorCtr="0">
+            <a:noAutofit/>
+          </a:bodyPr>
+          <a:lstStyle/>
+          <a:p>
+            <a:pPr marL="0" lvl="0" indent="0">
+              <a:spcBef>
+                <a:spcPts val="0"/>
+              </a:spcBef>
+              <a:spcAft>
+                <a:spcPts val="0"/>
+              </a:spcAft>
+              <a:buNone/>
+            </a:pPr>
+            <a:r>
+              <a:rPr lang="en" dirty="0"/>
+              <a:t>Data Exploration </a:t>
+            </a:r>
+            <a:br>
+              <a:rPr lang="en" dirty="0"/>
+            </a:br>
+            <a:r>
+              <a:rPr lang="en" dirty="0"/>
+              <a:t>and </a:t>
+            </a:r>
+            <a:endParaRPr dirty="0"/>
+          </a:p>
+          <a:p>
+            <a:pPr marL="0" lvl="0" indent="0" rtl="0">
+              <a:spcBef>
+                <a:spcPts val="0"/>
+              </a:spcBef>
+              <a:spcAft>
+                <a:spcPts val="0"/>
+              </a:spcAft>
+              <a:buNone/>
+            </a:pPr>
+            <a:r>
+              <a:rPr lang="en-IN" dirty="0"/>
+              <a:t>Visualization</a:t>
+            </a:r>
+            <a:endParaRPr dirty="0"/>
+          </a:p>
+        </p:txBody>
+      </p:sp>
+      <p:sp>
+        <p:nvSpPr>
+          <p:cNvPr id="254" name="Google Shape;254;p35"/>
+          <p:cNvSpPr txBox="1">
+            <a:spLocks noGrp="1"/>
+          </p:cNvSpPr>
+          <p:nvPr>
+            <p:ph type="body" idx="2"/>
+          </p:nvPr>
+        </p:nvSpPr>
+        <p:spPr>
+          <a:xfrm>
+            <a:off x="4939500" y="355550"/>
+            <a:ext cx="3837000" cy="4420500"/>
+          </a:xfrm>
+          <a:prstGeom prst="rect">
+            <a:avLst/>
+          </a:prstGeom>
+        </p:spPr>
+        <p:txBody>
+          <a:bodyPr spcFirstLastPara="1" wrap="square" lIns="91425" tIns="91425" rIns="91425" bIns="91425" anchor="ctr" anchorCtr="0">
+            <a:noAutofit/>
+          </a:bodyPr>
+          <a:lstStyle/>
+          <a:p>
+            <a:pPr marL="457200" lvl="0" indent="-342900" rtl="0">
+              <a:spcBef>
+                <a:spcPts val="0"/>
+              </a:spcBef>
+              <a:spcAft>
+                <a:spcPts val="0"/>
+              </a:spcAft>
+              <a:buSzPts val="1800"/>
+              <a:buChar char="●"/>
+            </a:pPr>
+            <a:r>
+              <a:rPr lang="en-IN" dirty="0"/>
+              <a:t>Data Explorations</a:t>
+            </a:r>
+          </a:p>
+          <a:p>
+            <a:pPr marL="457200" lvl="0" indent="-342900" rtl="0">
+              <a:spcBef>
+                <a:spcPts val="0"/>
+              </a:spcBef>
+              <a:spcAft>
+                <a:spcPts val="0"/>
+              </a:spcAft>
+              <a:buSzPts val="1800"/>
+              <a:buChar char="●"/>
+            </a:pPr>
+            <a:endParaRPr lang="en-IN" dirty="0"/>
+          </a:p>
+          <a:p>
+            <a:pPr marL="457200" lvl="0" indent="-342900" rtl="0">
+              <a:spcBef>
+                <a:spcPts val="0"/>
+              </a:spcBef>
+              <a:spcAft>
+                <a:spcPts val="0"/>
+              </a:spcAft>
+              <a:buSzPts val="1800"/>
+              <a:buChar char="●"/>
+            </a:pPr>
+            <a:endParaRPr lang="en" dirty="0"/>
+          </a:p>
+          <a:p>
+            <a:pPr marL="457200" lvl="0" indent="-342900" rtl="0">
+              <a:spcBef>
+                <a:spcPts val="0"/>
+              </a:spcBef>
+              <a:spcAft>
+                <a:spcPts val="0"/>
+              </a:spcAft>
+              <a:buSzPts val="1800"/>
+              <a:buChar char="●"/>
+            </a:pPr>
+            <a:r>
+              <a:rPr lang="en" dirty="0"/>
+              <a:t>Data Visualization</a:t>
+            </a:r>
+            <a:endParaRPr dirty="0"/>
+          </a:p>
+          <a:p>
+            <a:pPr marL="0" lvl="0" indent="0" rtl="0">
+              <a:spcBef>
+                <a:spcPts val="1600"/>
+              </a:spcBef>
+              <a:spcAft>
+                <a:spcPts val="0"/>
+              </a:spcAft>
+              <a:buNone/>
+            </a:pPr>
+            <a:endParaRPr dirty="0"/>
+          </a:p>
+          <a:p>
+            <a:pPr marL="457200" lvl="0" indent="-342900" rtl="0">
+              <a:spcBef>
+                <a:spcPts val="1600"/>
+              </a:spcBef>
+              <a:spcAft>
+                <a:spcPts val="0"/>
+              </a:spcAft>
+              <a:buSzPts val="1800"/>
+              <a:buChar char="●"/>
+            </a:pPr>
+            <a:r>
+              <a:rPr lang="en" dirty="0"/>
+              <a:t>Looking for Correlations </a:t>
+            </a:r>
+            <a:endParaRPr dirty="0"/>
+          </a:p>
+          <a:p>
+            <a:pPr marL="0" lvl="0" indent="0" rtl="0">
+              <a:spcBef>
+                <a:spcPts val="1600"/>
+              </a:spcBef>
+              <a:spcAft>
+                <a:spcPts val="0"/>
+              </a:spcAft>
+              <a:buNone/>
+            </a:pPr>
+            <a:endParaRPr dirty="0"/>
+          </a:p>
+          <a:p>
+            <a:pPr marL="457200" lvl="0" indent="-342900" rtl="0">
+              <a:spcBef>
+                <a:spcPts val="1600"/>
+              </a:spcBef>
+              <a:spcAft>
+                <a:spcPts val="0"/>
+              </a:spcAft>
+              <a:buSzPts val="1800"/>
+              <a:buChar char="●"/>
+            </a:pPr>
+            <a:r>
+              <a:rPr lang="en" dirty="0"/>
+              <a:t>Experimenting with attribute Combinations (Feature Engineering)</a:t>
+            </a:r>
+            <a:endParaRPr dirty="0"/>
+          </a:p>
+        </p:txBody>
+      </p:sp>
+    </p:spTree>
+  </p:cSld>
+  <p:clrMapOvr>
+    <a:masterClrMapping/>
+  </p:clrMapOvr>
+</p:sld>
+</file>
+
+<file path=ppt/slides/slide27.xml><?xml version="1.0" encoding="utf-8"?>
 <p:sld xmlns:a="http://schemas.openxmlformats.org/drawingml/2006/main" xmlns:r="http://schemas.openxmlformats.org/officeDocument/2006/relationships" xmlns:p="http://schemas.openxmlformats.org/presentationml/2006/main">
   <p:cSld>
     <p:spTree>
@@ -17336,10 +17856,52 @@
           </a:prstGeom>
         </p:spPr>
         <p:txBody>
-          <a:bodyPr spcFirstLastPara="1" wrap="square" lIns="91425" tIns="91425" rIns="91425" bIns="91425" anchor="ctr" anchorCtr="0">
+          <a:bodyPr spcFirstLastPara="1" wrap="square" lIns="91425" tIns="91425" rIns="91425" bIns="91425" anchor="t" anchorCtr="0">
             <a:noAutofit/>
           </a:bodyPr>
           <a:lstStyle/>
+          <a:p>
+            <a:pPr marL="457200" lvl="0" indent="-342900" rtl="0">
+              <a:spcBef>
+                <a:spcPts val="0"/>
+              </a:spcBef>
+              <a:spcAft>
+                <a:spcPts val="0"/>
+              </a:spcAft>
+              <a:buSzPts val="1800"/>
+              <a:buChar char="●"/>
+            </a:pPr>
+            <a:r>
+              <a:rPr lang="en-IN" dirty="0"/>
+              <a:t>Data Explorations</a:t>
+            </a:r>
+          </a:p>
+          <a:p>
+            <a:pPr marL="114300" lvl="0" indent="0" rtl="0">
+              <a:spcBef>
+                <a:spcPts val="0"/>
+              </a:spcBef>
+              <a:spcAft>
+                <a:spcPts val="0"/>
+              </a:spcAft>
+              <a:buSzPts val="1800"/>
+              <a:buNone/>
+            </a:pPr>
+            <a:endParaRPr lang="en" dirty="0"/>
+          </a:p>
+          <a:p>
+            <a:pPr marL="457200" lvl="0" indent="-342900" rtl="0">
+              <a:spcBef>
+                <a:spcPts val="0"/>
+              </a:spcBef>
+              <a:spcAft>
+                <a:spcPts val="0"/>
+              </a:spcAft>
+              <a:buSzPts val="1800"/>
+              <a:buChar char="●"/>
+            </a:pPr>
+            <a:endParaRPr lang="en" dirty="0"/>
+          </a:p>
           <a:p>
             <a:pPr marL="457200" lvl="0" indent="-342900" rtl="0">
               <a:spcBef>
@@ -17358,16 +17920,17 @@
             <a:endParaRPr dirty="0"/>
           </a:p>
           <a:p>
-            <a:pPr marL="0" lvl="0" indent="0" rtl="0">
+            <a:pPr marL="114300" lvl="0" indent="0" rtl="0">
               <a:spcBef>
                 <a:spcPts val="1600"/>
               </a:spcBef>
               <a:spcAft>
                 <a:spcPts val="0"/>
               </a:spcAft>
-              <a:buNone/>
-            </a:pPr>
-            <a:endParaRPr dirty="0"/>
+              <a:buSzPts val="1800"/>
+              <a:buNone/>
+            </a:pPr>
+            <a:endParaRPr lang="en" dirty="0"/>
           </a:p>
           <a:p>
             <a:pPr marL="457200" lvl="0" indent="-342900" rtl="0">
@@ -17385,232 +17948,6 @@
               <a:t>Looking for Correlations </a:t>
             </a:r>
             <a:endParaRPr dirty="0"/>
-          </a:p>
-          <a:p>
-            <a:pPr marL="0" lvl="0" indent="0" rtl="0">
-              <a:spcBef>
-                <a:spcPts val="1600"/>
-              </a:spcBef>
-              <a:spcAft>
-                <a:spcPts val="0"/>
-              </a:spcAft>
-              <a:buNone/>
-            </a:pPr>
-            <a:endParaRPr dirty="0"/>
-          </a:p>
-          <a:p>
-            <a:pPr marL="457200" lvl="0" indent="-342900" rtl="0">
-              <a:spcBef>
-                <a:spcPts val="1600"/>
-              </a:spcBef>
-              <a:spcAft>
-                <a:spcPts val="0"/>
-              </a:spcAft>
-              <a:buSzPts val="1800"/>
-              <a:buChar char="●"/>
-            </a:pPr>
-            <a:r>
-              <a:rPr lang="en" dirty="0"/>
-              <a:t>Experimenting with attribute Combinations (Feature Engineering)</a:t>
-            </a:r>
-            <a:endParaRPr dirty="0"/>
-          </a:p>
-        </p:txBody>
-      </p:sp>
-    </p:spTree>
-  </p:cSld>
-  <p:clrMapOvr>
-    <a:masterClrMapping/>
-  </p:clrMapOvr>
-</p:sld>
-</file>
-
-<file path=ppt/slides/slide27.xml><?xml version="1.0" encoding="utf-8"?>
-<p:sld xmlns:a="http://schemas.openxmlformats.org/drawingml/2006/main" xmlns:r="http://schemas.openxmlformats.org/officeDocument/2006/relationships" xmlns:p="http://schemas.openxmlformats.org/presentationml/2006/main">
-  <p:cSld>
-    <p:spTree>
-      <p:nvGrpSpPr>
-        <p:cNvPr id="1" name="Shape 258"/>
-        <p:cNvGrpSpPr/>
-        <p:nvPr/>
-      </p:nvGrpSpPr>
-      <p:grpSpPr>
-        <a:xfrm>
-          <a:off x="0" y="0"/>
-          <a:ext cx="0" cy="0"/>
-          <a:chOff x="0" y="0"/>
-          <a:chExt cx="0" cy="0"/>
-        </a:xfrm>
-      </p:grpSpPr>
-      <p:sp>
-        <p:nvSpPr>
-          <p:cNvPr id="259" name="Google Shape;259;p36"/>
-          <p:cNvSpPr txBox="1">
-            <a:spLocks noGrp="1"/>
-          </p:cNvSpPr>
-          <p:nvPr>
-            <p:ph type="title"/>
-          </p:nvPr>
-        </p:nvSpPr>
-        <p:spPr>
-          <a:xfrm>
-            <a:off x="265500" y="1233175"/>
-            <a:ext cx="4045200" cy="2393400"/>
-          </a:xfrm>
-          <a:prstGeom prst="rect">
-            <a:avLst/>
-          </a:prstGeom>
-        </p:spPr>
-        <p:txBody>
-          <a:bodyPr spcFirstLastPara="1" wrap="square" lIns="91425" tIns="91425" rIns="91425" bIns="91425" anchor="b" anchorCtr="0">
-            <a:noAutofit/>
-          </a:bodyPr>
-          <a:lstStyle/>
-          <a:p>
-            <a:pPr marL="0" lvl="0" indent="0" rtl="0">
-              <a:spcBef>
-                <a:spcPts val="0"/>
-              </a:spcBef>
-              <a:spcAft>
-                <a:spcPts val="0"/>
-              </a:spcAft>
-              <a:buNone/>
-            </a:pPr>
-            <a:r>
-              <a:rPr lang="en"/>
-              <a:t>Preparing data for ML algorithms</a:t>
-            </a:r>
-            <a:endParaRPr/>
-          </a:p>
-        </p:txBody>
-      </p:sp>
-      <p:sp>
-        <p:nvSpPr>
-          <p:cNvPr id="260" name="Google Shape;260;p36"/>
-          <p:cNvSpPr txBox="1">
-            <a:spLocks noGrp="1"/>
-          </p:cNvSpPr>
-          <p:nvPr>
-            <p:ph type="body" idx="2"/>
-          </p:nvPr>
-        </p:nvSpPr>
-        <p:spPr>
-          <a:xfrm>
-            <a:off x="4939500" y="355550"/>
-            <a:ext cx="3837000" cy="4420500"/>
-          </a:xfrm>
-          <a:prstGeom prst="rect">
-            <a:avLst/>
-          </a:prstGeom>
-        </p:spPr>
-        <p:txBody>
-          <a:bodyPr spcFirstLastPara="1" wrap="square" lIns="91425" tIns="91425" rIns="91425" bIns="91425" anchor="ctr" anchorCtr="0">
-            <a:noAutofit/>
-          </a:bodyPr>
-          <a:lstStyle/>
-          <a:p>
-            <a:pPr marL="457200" lvl="0" indent="-342900" rtl="0">
-              <a:spcBef>
-                <a:spcPts val="0"/>
-              </a:spcBef>
-              <a:spcAft>
-                <a:spcPts val="0"/>
-              </a:spcAft>
-              <a:buSzPts val="1800"/>
-              <a:buChar char="●"/>
-            </a:pPr>
-            <a:r>
-              <a:rPr lang="en"/>
-              <a:t>Data Cleaning / Missing Value Treatment</a:t>
-            </a:r>
-            <a:endParaRPr/>
-          </a:p>
-          <a:p>
-            <a:pPr marL="457200" lvl="0" indent="0" rtl="0">
-              <a:spcBef>
-                <a:spcPts val="1600"/>
-              </a:spcBef>
-              <a:spcAft>
-                <a:spcPts val="0"/>
-              </a:spcAft>
-              <a:buNone/>
-            </a:pPr>
-            <a:endParaRPr/>
-          </a:p>
-          <a:p>
-            <a:pPr marL="457200" lvl="0" indent="-342900" rtl="0">
-              <a:spcBef>
-                <a:spcPts val="1600"/>
-              </a:spcBef>
-              <a:spcAft>
-                <a:spcPts val="0"/>
-              </a:spcAft>
-              <a:buSzPts val="1800"/>
-              <a:buChar char="●"/>
-            </a:pPr>
-            <a:r>
-              <a:rPr lang="en"/>
-              <a:t>Handling Text and Categorical Attributes </a:t>
-            </a:r>
-            <a:endParaRPr/>
-          </a:p>
-          <a:p>
-            <a:pPr marL="457200" lvl="0" indent="0" rtl="0">
-              <a:spcBef>
-                <a:spcPts val="1600"/>
-              </a:spcBef>
-              <a:spcAft>
-                <a:spcPts val="0"/>
-              </a:spcAft>
-              <a:buNone/>
-            </a:pPr>
-            <a:endParaRPr/>
-          </a:p>
-          <a:p>
-            <a:pPr marL="457200" lvl="0" indent="-342900" rtl="0">
-              <a:spcBef>
-                <a:spcPts val="1600"/>
-              </a:spcBef>
-              <a:spcAft>
-                <a:spcPts val="0"/>
-              </a:spcAft>
-              <a:buSzPts val="1800"/>
-              <a:buChar char="●"/>
-            </a:pPr>
-            <a:r>
-              <a:rPr lang="en"/>
-              <a:t>Custom Transformations</a:t>
-            </a:r>
-            <a:endParaRPr/>
-          </a:p>
-          <a:p>
-            <a:pPr marL="457200" lvl="0" indent="0" rtl="0">
-              <a:spcBef>
-                <a:spcPts val="1600"/>
-              </a:spcBef>
-              <a:spcAft>
-                <a:spcPts val="0"/>
-              </a:spcAft>
-              <a:buNone/>
-            </a:pPr>
-            <a:endParaRPr/>
-          </a:p>
-          <a:p>
-            <a:pPr marL="457200" lvl="0" indent="-342900" rtl="0">
-              <a:spcBef>
-                <a:spcPts val="1600"/>
-              </a:spcBef>
-              <a:spcAft>
-                <a:spcPts val="0"/>
-              </a:spcAft>
-              <a:buSzPts val="1800"/>
-              <a:buChar char="●"/>
-            </a:pPr>
-            <a:r>
-              <a:rPr lang="en"/>
-              <a:t>Creating pipelines</a:t>
-            </a:r>
-            <a:endParaRPr/>
           </a:p>
         </p:txBody>
       </p:sp>
@@ -17619,7 +17956,7 @@
           <p:cNvPr id="4" name="Google Shape;273;p38">
             <a:extLst>
               <a:ext uri="{FF2B5EF4-FFF2-40B4-BE49-F238E27FC236}">
-                <a16:creationId xmlns:a16="http://schemas.microsoft.com/office/drawing/2014/main" id="{1CE36BD6-D4D6-4567-8C28-AEB6B15608E0}"/>
+                <a16:creationId xmlns:a16="http://schemas.microsoft.com/office/drawing/2014/main" id="{4A503924-5ABC-4E99-A3B2-43C04B373245}"/>
               </a:ext>
             </a:extLst>
           </p:cNvPr>
@@ -17628,7 +17965,7 @@
         </p:nvSpPr>
         <p:spPr>
           <a:xfrm>
-            <a:off x="5006700" y="475135"/>
+            <a:off x="4939500" y="242228"/>
             <a:ext cx="3702600" cy="740400"/>
           </a:xfrm>
           <a:prstGeom prst="roundRect">
@@ -17667,6 +18004,11 @@
         </p:txBody>
       </p:sp>
     </p:spTree>
+    <p:extLst>
+      <p:ext uri="{BB962C8B-B14F-4D97-AF65-F5344CB8AC3E}">
+        <p14:creationId xmlns:p14="http://schemas.microsoft.com/office/powerpoint/2010/main" val="2963185696"/>
+      </p:ext>
+    </p:extLst>
   </p:cSld>
   <p:clrMapOvr>
     <a:masterClrMapping/>
@@ -17679,7 +18021,7 @@
   <p:cSld>
     <p:spTree>
       <p:nvGrpSpPr>
-        <p:cNvPr id="1" name="Shape 258"/>
+        <p:cNvPr id="1" name="Shape 252"/>
         <p:cNvGrpSpPr/>
         <p:nvPr/>
       </p:nvGrpSpPr>
@@ -17693,7 +18035,7 @@
       </p:grpSpPr>
       <p:sp>
         <p:nvSpPr>
-          <p:cNvPr id="259" name="Google Shape;259;p36"/>
+          <p:cNvPr id="253" name="Google Shape;253;p35"/>
           <p:cNvSpPr txBox="1">
             <a:spLocks noGrp="1"/>
           </p:cNvSpPr>
@@ -17703,19 +18045,42 @@
         </p:nvSpPr>
         <p:spPr>
           <a:xfrm>
-            <a:off x="265500" y="1233175"/>
-            <a:ext cx="4045200" cy="2393400"/>
+            <a:off x="265500" y="928375"/>
+            <a:ext cx="4045200" cy="3270000"/>
           </a:xfrm>
           <a:prstGeom prst="rect">
             <a:avLst/>
           </a:prstGeom>
         </p:spPr>
         <p:txBody>
-          <a:bodyPr spcFirstLastPara="1" wrap="square" lIns="91425" tIns="91425" rIns="91425" bIns="91425" anchor="b" anchorCtr="0">
+          <a:bodyPr spcFirstLastPara="1" wrap="square" lIns="91425" tIns="91425" rIns="91425" bIns="91425" anchor="ctr" anchorCtr="0">
             <a:noAutofit/>
           </a:bodyPr>
           <a:lstStyle/>
           <a:p>
+            <a:pPr marL="0" lvl="0" indent="0">
+              <a:spcBef>
+                <a:spcPts val="0"/>
+              </a:spcBef>
+              <a:spcAft>
+                <a:spcPts val="0"/>
+              </a:spcAft>
+              <a:buNone/>
+            </a:pPr>
+            <a:r>
+              <a:rPr lang="en" dirty="0"/>
+              <a:t>Data Exploration </a:t>
+            </a:r>
+            <a:br>
+              <a:rPr lang="en" dirty="0"/>
+            </a:br>
+            <a:r>
+              <a:rPr lang="en" dirty="0"/>
+              <a:t>and </a:t>
+            </a:r>
+            <a:endParaRPr dirty="0"/>
+          </a:p>
+          <a:p>
             <a:pPr marL="0" lvl="0" indent="0" rtl="0">
               <a:spcBef>
                 <a:spcPts val="0"/>
@@ -17726,16 +18091,16 @@
               <a:buNone/>
             </a:pPr>
             <a:r>
-              <a:rPr lang="en"/>
-              <a:t>Preparing data for ML algorithms</a:t>
+              <a:rPr lang="en-IN" dirty="0"/>
+              <a:t>Visualization</a:t>
             </a:r>
-            <a:endParaRPr/>
+            <a:endParaRPr dirty="0"/>
           </a:p>
         </p:txBody>
       </p:sp>
       <p:sp>
         <p:nvSpPr>
-          <p:cNvPr id="260" name="Google Shape;260;p36"/>
+          <p:cNvPr id="254" name="Google Shape;254;p35"/>
           <p:cNvSpPr txBox="1">
             <a:spLocks noGrp="1"/>
           </p:cNvSpPr>
@@ -17753,7 +18118,7 @@
           </a:prstGeom>
         </p:spPr>
         <p:txBody>
-          <a:bodyPr spcFirstLastPara="1" wrap="square" lIns="91425" tIns="91425" rIns="91425" bIns="91425" anchor="ctr" anchorCtr="0">
+          <a:bodyPr spcFirstLastPara="1" wrap="square" lIns="91425" tIns="91425" rIns="91425" bIns="91425" anchor="t" anchorCtr="0">
             <a:noAutofit/>
           </a:bodyPr>
           <a:lstStyle/>
@@ -17769,27 +18134,27 @@
               <a:buChar char="●"/>
             </a:pPr>
             <a:r>
-              <a:rPr lang="en"/>
-              <a:t>Data Cleaning / Missing Value Treatment</a:t>
+              <a:rPr lang="en-IN" dirty="0"/>
+              <a:t>Data Explorations</a:t>
             </a:r>
-            <a:endParaRPr/>
-          </a:p>
-          <a:p>
-            <a:pPr marL="457200" lvl="0" indent="0" rtl="0">
-              <a:spcBef>
-                <a:spcPts val="1600"/>
-              </a:spcBef>
-              <a:spcAft>
-                <a:spcPts val="0"/>
-              </a:spcAft>
-              <a:buNone/>
-            </a:pPr>
-            <a:endParaRPr/>
+          </a:p>
+          <a:p>
+            <a:pPr marL="114300" lvl="0" indent="0" rtl="0">
+              <a:spcBef>
+                <a:spcPts val="0"/>
+              </a:spcBef>
+              <a:spcAft>
+                <a:spcPts val="0"/>
+              </a:spcAft>
+              <a:buSzPts val="1800"/>
+              <a:buNone/>
+            </a:pPr>
+            <a:endParaRPr lang="en" dirty="0"/>
           </a:p>
           <a:p>
             <a:pPr marL="457200" lvl="0" indent="-342900" rtl="0">
               <a:spcBef>
-                <a:spcPts val="1600"/>
+                <a:spcPts val="0"/>
               </a:spcBef>
               <a:spcAft>
                 <a:spcPts val="0"/>
@@ -17797,28 +18162,12 @@
               <a:buSzPts val="1800"/>
               <a:buChar char="●"/>
             </a:pPr>
-            <a:r>
-              <a:rPr lang="en"/>
-              <a:t>Handling Text and Categorical Attributes </a:t>
-            </a:r>
-            <a:endParaRPr/>
-          </a:p>
-          <a:p>
-            <a:pPr marL="457200" lvl="0" indent="0" rtl="0">
-              <a:spcBef>
-                <a:spcPts val="1600"/>
-              </a:spcBef>
-              <a:spcAft>
-                <a:spcPts val="0"/>
-              </a:spcAft>
-              <a:buNone/>
-            </a:pPr>
-            <a:endParaRPr/>
+            <a:endParaRPr lang="en" dirty="0"/>
           </a:p>
           <a:p>
             <a:pPr marL="457200" lvl="0" indent="-342900" rtl="0">
               <a:spcBef>
-                <a:spcPts val="1600"/>
+                <a:spcPts val="0"/>
               </a:spcBef>
               <a:spcAft>
                 <a:spcPts val="0"/>
@@ -17827,22 +18176,23 @@
               <a:buChar char="●"/>
             </a:pPr>
             <a:r>
-              <a:rPr lang="en"/>
-              <a:t>Custom Transformations</a:t>
+              <a:rPr lang="en" dirty="0"/>
+              <a:t>Data Visualization</a:t>
             </a:r>
-            <a:endParaRPr/>
-          </a:p>
-          <a:p>
-            <a:pPr marL="457200" lvl="0" indent="0" rtl="0">
+            <a:endParaRPr dirty="0"/>
+          </a:p>
+          <a:p>
+            <a:pPr marL="114300" lvl="0" indent="0" rtl="0">
               <a:spcBef>
                 <a:spcPts val="1600"/>
               </a:spcBef>
               <a:spcAft>
                 <a:spcPts val="0"/>
               </a:spcAft>
-              <a:buNone/>
-            </a:pPr>
-            <a:endParaRPr/>
+              <a:buSzPts val="1800"/>
+              <a:buNone/>
+            </a:pPr>
+            <a:endParaRPr lang="en" dirty="0"/>
           </a:p>
           <a:p>
             <a:pPr marL="457200" lvl="0" indent="-342900" rtl="0">
@@ -17856,10 +18206,10 @@
               <a:buChar char="●"/>
             </a:pPr>
             <a:r>
-              <a:rPr lang="en"/>
-              <a:t>Creating pipelines</a:t>
+              <a:rPr lang="en" dirty="0"/>
+              <a:t>Looking for Correlations </a:t>
             </a:r>
-            <a:endParaRPr/>
+            <a:endParaRPr dirty="0"/>
           </a:p>
         </p:txBody>
       </p:sp>
@@ -17868,7 +18218,7 @@
           <p:cNvPr id="4" name="Google Shape;273;p38">
             <a:extLst>
               <a:ext uri="{FF2B5EF4-FFF2-40B4-BE49-F238E27FC236}">
-                <a16:creationId xmlns:a16="http://schemas.microsoft.com/office/drawing/2014/main" id="{1CE36BD6-D4D6-4567-8C28-AEB6B15608E0}"/>
+                <a16:creationId xmlns:a16="http://schemas.microsoft.com/office/drawing/2014/main" id="{4A503924-5ABC-4E99-A3B2-43C04B373245}"/>
               </a:ext>
             </a:extLst>
           </p:cNvPr>
@@ -17877,7 +18227,7 @@
         </p:nvSpPr>
         <p:spPr>
           <a:xfrm>
-            <a:off x="5073900" y="1825400"/>
+            <a:off x="4833302" y="1202016"/>
             <a:ext cx="3702600" cy="740400"/>
           </a:xfrm>
           <a:prstGeom prst="roundRect">
@@ -17918,7 +18268,7 @@
     </p:spTree>
     <p:extLst>
       <p:ext uri="{BB962C8B-B14F-4D97-AF65-F5344CB8AC3E}">
-        <p14:creationId xmlns:p14="http://schemas.microsoft.com/office/powerpoint/2010/main" val="2760780690"/>
+        <p14:creationId xmlns:p14="http://schemas.microsoft.com/office/powerpoint/2010/main" val="696068130"/>
       </p:ext>
     </p:extLst>
   </p:cSld>
@@ -17933,7 +18283,7 @@
   <p:cSld>
     <p:spTree>
       <p:nvGrpSpPr>
-        <p:cNvPr id="1" name="Shape 258"/>
+        <p:cNvPr id="1" name="Shape 252"/>
         <p:cNvGrpSpPr/>
         <p:nvPr/>
       </p:nvGrpSpPr>
@@ -17947,7 +18297,7 @@
       </p:grpSpPr>
       <p:sp>
         <p:nvSpPr>
-          <p:cNvPr id="259" name="Google Shape;259;p36"/>
+          <p:cNvPr id="253" name="Google Shape;253;p35"/>
           <p:cNvSpPr txBox="1">
             <a:spLocks noGrp="1"/>
           </p:cNvSpPr>
@@ -17957,19 +18307,42 @@
         </p:nvSpPr>
         <p:spPr>
           <a:xfrm>
-            <a:off x="265500" y="1233175"/>
-            <a:ext cx="4045200" cy="2393400"/>
+            <a:off x="265500" y="928375"/>
+            <a:ext cx="4045200" cy="3270000"/>
           </a:xfrm>
           <a:prstGeom prst="rect">
             <a:avLst/>
           </a:prstGeom>
         </p:spPr>
         <p:txBody>
-          <a:bodyPr spcFirstLastPara="1" wrap="square" lIns="91425" tIns="91425" rIns="91425" bIns="91425" anchor="b" anchorCtr="0">
+          <a:bodyPr spcFirstLastPara="1" wrap="square" lIns="91425" tIns="91425" rIns="91425" bIns="91425" anchor="ctr" anchorCtr="0">
             <a:noAutofit/>
           </a:bodyPr>
           <a:lstStyle/>
           <a:p>
+            <a:pPr marL="0" lvl="0" indent="0">
+              <a:spcBef>
+                <a:spcPts val="0"/>
+              </a:spcBef>
+              <a:spcAft>
+                <a:spcPts val="0"/>
+              </a:spcAft>
+              <a:buNone/>
+            </a:pPr>
+            <a:r>
+              <a:rPr lang="en" dirty="0"/>
+              <a:t>Data Exploration </a:t>
+            </a:r>
+            <a:br>
+              <a:rPr lang="en" dirty="0"/>
+            </a:br>
+            <a:r>
+              <a:rPr lang="en" dirty="0"/>
+              <a:t>and </a:t>
+            </a:r>
+            <a:endParaRPr dirty="0"/>
+          </a:p>
+          <a:p>
             <a:pPr marL="0" lvl="0" indent="0" rtl="0">
               <a:spcBef>
                 <a:spcPts val="0"/>
@@ -17980,16 +18353,16 @@
               <a:buNone/>
             </a:pPr>
             <a:r>
-              <a:rPr lang="en"/>
-              <a:t>Preparing data for ML algorithms</a:t>
+              <a:rPr lang="en-IN" dirty="0"/>
+              <a:t>Visualization</a:t>
             </a:r>
-            <a:endParaRPr/>
+            <a:endParaRPr dirty="0"/>
           </a:p>
         </p:txBody>
       </p:sp>
       <p:sp>
         <p:nvSpPr>
-          <p:cNvPr id="260" name="Google Shape;260;p36"/>
+          <p:cNvPr id="254" name="Google Shape;254;p35"/>
           <p:cNvSpPr txBox="1">
             <a:spLocks noGrp="1"/>
           </p:cNvSpPr>
@@ -18007,7 +18380,7 @@
           </a:prstGeom>
         </p:spPr>
         <p:txBody>
-          <a:bodyPr spcFirstLastPara="1" wrap="square" lIns="91425" tIns="91425" rIns="91425" bIns="91425" anchor="ctr" anchorCtr="0">
+          <a:bodyPr spcFirstLastPara="1" wrap="square" lIns="91425" tIns="91425" rIns="91425" bIns="91425" anchor="t" anchorCtr="0">
             <a:noAutofit/>
           </a:bodyPr>
           <a:lstStyle/>
@@ -18023,27 +18396,27 @@
               <a:buChar char="●"/>
             </a:pPr>
             <a:r>
-              <a:rPr lang="en"/>
-              <a:t>Data Cleaning / Missing Value Treatment</a:t>
+              <a:rPr lang="en-IN" dirty="0"/>
+              <a:t>Data Explorations</a:t>
             </a:r>
-            <a:endParaRPr/>
-          </a:p>
-          <a:p>
-            <a:pPr marL="457200" lvl="0" indent="0" rtl="0">
-              <a:spcBef>
-                <a:spcPts val="1600"/>
-              </a:spcBef>
-              <a:spcAft>
-                <a:spcPts val="0"/>
-              </a:spcAft>
-              <a:buNone/>
-            </a:pPr>
-            <a:endParaRPr/>
+          </a:p>
+          <a:p>
+            <a:pPr marL="114300" lvl="0" indent="0" rtl="0">
+              <a:spcBef>
+                <a:spcPts val="0"/>
+              </a:spcBef>
+              <a:spcAft>
+                <a:spcPts val="0"/>
+              </a:spcAft>
+              <a:buSzPts val="1800"/>
+              <a:buNone/>
+            </a:pPr>
+            <a:endParaRPr lang="en" dirty="0"/>
           </a:p>
           <a:p>
             <a:pPr marL="457200" lvl="0" indent="-342900" rtl="0">
               <a:spcBef>
-                <a:spcPts val="1600"/>
+                <a:spcPts val="0"/>
               </a:spcBef>
               <a:spcAft>
                 <a:spcPts val="0"/>
@@ -18051,28 +18424,12 @@
               <a:buSzPts val="1800"/>
               <a:buChar char="●"/>
             </a:pPr>
-            <a:r>
-              <a:rPr lang="en"/>
-              <a:t>Handling Text and Categorical Attributes </a:t>
-            </a:r>
-            <a:endParaRPr/>
-          </a:p>
-          <a:p>
-            <a:pPr marL="457200" lvl="0" indent="0" rtl="0">
-              <a:spcBef>
-                <a:spcPts val="1600"/>
-              </a:spcBef>
-              <a:spcAft>
-                <a:spcPts val="0"/>
-              </a:spcAft>
-              <a:buNone/>
-            </a:pPr>
-            <a:endParaRPr/>
+            <a:endParaRPr lang="en" dirty="0"/>
           </a:p>
           <a:p>
             <a:pPr marL="457200" lvl="0" indent="-342900" rtl="0">
               <a:spcBef>
-                <a:spcPts val="1600"/>
+                <a:spcPts val="0"/>
               </a:spcBef>
               <a:spcAft>
                 <a:spcPts val="0"/>
@@ -18081,22 +18438,23 @@
               <a:buChar char="●"/>
             </a:pPr>
             <a:r>
-              <a:rPr lang="en"/>
-              <a:t>Custom Transformations</a:t>
+              <a:rPr lang="en" dirty="0"/>
+              <a:t>Data Visualization</a:t>
             </a:r>
-            <a:endParaRPr/>
-          </a:p>
-          <a:p>
-            <a:pPr marL="457200" lvl="0" indent="0" rtl="0">
+            <a:endParaRPr dirty="0"/>
+          </a:p>
+          <a:p>
+            <a:pPr marL="114300" lvl="0" indent="0" rtl="0">
               <a:spcBef>
                 <a:spcPts val="1600"/>
               </a:spcBef>
               <a:spcAft>
                 <a:spcPts val="0"/>
               </a:spcAft>
-              <a:buNone/>
-            </a:pPr>
-            <a:endParaRPr/>
+              <a:buSzPts val="1800"/>
+              <a:buNone/>
+            </a:pPr>
+            <a:endParaRPr lang="en" dirty="0"/>
           </a:p>
           <a:p>
             <a:pPr marL="457200" lvl="0" indent="-342900" rtl="0">
@@ -18110,10 +18468,10 @@
               <a:buChar char="●"/>
             </a:pPr>
             <a:r>
-              <a:rPr lang="en"/>
-              <a:t>Creating pipelines</a:t>
+              <a:rPr lang="en" dirty="0"/>
+              <a:t>Looking for Correlations </a:t>
             </a:r>
-            <a:endParaRPr/>
+            <a:endParaRPr dirty="0"/>
           </a:p>
         </p:txBody>
       </p:sp>
@@ -18122,7 +18480,7 @@
           <p:cNvPr id="4" name="Google Shape;273;p38">
             <a:extLst>
               <a:ext uri="{FF2B5EF4-FFF2-40B4-BE49-F238E27FC236}">
-                <a16:creationId xmlns:a16="http://schemas.microsoft.com/office/drawing/2014/main" id="{1CE36BD6-D4D6-4567-8C28-AEB6B15608E0}"/>
+                <a16:creationId xmlns:a16="http://schemas.microsoft.com/office/drawing/2014/main" id="{4A503924-5ABC-4E99-A3B2-43C04B373245}"/>
               </a:ext>
             </a:extLst>
           </p:cNvPr>
@@ -18131,7 +18489,7 @@
         </p:nvSpPr>
         <p:spPr>
           <a:xfrm>
-            <a:off x="5006700" y="3052683"/>
+            <a:off x="4833302" y="2201550"/>
             <a:ext cx="3702600" cy="740400"/>
           </a:xfrm>
           <a:prstGeom prst="roundRect">
@@ -18172,7 +18530,7 @@
     </p:spTree>
     <p:extLst>
       <p:ext uri="{BB962C8B-B14F-4D97-AF65-F5344CB8AC3E}">
-        <p14:creationId xmlns:p14="http://schemas.microsoft.com/office/powerpoint/2010/main" val="1173615193"/>
+        <p14:creationId xmlns:p14="http://schemas.microsoft.com/office/powerpoint/2010/main" val="3112822613"/>
       </p:ext>
     </p:extLst>
   </p:cSld>
@@ -18295,7 +18653,7 @@
         </p:nvSpPr>
         <p:spPr>
           <a:xfrm>
-            <a:off x="4939500" y="724200"/>
+            <a:off x="4969980" y="319467"/>
             <a:ext cx="3837000" cy="3695100"/>
           </a:xfrm>
           <a:prstGeom prst="rect">
@@ -18358,6 +18716,43 @@
                 <a:latin typeface="LM Roman 12" panose="00000500000000000000" pitchFamily="50" charset="0"/>
               </a:rPr>
               <a:t>Basic understanding of Matrix Algebra</a:t>
+            </a:r>
+          </a:p>
+          <a:p>
+            <a:pPr marL="457200" lvl="0" indent="-342900">
+              <a:spcBef>
+                <a:spcPts val="1600"/>
+              </a:spcBef>
+              <a:spcAft>
+                <a:spcPts val="0"/>
+              </a:spcAft>
+              <a:buSzPts val="1800"/>
+              <a:buChar char="●"/>
+            </a:pPr>
+            <a:endParaRPr lang="en" dirty="0"/>
+          </a:p>
+          <a:p>
+            <a:pPr marL="457200" lvl="0" indent="-342900">
+              <a:spcBef>
+                <a:spcPts val="1600"/>
+              </a:spcBef>
+              <a:spcAft>
+                <a:spcPts val="0"/>
+              </a:spcAft>
+              <a:buSzPts val="1800"/>
+              <a:buChar char="●"/>
+            </a:pPr>
+            <a:r>
+              <a:rPr lang="en" dirty="0">
+                <a:latin typeface="LM Roman 12" panose="00000500000000000000" pitchFamily="50" charset="0"/>
+              </a:rPr>
+              <a:t>Basic Understanding of Py</a:t>
+            </a:r>
+            <a:r>
+              <a:rPr lang="en-IN" dirty="0">
+                <a:latin typeface="LM Roman 12" panose="00000500000000000000" pitchFamily="50" charset="0"/>
+              </a:rPr>
+              <a:t>thon Classes</a:t>
             </a:r>
             <a:endParaRPr dirty="0">
               <a:latin typeface="LM Roman 12" panose="00000500000000000000" pitchFamily="50" charset="0"/>
@@ -18452,7 +18847,7 @@
           </a:prstGeom>
         </p:spPr>
         <p:txBody>
-          <a:bodyPr spcFirstLastPara="1" wrap="square" lIns="91425" tIns="91425" rIns="91425" bIns="91425" anchor="ctr" anchorCtr="0">
+          <a:bodyPr spcFirstLastPara="1" wrap="square" lIns="91425" tIns="91425" rIns="91425" bIns="91425" anchor="t" anchorCtr="0">
             <a:noAutofit/>
           </a:bodyPr>
           <a:lstStyle/>
@@ -18468,22 +18863,10 @@
               <a:buChar char="●"/>
             </a:pPr>
             <a:r>
-              <a:rPr lang="en"/>
+              <a:rPr lang="en" dirty="0"/>
               <a:t>Data Cleaning / Missing Value Treatment</a:t>
             </a:r>
-            <a:endParaRPr/>
-          </a:p>
-          <a:p>
-            <a:pPr marL="457200" lvl="0" indent="0" rtl="0">
-              <a:spcBef>
-                <a:spcPts val="1600"/>
-              </a:spcBef>
-              <a:spcAft>
-                <a:spcPts val="0"/>
-              </a:spcAft>
-              <a:buNone/>
-            </a:pPr>
-            <a:endParaRPr/>
+            <a:endParaRPr dirty="0"/>
           </a:p>
           <a:p>
             <a:pPr marL="457200" lvl="0" indent="-342900" rtl="0">
@@ -18497,22 +18880,10 @@
               <a:buChar char="●"/>
             </a:pPr>
             <a:r>
-              <a:rPr lang="en"/>
+              <a:rPr lang="en" dirty="0"/>
               <a:t>Handling Text and Categorical Attributes </a:t>
             </a:r>
-            <a:endParaRPr/>
-          </a:p>
-          <a:p>
-            <a:pPr marL="457200" lvl="0" indent="0" rtl="0">
-              <a:spcBef>
-                <a:spcPts val="1600"/>
-              </a:spcBef>
-              <a:spcAft>
-                <a:spcPts val="0"/>
-              </a:spcAft>
-              <a:buNone/>
-            </a:pPr>
-            <a:endParaRPr/>
+            <a:endParaRPr dirty="0"/>
           </a:p>
           <a:p>
             <a:pPr marL="457200" lvl="0" indent="-342900" rtl="0">
@@ -18526,22 +18897,9 @@
               <a:buChar char="●"/>
             </a:pPr>
             <a:r>
-              <a:rPr lang="en"/>
-              <a:t>Custom Transformations</a:t>
+              <a:rPr lang="en-IN" dirty="0"/>
+              <a:t>Feature Scaling</a:t>
             </a:r>
-            <a:endParaRPr/>
-          </a:p>
-          <a:p>
-            <a:pPr marL="457200" lvl="0" indent="0" rtl="0">
-              <a:spcBef>
-                <a:spcPts val="1600"/>
-              </a:spcBef>
-              <a:spcAft>
-                <a:spcPts val="0"/>
-              </a:spcAft>
-              <a:buNone/>
-            </a:pPr>
-            <a:endParaRPr/>
           </a:p>
           <a:p>
             <a:pPr marL="457200" lvl="0" indent="-342900" rtl="0">
@@ -18555,10 +18913,9 @@
               <a:buChar char="●"/>
             </a:pPr>
             <a:r>
-              <a:rPr lang="en"/>
-              <a:t>Creating pipelines</a:t>
+              <a:rPr lang="en-IN" dirty="0"/>
+              <a:t>Transformation pipelines</a:t>
             </a:r>
-            <a:endParaRPr/>
           </a:p>
         </p:txBody>
       </p:sp>
@@ -18576,7 +18933,7 @@
         </p:nvSpPr>
         <p:spPr>
           <a:xfrm>
-            <a:off x="5006700" y="4063763"/>
+            <a:off x="5006700" y="371405"/>
             <a:ext cx="3702600" cy="740400"/>
           </a:xfrm>
           <a:prstGeom prst="roundRect">
@@ -18617,7 +18974,7 @@
     </p:spTree>
     <p:extLst>
       <p:ext uri="{BB962C8B-B14F-4D97-AF65-F5344CB8AC3E}">
-        <p14:creationId xmlns:p14="http://schemas.microsoft.com/office/powerpoint/2010/main" val="95784915"/>
+        <p14:creationId xmlns:p14="http://schemas.microsoft.com/office/powerpoint/2010/main" val="176558225"/>
       </p:ext>
     </p:extLst>
   </p:cSld>
@@ -18632,7 +18989,7 @@
   <p:cSld>
     <p:spTree>
       <p:nvGrpSpPr>
-        <p:cNvPr id="1" name="Shape 264"/>
+        <p:cNvPr id="1" name="Shape 258"/>
         <p:cNvGrpSpPr/>
         <p:nvPr/>
       </p:nvGrpSpPr>
@@ -18646,7 +19003,7 @@
       </p:grpSpPr>
       <p:sp>
         <p:nvSpPr>
-          <p:cNvPr id="265" name="Google Shape;265;p37"/>
+          <p:cNvPr id="259" name="Google Shape;259;p36"/>
           <p:cNvSpPr txBox="1">
             <a:spLocks noGrp="1"/>
           </p:cNvSpPr>
@@ -18664,12 +19021,12 @@
           </a:prstGeom>
         </p:spPr>
         <p:txBody>
-          <a:bodyPr spcFirstLastPara="1" wrap="square" lIns="91425" tIns="91425" rIns="91425" bIns="91425" anchor="ctr" anchorCtr="0">
+          <a:bodyPr spcFirstLastPara="1" wrap="square" lIns="91425" tIns="91425" rIns="91425" bIns="91425" anchor="b" anchorCtr="0">
             <a:noAutofit/>
           </a:bodyPr>
           <a:lstStyle/>
           <a:p>
-            <a:pPr marL="0" lvl="0" indent="0">
+            <a:pPr marL="0" lvl="0" indent="0" rtl="0">
               <a:spcBef>
                 <a:spcPts val="0"/>
               </a:spcBef>
@@ -18680,23 +19037,7 @@
             </a:pPr>
             <a:r>
               <a:rPr lang="en"/>
-              <a:t>Train and Fine-Tuning </a:t>
-            </a:r>
-            <a:endParaRPr/>
-          </a:p>
-          <a:p>
-            <a:pPr marL="0" lvl="0" indent="0" rtl="0">
-              <a:spcBef>
-                <a:spcPts val="0"/>
-              </a:spcBef>
-              <a:spcAft>
-                <a:spcPts val="0"/>
-              </a:spcAft>
-              <a:buNone/>
-            </a:pPr>
-            <a:r>
-              <a:rPr lang="en"/>
-              <a:t>the model</a:t>
+              <a:t>Preparing data for ML algorithms</a:t>
             </a:r>
             <a:endParaRPr/>
           </a:p>
@@ -18704,7 +19045,7 @@
       </p:sp>
       <p:sp>
         <p:nvSpPr>
-          <p:cNvPr id="266" name="Google Shape;266;p37"/>
+          <p:cNvPr id="260" name="Google Shape;260;p36"/>
           <p:cNvSpPr txBox="1">
             <a:spLocks noGrp="1"/>
           </p:cNvSpPr>
@@ -18722,117 +19063,136 @@
           </a:prstGeom>
         </p:spPr>
         <p:txBody>
+          <a:bodyPr spcFirstLastPara="1" wrap="square" lIns="91425" tIns="91425" rIns="91425" bIns="91425" anchor="t" anchorCtr="0">
+            <a:noAutofit/>
+          </a:bodyPr>
+          <a:lstStyle/>
+          <a:p>
+            <a:pPr marL="457200" lvl="0" indent="-342900" rtl="0">
+              <a:spcBef>
+                <a:spcPts val="0"/>
+              </a:spcBef>
+              <a:spcAft>
+                <a:spcPts val="0"/>
+              </a:spcAft>
+              <a:buSzPts val="1800"/>
+              <a:buChar char="●"/>
+            </a:pPr>
+            <a:r>
+              <a:rPr lang="en" dirty="0"/>
+              <a:t>Data Cleaning / Missing Value Treatment</a:t>
+            </a:r>
+            <a:endParaRPr dirty="0"/>
+          </a:p>
+          <a:p>
+            <a:pPr marL="457200" lvl="0" indent="-342900" rtl="0">
+              <a:spcBef>
+                <a:spcPts val="1600"/>
+              </a:spcBef>
+              <a:spcAft>
+                <a:spcPts val="0"/>
+              </a:spcAft>
+              <a:buSzPts val="1800"/>
+              <a:buChar char="●"/>
+            </a:pPr>
+            <a:r>
+              <a:rPr lang="en" dirty="0"/>
+              <a:t>Handling Text and Categorical Attributes </a:t>
+            </a:r>
+            <a:endParaRPr dirty="0"/>
+          </a:p>
+          <a:p>
+            <a:pPr marL="457200" lvl="0" indent="-342900" rtl="0">
+              <a:spcBef>
+                <a:spcPts val="1600"/>
+              </a:spcBef>
+              <a:spcAft>
+                <a:spcPts val="0"/>
+              </a:spcAft>
+              <a:buSzPts val="1800"/>
+              <a:buChar char="●"/>
+            </a:pPr>
+            <a:r>
+              <a:rPr lang="en-IN" dirty="0"/>
+              <a:t>Feature Scaling</a:t>
+            </a:r>
+          </a:p>
+          <a:p>
+            <a:pPr marL="457200" lvl="0" indent="-342900" rtl="0">
+              <a:spcBef>
+                <a:spcPts val="1600"/>
+              </a:spcBef>
+              <a:spcAft>
+                <a:spcPts val="0"/>
+              </a:spcAft>
+              <a:buSzPts val="1800"/>
+              <a:buChar char="●"/>
+            </a:pPr>
+            <a:r>
+              <a:rPr lang="en-IN" dirty="0"/>
+              <a:t>Transformation pipelines</a:t>
+            </a:r>
+          </a:p>
+        </p:txBody>
+      </p:sp>
+      <p:sp>
+        <p:nvSpPr>
+          <p:cNvPr id="4" name="Google Shape;273;p38">
+            <a:extLst>
+              <a:ext uri="{FF2B5EF4-FFF2-40B4-BE49-F238E27FC236}">
+                <a16:creationId xmlns:a16="http://schemas.microsoft.com/office/drawing/2014/main" id="{1CE36BD6-D4D6-4567-8C28-AEB6B15608E0}"/>
+              </a:ext>
+            </a:extLst>
+          </p:cNvPr>
+          <p:cNvSpPr/>
+          <p:nvPr/>
+        </p:nvSpPr>
+        <p:spPr>
+          <a:xfrm>
+            <a:off x="5006700" y="1233175"/>
+            <a:ext cx="3702600" cy="740400"/>
+          </a:xfrm>
+          <a:prstGeom prst="roundRect">
+            <a:avLst>
+              <a:gd name="adj" fmla="val 16667"/>
+            </a:avLst>
+          </a:prstGeom>
+          <a:noFill/>
+          <a:ln w="9525" cap="flat" cmpd="sng">
+            <a:solidFill>
+              <a:srgbClr val="FFFFFF"/>
+            </a:solidFill>
+            <a:prstDash val="solid"/>
+            <a:round/>
+            <a:headEnd type="none" w="sm" len="sm"/>
+            <a:tailEnd type="none" w="sm" len="sm"/>
+          </a:ln>
+        </p:spPr>
+        <p:txBody>
           <a:bodyPr spcFirstLastPara="1" wrap="square" lIns="91425" tIns="91425" rIns="91425" bIns="91425" anchor="ctr" anchorCtr="0">
             <a:noAutofit/>
           </a:bodyPr>
           <a:lstStyle/>
           <a:p>
-            <a:pPr marL="457200" lvl="0" indent="-342900" rtl="0">
-              <a:spcBef>
-                <a:spcPts val="0"/>
-              </a:spcBef>
-              <a:spcAft>
-                <a:spcPts val="0"/>
-              </a:spcAft>
-              <a:buSzPts val="1800"/>
-              <a:buChar char="●"/>
-            </a:pPr>
-            <a:r>
-              <a:rPr lang="en" dirty="0"/>
-              <a:t>Training and evaluating on the training set</a:t>
-            </a:r>
-            <a:endParaRPr lang="en-IN" dirty="0"/>
-          </a:p>
-          <a:p>
-            <a:pPr marL="457200" lvl="0" indent="0" rtl="0">
-              <a:spcBef>
-                <a:spcPts val="1600"/>
-              </a:spcBef>
-              <a:spcAft>
-                <a:spcPts val="0"/>
-              </a:spcAft>
-              <a:buNone/>
-            </a:pPr>
-            <a:endParaRPr lang="en-IN" dirty="0"/>
-          </a:p>
-          <a:p>
-            <a:pPr marL="457200" lvl="0" indent="-342900" rtl="0">
-              <a:spcBef>
-                <a:spcPts val="1600"/>
-              </a:spcBef>
-              <a:spcAft>
-                <a:spcPts val="0"/>
-              </a:spcAft>
-              <a:buSzPts val="1800"/>
-              <a:buChar char="●"/>
-            </a:pPr>
-            <a:r>
-              <a:rPr lang="en" dirty="0"/>
-              <a:t>Better evaluation using Cross-Validation</a:t>
-            </a:r>
-            <a:endParaRPr lang="en-IN" dirty="0"/>
-          </a:p>
-          <a:p>
-            <a:pPr marL="457200" lvl="0" indent="0" rtl="0">
-              <a:spcBef>
-                <a:spcPts val="1600"/>
-              </a:spcBef>
-              <a:spcAft>
-                <a:spcPts val="0"/>
-              </a:spcAft>
-              <a:buNone/>
-            </a:pPr>
-            <a:endParaRPr lang="en-IN" dirty="0"/>
-          </a:p>
-          <a:p>
-            <a:pPr marL="457200" lvl="0" indent="-342900" rtl="0">
-              <a:spcBef>
-                <a:spcPts val="1600"/>
-              </a:spcBef>
-              <a:spcAft>
-                <a:spcPts val="0"/>
-              </a:spcAft>
-              <a:buSzPts val="1800"/>
-              <a:buChar char="●"/>
-            </a:pPr>
-            <a:r>
-              <a:rPr lang="en" dirty="0"/>
-              <a:t>Finalizing the model</a:t>
-            </a:r>
-            <a:endParaRPr lang="en-IN" dirty="0"/>
-          </a:p>
-          <a:p>
-            <a:pPr marL="457200" lvl="0" indent="0" rtl="0">
-              <a:spcBef>
-                <a:spcPts val="1600"/>
-              </a:spcBef>
-              <a:spcAft>
-                <a:spcPts val="0"/>
-              </a:spcAft>
-              <a:buNone/>
-            </a:pPr>
-            <a:endParaRPr lang="en-IN" dirty="0"/>
-          </a:p>
-          <a:p>
-            <a:pPr marL="457200" lvl="0" indent="-342900" rtl="0">
-              <a:spcBef>
-                <a:spcPts val="1600"/>
-              </a:spcBef>
-              <a:spcAft>
-                <a:spcPts val="0"/>
-              </a:spcAft>
-              <a:buSzPts val="1800"/>
-              <a:buChar char="●"/>
-            </a:pPr>
-            <a:r>
-              <a:rPr lang="en" dirty="0"/>
-              <a:t>Predicting the test set</a:t>
-            </a:r>
-            <a:endParaRPr dirty="0"/>
+            <a:pPr marL="0" lvl="0" indent="0">
+              <a:spcBef>
+                <a:spcPts val="0"/>
+              </a:spcBef>
+              <a:spcAft>
+                <a:spcPts val="0"/>
+              </a:spcAft>
+              <a:buNone/>
+            </a:pPr>
+            <a:endParaRPr/>
           </a:p>
         </p:txBody>
       </p:sp>
     </p:spTree>
+    <p:extLst>
+      <p:ext uri="{BB962C8B-B14F-4D97-AF65-F5344CB8AC3E}">
+        <p14:creationId xmlns:p14="http://schemas.microsoft.com/office/powerpoint/2010/main" val="867449329"/>
+      </p:ext>
+    </p:extLst>
   </p:cSld>
   <p:clrMapOvr>
     <a:masterClrMapping/>
@@ -18841,6 +19201,438 @@
 </file>
 
 <file path=ppt/slides/slide32.xml><?xml version="1.0" encoding="utf-8"?>
+<p:sld xmlns:a="http://schemas.openxmlformats.org/drawingml/2006/main" xmlns:r="http://schemas.openxmlformats.org/officeDocument/2006/relationships" xmlns:p="http://schemas.openxmlformats.org/presentationml/2006/main">
+  <p:cSld>
+    <p:spTree>
+      <p:nvGrpSpPr>
+        <p:cNvPr id="1" name="Shape 258"/>
+        <p:cNvGrpSpPr/>
+        <p:nvPr/>
+      </p:nvGrpSpPr>
+      <p:grpSpPr>
+        <a:xfrm>
+          <a:off x="0" y="0"/>
+          <a:ext cx="0" cy="0"/>
+          <a:chOff x="0" y="0"/>
+          <a:chExt cx="0" cy="0"/>
+        </a:xfrm>
+      </p:grpSpPr>
+      <p:sp>
+        <p:nvSpPr>
+          <p:cNvPr id="259" name="Google Shape;259;p36"/>
+          <p:cNvSpPr txBox="1">
+            <a:spLocks noGrp="1"/>
+          </p:cNvSpPr>
+          <p:nvPr>
+            <p:ph type="title"/>
+          </p:nvPr>
+        </p:nvSpPr>
+        <p:spPr>
+          <a:xfrm>
+            <a:off x="265500" y="1233175"/>
+            <a:ext cx="4045200" cy="2393400"/>
+          </a:xfrm>
+          <a:prstGeom prst="rect">
+            <a:avLst/>
+          </a:prstGeom>
+        </p:spPr>
+        <p:txBody>
+          <a:bodyPr spcFirstLastPara="1" wrap="square" lIns="91425" tIns="91425" rIns="91425" bIns="91425" anchor="b" anchorCtr="0">
+            <a:noAutofit/>
+          </a:bodyPr>
+          <a:lstStyle/>
+          <a:p>
+            <a:pPr marL="0" lvl="0" indent="0" rtl="0">
+              <a:spcBef>
+                <a:spcPts val="0"/>
+              </a:spcBef>
+              <a:spcAft>
+                <a:spcPts val="0"/>
+              </a:spcAft>
+              <a:buNone/>
+            </a:pPr>
+            <a:r>
+              <a:rPr lang="en"/>
+              <a:t>Preparing data for ML algorithms</a:t>
+            </a:r>
+            <a:endParaRPr/>
+          </a:p>
+        </p:txBody>
+      </p:sp>
+      <p:sp>
+        <p:nvSpPr>
+          <p:cNvPr id="260" name="Google Shape;260;p36"/>
+          <p:cNvSpPr txBox="1">
+            <a:spLocks noGrp="1"/>
+          </p:cNvSpPr>
+          <p:nvPr>
+            <p:ph type="body" idx="2"/>
+          </p:nvPr>
+        </p:nvSpPr>
+        <p:spPr>
+          <a:xfrm>
+            <a:off x="4939500" y="355550"/>
+            <a:ext cx="3837000" cy="4420500"/>
+          </a:xfrm>
+          <a:prstGeom prst="rect">
+            <a:avLst/>
+          </a:prstGeom>
+        </p:spPr>
+        <p:txBody>
+          <a:bodyPr spcFirstLastPara="1" wrap="square" lIns="91425" tIns="91425" rIns="91425" bIns="91425" anchor="t" anchorCtr="0">
+            <a:noAutofit/>
+          </a:bodyPr>
+          <a:lstStyle/>
+          <a:p>
+            <a:pPr marL="457200" lvl="0" indent="-342900" rtl="0">
+              <a:spcBef>
+                <a:spcPts val="0"/>
+              </a:spcBef>
+              <a:spcAft>
+                <a:spcPts val="0"/>
+              </a:spcAft>
+              <a:buSzPts val="1800"/>
+              <a:buChar char="●"/>
+            </a:pPr>
+            <a:r>
+              <a:rPr lang="en" dirty="0"/>
+              <a:t>Data Cleaning / Missing Value Treatment</a:t>
+            </a:r>
+            <a:endParaRPr dirty="0"/>
+          </a:p>
+          <a:p>
+            <a:pPr marL="457200" lvl="0" indent="-342900" rtl="0">
+              <a:spcBef>
+                <a:spcPts val="1600"/>
+              </a:spcBef>
+              <a:spcAft>
+                <a:spcPts val="0"/>
+              </a:spcAft>
+              <a:buSzPts val="1800"/>
+              <a:buChar char="●"/>
+            </a:pPr>
+            <a:r>
+              <a:rPr lang="en" dirty="0"/>
+              <a:t>Handling Text and Categorical Attributes </a:t>
+            </a:r>
+            <a:endParaRPr dirty="0"/>
+          </a:p>
+          <a:p>
+            <a:pPr marL="457200" lvl="0" indent="-342900" rtl="0">
+              <a:spcBef>
+                <a:spcPts val="1600"/>
+              </a:spcBef>
+              <a:spcAft>
+                <a:spcPts val="0"/>
+              </a:spcAft>
+              <a:buSzPts val="1800"/>
+              <a:buChar char="●"/>
+            </a:pPr>
+            <a:r>
+              <a:rPr lang="en-IN" dirty="0"/>
+              <a:t>Feature Scaling</a:t>
+            </a:r>
+          </a:p>
+          <a:p>
+            <a:pPr marL="457200" lvl="0" indent="-342900" rtl="0">
+              <a:spcBef>
+                <a:spcPts val="1600"/>
+              </a:spcBef>
+              <a:spcAft>
+                <a:spcPts val="0"/>
+              </a:spcAft>
+              <a:buSzPts val="1800"/>
+              <a:buChar char="●"/>
+            </a:pPr>
+            <a:r>
+              <a:rPr lang="en-IN" dirty="0"/>
+              <a:t>Transformation pipelines</a:t>
+            </a:r>
+          </a:p>
+        </p:txBody>
+      </p:sp>
+      <p:sp>
+        <p:nvSpPr>
+          <p:cNvPr id="4" name="Google Shape;273;p38">
+            <a:extLst>
+              <a:ext uri="{FF2B5EF4-FFF2-40B4-BE49-F238E27FC236}">
+                <a16:creationId xmlns:a16="http://schemas.microsoft.com/office/drawing/2014/main" id="{1CE36BD6-D4D6-4567-8C28-AEB6B15608E0}"/>
+              </a:ext>
+            </a:extLst>
+          </p:cNvPr>
+          <p:cNvSpPr/>
+          <p:nvPr/>
+        </p:nvSpPr>
+        <p:spPr>
+          <a:xfrm>
+            <a:off x="5006700" y="1988819"/>
+            <a:ext cx="3702600" cy="591505"/>
+          </a:xfrm>
+          <a:prstGeom prst="roundRect">
+            <a:avLst>
+              <a:gd name="adj" fmla="val 16667"/>
+            </a:avLst>
+          </a:prstGeom>
+          <a:noFill/>
+          <a:ln w="9525" cap="flat" cmpd="sng">
+            <a:solidFill>
+              <a:srgbClr val="FFFFFF"/>
+            </a:solidFill>
+            <a:prstDash val="solid"/>
+            <a:round/>
+            <a:headEnd type="none" w="sm" len="sm"/>
+            <a:tailEnd type="none" w="sm" len="sm"/>
+          </a:ln>
+        </p:spPr>
+        <p:txBody>
+          <a:bodyPr spcFirstLastPara="1" wrap="square" lIns="91425" tIns="91425" rIns="91425" bIns="91425" anchor="ctr" anchorCtr="0">
+            <a:noAutofit/>
+          </a:bodyPr>
+          <a:lstStyle/>
+          <a:p>
+            <a:pPr marL="0" lvl="0" indent="0">
+              <a:spcBef>
+                <a:spcPts val="0"/>
+              </a:spcBef>
+              <a:spcAft>
+                <a:spcPts val="0"/>
+              </a:spcAft>
+              <a:buNone/>
+            </a:pPr>
+            <a:endParaRPr/>
+          </a:p>
+        </p:txBody>
+      </p:sp>
+    </p:spTree>
+    <p:extLst>
+      <p:ext uri="{BB962C8B-B14F-4D97-AF65-F5344CB8AC3E}">
+        <p14:creationId xmlns:p14="http://schemas.microsoft.com/office/powerpoint/2010/main" val="1537020923"/>
+      </p:ext>
+    </p:extLst>
+  </p:cSld>
+  <p:clrMapOvr>
+    <a:masterClrMapping/>
+  </p:clrMapOvr>
+</p:sld>
+</file>
+
+<file path=ppt/slides/slide33.xml><?xml version="1.0" encoding="utf-8"?>
+<p:sld xmlns:a="http://schemas.openxmlformats.org/drawingml/2006/main" xmlns:r="http://schemas.openxmlformats.org/officeDocument/2006/relationships" xmlns:p="http://schemas.openxmlformats.org/presentationml/2006/main">
+  <p:cSld>
+    <p:spTree>
+      <p:nvGrpSpPr>
+        <p:cNvPr id="1" name="Shape 258"/>
+        <p:cNvGrpSpPr/>
+        <p:nvPr/>
+      </p:nvGrpSpPr>
+      <p:grpSpPr>
+        <a:xfrm>
+          <a:off x="0" y="0"/>
+          <a:ext cx="0" cy="0"/>
+          <a:chOff x="0" y="0"/>
+          <a:chExt cx="0" cy="0"/>
+        </a:xfrm>
+      </p:grpSpPr>
+      <p:sp>
+        <p:nvSpPr>
+          <p:cNvPr id="259" name="Google Shape;259;p36"/>
+          <p:cNvSpPr txBox="1">
+            <a:spLocks noGrp="1"/>
+          </p:cNvSpPr>
+          <p:nvPr>
+            <p:ph type="title"/>
+          </p:nvPr>
+        </p:nvSpPr>
+        <p:spPr>
+          <a:xfrm>
+            <a:off x="265500" y="1233175"/>
+            <a:ext cx="4045200" cy="2393400"/>
+          </a:xfrm>
+          <a:prstGeom prst="rect">
+            <a:avLst/>
+          </a:prstGeom>
+        </p:spPr>
+        <p:txBody>
+          <a:bodyPr spcFirstLastPara="1" wrap="square" lIns="91425" tIns="91425" rIns="91425" bIns="91425" anchor="b" anchorCtr="0">
+            <a:noAutofit/>
+          </a:bodyPr>
+          <a:lstStyle/>
+          <a:p>
+            <a:pPr marL="0" lvl="0" indent="0" rtl="0">
+              <a:spcBef>
+                <a:spcPts val="0"/>
+              </a:spcBef>
+              <a:spcAft>
+                <a:spcPts val="0"/>
+              </a:spcAft>
+              <a:buNone/>
+            </a:pPr>
+            <a:r>
+              <a:rPr lang="en"/>
+              <a:t>Preparing data for ML algorithms</a:t>
+            </a:r>
+            <a:endParaRPr/>
+          </a:p>
+        </p:txBody>
+      </p:sp>
+      <p:sp>
+        <p:nvSpPr>
+          <p:cNvPr id="260" name="Google Shape;260;p36"/>
+          <p:cNvSpPr txBox="1">
+            <a:spLocks noGrp="1"/>
+          </p:cNvSpPr>
+          <p:nvPr>
+            <p:ph type="body" idx="2"/>
+          </p:nvPr>
+        </p:nvSpPr>
+        <p:spPr>
+          <a:xfrm>
+            <a:off x="4939500" y="355550"/>
+            <a:ext cx="3837000" cy="4420500"/>
+          </a:xfrm>
+          <a:prstGeom prst="rect">
+            <a:avLst/>
+          </a:prstGeom>
+        </p:spPr>
+        <p:txBody>
+          <a:bodyPr spcFirstLastPara="1" wrap="square" lIns="91425" tIns="91425" rIns="91425" bIns="91425" anchor="t" anchorCtr="0">
+            <a:noAutofit/>
+          </a:bodyPr>
+          <a:lstStyle/>
+          <a:p>
+            <a:pPr marL="457200" lvl="0" indent="-342900" rtl="0">
+              <a:spcBef>
+                <a:spcPts val="0"/>
+              </a:spcBef>
+              <a:spcAft>
+                <a:spcPts val="0"/>
+              </a:spcAft>
+              <a:buSzPts val="1800"/>
+              <a:buChar char="●"/>
+            </a:pPr>
+            <a:r>
+              <a:rPr lang="en" dirty="0"/>
+              <a:t>Data Cleaning / Missing Value Treatment</a:t>
+            </a:r>
+            <a:endParaRPr dirty="0"/>
+          </a:p>
+          <a:p>
+            <a:pPr marL="457200" lvl="0" indent="-342900" rtl="0">
+              <a:spcBef>
+                <a:spcPts val="1600"/>
+              </a:spcBef>
+              <a:spcAft>
+                <a:spcPts val="0"/>
+              </a:spcAft>
+              <a:buSzPts val="1800"/>
+              <a:buChar char="●"/>
+            </a:pPr>
+            <a:r>
+              <a:rPr lang="en" dirty="0"/>
+              <a:t>Handling Text and Categorical Attributes </a:t>
+            </a:r>
+            <a:endParaRPr dirty="0"/>
+          </a:p>
+          <a:p>
+            <a:pPr marL="457200" lvl="0" indent="-342900" rtl="0">
+              <a:spcBef>
+                <a:spcPts val="1600"/>
+              </a:spcBef>
+              <a:spcAft>
+                <a:spcPts val="0"/>
+              </a:spcAft>
+              <a:buSzPts val="1800"/>
+              <a:buChar char="●"/>
+            </a:pPr>
+            <a:r>
+              <a:rPr lang="en-IN" dirty="0"/>
+              <a:t>Feature Scaling</a:t>
+            </a:r>
+          </a:p>
+          <a:p>
+            <a:pPr marL="457200" lvl="0" indent="-342900" rtl="0">
+              <a:spcBef>
+                <a:spcPts val="1600"/>
+              </a:spcBef>
+              <a:spcAft>
+                <a:spcPts val="0"/>
+              </a:spcAft>
+              <a:buSzPts val="1800"/>
+              <a:buChar char="●"/>
+            </a:pPr>
+            <a:r>
+              <a:rPr lang="en-IN" dirty="0"/>
+              <a:t>Transformation pipelines</a:t>
+            </a:r>
+          </a:p>
+        </p:txBody>
+      </p:sp>
+      <p:sp>
+        <p:nvSpPr>
+          <p:cNvPr id="4" name="Google Shape;273;p38">
+            <a:extLst>
+              <a:ext uri="{FF2B5EF4-FFF2-40B4-BE49-F238E27FC236}">
+                <a16:creationId xmlns:a16="http://schemas.microsoft.com/office/drawing/2014/main" id="{1CE36BD6-D4D6-4567-8C28-AEB6B15608E0}"/>
+              </a:ext>
+            </a:extLst>
+          </p:cNvPr>
+          <p:cNvSpPr/>
+          <p:nvPr/>
+        </p:nvSpPr>
+        <p:spPr>
+          <a:xfrm>
+            <a:off x="5006700" y="2565800"/>
+            <a:ext cx="3702600" cy="505060"/>
+          </a:xfrm>
+          <a:prstGeom prst="roundRect">
+            <a:avLst>
+              <a:gd name="adj" fmla="val 16667"/>
+            </a:avLst>
+          </a:prstGeom>
+          <a:noFill/>
+          <a:ln w="9525" cap="flat" cmpd="sng">
+            <a:solidFill>
+              <a:srgbClr val="FFFFFF"/>
+            </a:solidFill>
+            <a:prstDash val="solid"/>
+            <a:round/>
+            <a:headEnd type="none" w="sm" len="sm"/>
+            <a:tailEnd type="none" w="sm" len="sm"/>
+          </a:ln>
+        </p:spPr>
+        <p:txBody>
+          <a:bodyPr spcFirstLastPara="1" wrap="square" lIns="91425" tIns="91425" rIns="91425" bIns="91425" anchor="ctr" anchorCtr="0">
+            <a:noAutofit/>
+          </a:bodyPr>
+          <a:lstStyle/>
+          <a:p>
+            <a:pPr marL="0" lvl="0" indent="0">
+              <a:spcBef>
+                <a:spcPts val="0"/>
+              </a:spcBef>
+              <a:spcAft>
+                <a:spcPts val="0"/>
+              </a:spcAft>
+              <a:buNone/>
+            </a:pPr>
+            <a:endParaRPr/>
+          </a:p>
+        </p:txBody>
+      </p:sp>
+    </p:spTree>
+    <p:extLst>
+      <p:ext uri="{BB962C8B-B14F-4D97-AF65-F5344CB8AC3E}">
+        <p14:creationId xmlns:p14="http://schemas.microsoft.com/office/powerpoint/2010/main" val="2735603096"/>
+      </p:ext>
+    </p:extLst>
+  </p:cSld>
+  <p:clrMapOvr>
+    <a:masterClrMapping/>
+  </p:clrMapOvr>
+</p:sld>
+</file>
+
+<file path=ppt/slides/slide34.xml><?xml version="1.0" encoding="utf-8"?>
 <p:sld xmlns:a="http://schemas.openxmlformats.org/drawingml/2006/main" xmlns:r="http://schemas.openxmlformats.org/officeDocument/2006/relationships" xmlns:p="http://schemas.openxmlformats.org/presentationml/2006/main">
   <p:cSld>
     <p:spTree>
@@ -18935,7 +19727,7 @@
           </a:prstGeom>
         </p:spPr>
         <p:txBody>
-          <a:bodyPr spcFirstLastPara="1" wrap="square" lIns="91425" tIns="91425" rIns="91425" bIns="91425" anchor="ctr" anchorCtr="0">
+          <a:bodyPr spcFirstLastPara="1" wrap="square" lIns="91425" tIns="91425" rIns="91425" bIns="91425" anchor="t" anchorCtr="0">
             <a:noAutofit/>
           </a:bodyPr>
           <a:lstStyle/>
@@ -18957,18 +19749,6 @@
             <a:endParaRPr dirty="0"/>
           </a:p>
           <a:p>
-            <a:pPr marL="457200" lvl="0" indent="0" rtl="0">
-              <a:spcBef>
-                <a:spcPts val="1600"/>
-              </a:spcBef>
-              <a:spcAft>
-                <a:spcPts val="0"/>
-              </a:spcAft>
-              <a:buNone/>
-            </a:pPr>
-            <a:endParaRPr dirty="0"/>
-          </a:p>
-          <a:p>
             <a:pPr marL="457200" lvl="0" indent="-342900" rtl="0">
               <a:spcBef>
                 <a:spcPts val="1600"/>
@@ -18986,18 +19766,6 @@
             <a:endParaRPr dirty="0"/>
           </a:p>
           <a:p>
-            <a:pPr marL="457200" lvl="0" indent="0" rtl="0">
-              <a:spcBef>
-                <a:spcPts val="1600"/>
-              </a:spcBef>
-              <a:spcAft>
-                <a:spcPts val="0"/>
-              </a:spcAft>
-              <a:buNone/>
-            </a:pPr>
-            <a:endParaRPr dirty="0"/>
-          </a:p>
-          <a:p>
             <a:pPr marL="457200" lvl="0" indent="-342900" rtl="0">
               <a:spcBef>
                 <a:spcPts val="1600"/>
@@ -19012,18 +19780,6 @@
               <a:rPr lang="en" dirty="0"/>
               <a:t>Finalizing the model</a:t>
             </a:r>
-            <a:endParaRPr dirty="0"/>
-          </a:p>
-          <a:p>
-            <a:pPr marL="457200" lvl="0" indent="0" rtl="0">
-              <a:spcBef>
-                <a:spcPts val="1600"/>
-              </a:spcBef>
-              <a:spcAft>
-                <a:spcPts val="0"/>
-              </a:spcAft>
-              <a:buNone/>
-            </a:pPr>
             <a:endParaRPr dirty="0"/>
           </a:p>
           <a:p>
@@ -19053,7 +19809,7 @@
         </p:nvSpPr>
         <p:spPr>
           <a:xfrm>
-            <a:off x="5006700" y="475135"/>
+            <a:off x="5006700" y="371405"/>
             <a:ext cx="3702600" cy="740400"/>
           </a:xfrm>
           <a:prstGeom prst="roundRect">
@@ -19099,7 +19855,7 @@
 </p:sld>
 </file>
 
-<file path=ppt/slides/slide33.xml><?xml version="1.0" encoding="utf-8"?>
+<file path=ppt/slides/slide35.xml><?xml version="1.0" encoding="utf-8"?>
 <p:sld xmlns:a="http://schemas.openxmlformats.org/drawingml/2006/main" xmlns:r="http://schemas.openxmlformats.org/officeDocument/2006/relationships" xmlns:p="http://schemas.openxmlformats.org/presentationml/2006/main">
   <p:cSld>
     <p:spTree>
@@ -20452,7 +21208,7 @@
 </p:sld>
 </file>
 
-<file path=ppt/slides/slide34.xml><?xml version="1.0" encoding="utf-8"?>
+<file path=ppt/slides/slide36.xml><?xml version="1.0" encoding="utf-8"?>
 <p:sld xmlns:a="http://schemas.openxmlformats.org/drawingml/2006/main" xmlns:r="http://schemas.openxmlformats.org/officeDocument/2006/relationships" xmlns:p="http://schemas.openxmlformats.org/presentationml/2006/main">
   <p:cSld>
     <p:spTree>
@@ -20597,7 +21353,7 @@
 </p:sld>
 </file>
 
-<file path=ppt/slides/slide35.xml><?xml version="1.0" encoding="utf-8"?>
+<file path=ppt/slides/slide37.xml><?xml version="1.0" encoding="utf-8"?>
 <p:sld xmlns:a="http://schemas.openxmlformats.org/drawingml/2006/main" xmlns:r="http://schemas.openxmlformats.org/officeDocument/2006/relationships" xmlns:p="http://schemas.openxmlformats.org/presentationml/2006/main">
   <p:cSld>
     <p:spTree>
@@ -21701,7 +22457,7 @@
 </p:sld>
 </file>
 
-<file path=ppt/slides/slide36.xml><?xml version="1.0" encoding="utf-8"?>
+<file path=ppt/slides/slide38.xml><?xml version="1.0" encoding="utf-8"?>
 <p:sld xmlns:a="http://schemas.openxmlformats.org/drawingml/2006/main" xmlns:r="http://schemas.openxmlformats.org/officeDocument/2006/relationships" xmlns:p="http://schemas.openxmlformats.org/presentationml/2006/main">
   <p:cSld>
     <p:spTree>
@@ -22305,7 +23061,7 @@
 </p:sld>
 </file>
 
-<file path=ppt/slides/slide37.xml><?xml version="1.0" encoding="utf-8"?>
+<file path=ppt/slides/slide39.xml><?xml version="1.0" encoding="utf-8"?>
 <p:sld xmlns:a="http://schemas.openxmlformats.org/drawingml/2006/main" xmlns:r="http://schemas.openxmlformats.org/officeDocument/2006/relationships" xmlns:p="http://schemas.openxmlformats.org/presentationml/2006/main">
   <p:cSld>
     <p:spTree>
@@ -22393,14 +23149,14 @@
         <p:spPr>
           <a:xfrm>
             <a:off x="4939500" y="355550"/>
-            <a:ext cx="3837000" cy="4420500"/>
+            <a:ext cx="3837000" cy="3271025"/>
           </a:xfrm>
           <a:prstGeom prst="rect">
             <a:avLst/>
           </a:prstGeom>
         </p:spPr>
         <p:txBody>
-          <a:bodyPr spcFirstLastPara="1" wrap="square" lIns="91425" tIns="91425" rIns="91425" bIns="91425" anchor="ctr" anchorCtr="0">
+          <a:bodyPr spcFirstLastPara="1" wrap="square" lIns="91425" tIns="91425" rIns="91425" bIns="91425" anchor="t" anchorCtr="0">
             <a:noAutofit/>
           </a:bodyPr>
           <a:lstStyle/>
@@ -22416,22 +23172,10 @@
               <a:buChar char="●"/>
             </a:pPr>
             <a:r>
-              <a:rPr lang="en"/>
+              <a:rPr lang="en" dirty="0"/>
               <a:t>Training and evaluating on the training set</a:t>
             </a:r>
-            <a:endParaRPr/>
-          </a:p>
-          <a:p>
-            <a:pPr marL="457200" lvl="0" indent="0" rtl="0">
-              <a:spcBef>
-                <a:spcPts val="1600"/>
-              </a:spcBef>
-              <a:spcAft>
-                <a:spcPts val="0"/>
-              </a:spcAft>
-              <a:buNone/>
-            </a:pPr>
-            <a:endParaRPr/>
+            <a:endParaRPr dirty="0"/>
           </a:p>
           <a:p>
             <a:pPr marL="457200" lvl="0" indent="-342900" rtl="0">
@@ -22445,22 +23189,10 @@
               <a:buChar char="●"/>
             </a:pPr>
             <a:r>
-              <a:rPr lang="en"/>
+              <a:rPr lang="en" dirty="0"/>
               <a:t>Better evaluation using Cross-Validation</a:t>
             </a:r>
-            <a:endParaRPr/>
-          </a:p>
-          <a:p>
-            <a:pPr marL="457200" lvl="0" indent="0" rtl="0">
-              <a:spcBef>
-                <a:spcPts val="1600"/>
-              </a:spcBef>
-              <a:spcAft>
-                <a:spcPts val="0"/>
-              </a:spcAft>
-              <a:buNone/>
-            </a:pPr>
-            <a:endParaRPr/>
+            <a:endParaRPr dirty="0"/>
           </a:p>
           <a:p>
             <a:pPr marL="457200" lvl="0" indent="-342900" rtl="0">
@@ -22474,22 +23206,10 @@
               <a:buChar char="●"/>
             </a:pPr>
             <a:r>
-              <a:rPr lang="en"/>
+              <a:rPr lang="en" dirty="0"/>
               <a:t>Finalizing the model</a:t>
             </a:r>
-            <a:endParaRPr/>
-          </a:p>
-          <a:p>
-            <a:pPr marL="457200" lvl="0" indent="0" rtl="0">
-              <a:spcBef>
-                <a:spcPts val="1600"/>
-              </a:spcBef>
-              <a:spcAft>
-                <a:spcPts val="0"/>
-              </a:spcAft>
-              <a:buNone/>
-            </a:pPr>
-            <a:endParaRPr/>
+            <a:endParaRPr dirty="0"/>
           </a:p>
           <a:p>
             <a:pPr marL="457200" lvl="0" indent="-342900" rtl="0">
@@ -22503,10 +23223,10 @@
               <a:buChar char="●"/>
             </a:pPr>
             <a:r>
-              <a:rPr lang="en"/>
+              <a:rPr lang="en" dirty="0"/>
               <a:t>Predicting the test set</a:t>
             </a:r>
-            <a:endParaRPr/>
+            <a:endParaRPr dirty="0"/>
           </a:p>
         </p:txBody>
       </p:sp>
@@ -22518,7 +23238,7 @@
         </p:nvSpPr>
         <p:spPr>
           <a:xfrm>
-            <a:off x="5006700" y="1825400"/>
+            <a:off x="5006700" y="1231845"/>
             <a:ext cx="3702600" cy="740400"/>
           </a:xfrm>
           <a:prstGeom prst="roundRect">
@@ -22553,1100 +23273,6 @@
               <a:buNone/>
             </a:pPr>
             <a:endParaRPr/>
-          </a:p>
-        </p:txBody>
-      </p:sp>
-    </p:spTree>
-  </p:cSld>
-  <p:clrMapOvr>
-    <a:masterClrMapping/>
-  </p:clrMapOvr>
-</p:sld>
-</file>
-
-<file path=ppt/slides/slide38.xml><?xml version="1.0" encoding="utf-8"?>
-<p:sld xmlns:a="http://schemas.openxmlformats.org/drawingml/2006/main" xmlns:r="http://schemas.openxmlformats.org/officeDocument/2006/relationships" xmlns:p="http://schemas.openxmlformats.org/presentationml/2006/main">
-  <p:cSld>
-    <p:spTree>
-      <p:nvGrpSpPr>
-        <p:cNvPr id="1" name="Shape 321"/>
-        <p:cNvGrpSpPr/>
-        <p:nvPr/>
-      </p:nvGrpSpPr>
-      <p:grpSpPr>
-        <a:xfrm>
-          <a:off x="0" y="0"/>
-          <a:ext cx="0" cy="0"/>
-          <a:chOff x="0" y="0"/>
-          <a:chExt cx="0" cy="0"/>
-        </a:xfrm>
-      </p:grpSpPr>
-      <p:sp>
-        <p:nvSpPr>
-          <p:cNvPr id="322" name="Google Shape;322;p43"/>
-          <p:cNvSpPr txBox="1">
-            <a:spLocks noGrp="1"/>
-          </p:cNvSpPr>
-          <p:nvPr>
-            <p:ph type="title"/>
-          </p:nvPr>
-        </p:nvSpPr>
-        <p:spPr>
-          <a:xfrm>
-            <a:off x="98250" y="16350"/>
-            <a:ext cx="8826600" cy="602700"/>
-          </a:xfrm>
-          <a:prstGeom prst="rect">
-            <a:avLst/>
-          </a:prstGeom>
-        </p:spPr>
-        <p:txBody>
-          <a:bodyPr spcFirstLastPara="1" wrap="square" lIns="91425" tIns="91425" rIns="91425" bIns="91425" anchor="ctr" anchorCtr="0">
-            <a:noAutofit/>
-          </a:bodyPr>
-          <a:lstStyle/>
-          <a:p>
-            <a:pPr marL="0" lvl="0" indent="0">
-              <a:spcBef>
-                <a:spcPts val="0"/>
-              </a:spcBef>
-              <a:spcAft>
-                <a:spcPts val="0"/>
-              </a:spcAft>
-              <a:buNone/>
-            </a:pPr>
-            <a:r>
-              <a:rPr lang="en"/>
-              <a:t>Bias - Variance Tradeoff</a:t>
-            </a:r>
-            <a:endParaRPr/>
-          </a:p>
-        </p:txBody>
-      </p:sp>
-    </p:spTree>
-  </p:cSld>
-  <p:clrMapOvr>
-    <a:masterClrMapping/>
-  </p:clrMapOvr>
-</p:sld>
-</file>
-
-<file path=ppt/slides/slide39.xml><?xml version="1.0" encoding="utf-8"?>
-<p:sld xmlns:a="http://schemas.openxmlformats.org/drawingml/2006/main" xmlns:r="http://schemas.openxmlformats.org/officeDocument/2006/relationships" xmlns:p="http://schemas.openxmlformats.org/presentationml/2006/main">
-  <p:cSld>
-    <p:spTree>
-      <p:nvGrpSpPr>
-        <p:cNvPr id="1" name="Shape 326"/>
-        <p:cNvGrpSpPr/>
-        <p:nvPr/>
-      </p:nvGrpSpPr>
-      <p:grpSpPr>
-        <a:xfrm>
-          <a:off x="0" y="0"/>
-          <a:ext cx="0" cy="0"/>
-          <a:chOff x="0" y="0"/>
-          <a:chExt cx="0" cy="0"/>
-        </a:xfrm>
-      </p:grpSpPr>
-      <p:sp>
-        <p:nvSpPr>
-          <p:cNvPr id="327" name="Google Shape;327;p44"/>
-          <p:cNvSpPr txBox="1">
-            <a:spLocks noGrp="1"/>
-          </p:cNvSpPr>
-          <p:nvPr>
-            <p:ph type="title"/>
-          </p:nvPr>
-        </p:nvSpPr>
-        <p:spPr>
-          <a:xfrm>
-            <a:off x="98250" y="16350"/>
-            <a:ext cx="8826600" cy="602700"/>
-          </a:xfrm>
-          <a:prstGeom prst="rect">
-            <a:avLst/>
-          </a:prstGeom>
-        </p:spPr>
-        <p:txBody>
-          <a:bodyPr spcFirstLastPara="1" wrap="square" lIns="91425" tIns="91425" rIns="91425" bIns="91425" anchor="ctr" anchorCtr="0">
-            <a:noAutofit/>
-          </a:bodyPr>
-          <a:lstStyle/>
-          <a:p>
-            <a:pPr marL="0" lvl="0" indent="0" rtl="0">
-              <a:spcBef>
-                <a:spcPts val="0"/>
-              </a:spcBef>
-              <a:spcAft>
-                <a:spcPts val="0"/>
-              </a:spcAft>
-              <a:buNone/>
-            </a:pPr>
-            <a:r>
-              <a:rPr lang="en"/>
-              <a:t>K - Fold Cross Validation</a:t>
-            </a:r>
-            <a:endParaRPr/>
-          </a:p>
-        </p:txBody>
-      </p:sp>
-      <p:sp>
-        <p:nvSpPr>
-          <p:cNvPr id="328" name="Google Shape;328;p44"/>
-          <p:cNvSpPr/>
-          <p:nvPr/>
-        </p:nvSpPr>
-        <p:spPr>
-          <a:xfrm>
-            <a:off x="597375" y="1750600"/>
-            <a:ext cx="1528800" cy="639900"/>
-          </a:xfrm>
-          <a:prstGeom prst="rect">
-            <a:avLst/>
-          </a:prstGeom>
-          <a:noFill/>
-          <a:ln w="9525" cap="flat" cmpd="sng">
-            <a:solidFill>
-              <a:schemeClr val="dk2"/>
-            </a:solidFill>
-            <a:prstDash val="solid"/>
-            <a:round/>
-            <a:headEnd type="none" w="sm" len="sm"/>
-            <a:tailEnd type="none" w="sm" len="sm"/>
-          </a:ln>
-        </p:spPr>
-        <p:txBody>
-          <a:bodyPr spcFirstLastPara="1" wrap="square" lIns="91425" tIns="91425" rIns="91425" bIns="91425" anchor="ctr" anchorCtr="0">
-            <a:noAutofit/>
-          </a:bodyPr>
-          <a:lstStyle/>
-          <a:p>
-            <a:pPr marL="0" lvl="0" indent="0" algn="ctr" rtl="0">
-              <a:spcBef>
-                <a:spcPts val="0"/>
-              </a:spcBef>
-              <a:spcAft>
-                <a:spcPts val="0"/>
-              </a:spcAft>
-              <a:buNone/>
-            </a:pPr>
-            <a:r>
-              <a:rPr lang="en">
-                <a:solidFill>
-                  <a:srgbClr val="666666"/>
-                </a:solidFill>
-              </a:rPr>
-              <a:t>Training Set</a:t>
-            </a:r>
-            <a:endParaRPr>
-              <a:solidFill>
-                <a:srgbClr val="666666"/>
-              </a:solidFill>
-            </a:endParaRPr>
-          </a:p>
-        </p:txBody>
-      </p:sp>
-      <p:sp>
-        <p:nvSpPr>
-          <p:cNvPr id="329" name="Google Shape;329;p44"/>
-          <p:cNvSpPr/>
-          <p:nvPr/>
-        </p:nvSpPr>
-        <p:spPr>
-          <a:xfrm>
-            <a:off x="597375" y="959275"/>
-            <a:ext cx="6115200" cy="639900"/>
-          </a:xfrm>
-          <a:prstGeom prst="rect">
-            <a:avLst/>
-          </a:prstGeom>
-          <a:noFill/>
-          <a:ln w="9525" cap="flat" cmpd="sng">
-            <a:solidFill>
-              <a:schemeClr val="dk2"/>
-            </a:solidFill>
-            <a:prstDash val="solid"/>
-            <a:round/>
-            <a:headEnd type="none" w="sm" len="sm"/>
-            <a:tailEnd type="none" w="sm" len="sm"/>
-          </a:ln>
-        </p:spPr>
-        <p:txBody>
-          <a:bodyPr spcFirstLastPara="1" wrap="square" lIns="91425" tIns="91425" rIns="91425" bIns="91425" anchor="ctr" anchorCtr="0">
-            <a:noAutofit/>
-          </a:bodyPr>
-          <a:lstStyle/>
-          <a:p>
-            <a:pPr marL="0" lvl="0" indent="0" algn="ctr" rtl="0">
-              <a:spcBef>
-                <a:spcPts val="0"/>
-              </a:spcBef>
-              <a:spcAft>
-                <a:spcPts val="0"/>
-              </a:spcAft>
-              <a:buNone/>
-            </a:pPr>
-            <a:r>
-              <a:rPr lang="en">
-                <a:solidFill>
-                  <a:srgbClr val="666666"/>
-                </a:solidFill>
-              </a:rPr>
-              <a:t>Train Data</a:t>
-            </a:r>
-            <a:endParaRPr>
-              <a:solidFill>
-                <a:srgbClr val="666666"/>
-              </a:solidFill>
-            </a:endParaRPr>
-          </a:p>
-        </p:txBody>
-      </p:sp>
-      <p:sp>
-        <p:nvSpPr>
-          <p:cNvPr id="330" name="Google Shape;330;p44"/>
-          <p:cNvSpPr/>
-          <p:nvPr/>
-        </p:nvSpPr>
-        <p:spPr>
-          <a:xfrm>
-            <a:off x="2126175" y="1750600"/>
-            <a:ext cx="1528800" cy="639900"/>
-          </a:xfrm>
-          <a:prstGeom prst="rect">
-            <a:avLst/>
-          </a:prstGeom>
-          <a:noFill/>
-          <a:ln w="9525" cap="flat" cmpd="sng">
-            <a:solidFill>
-              <a:schemeClr val="dk2"/>
-            </a:solidFill>
-            <a:prstDash val="solid"/>
-            <a:round/>
-            <a:headEnd type="none" w="sm" len="sm"/>
-            <a:tailEnd type="none" w="sm" len="sm"/>
-          </a:ln>
-        </p:spPr>
-        <p:txBody>
-          <a:bodyPr spcFirstLastPara="1" wrap="square" lIns="91425" tIns="91425" rIns="91425" bIns="91425" anchor="ctr" anchorCtr="0">
-            <a:noAutofit/>
-          </a:bodyPr>
-          <a:lstStyle/>
-          <a:p>
-            <a:pPr marL="0" lvl="0" indent="0" algn="ctr" rtl="0">
-              <a:spcBef>
-                <a:spcPts val="0"/>
-              </a:spcBef>
-              <a:spcAft>
-                <a:spcPts val="0"/>
-              </a:spcAft>
-              <a:buNone/>
-            </a:pPr>
-            <a:r>
-              <a:rPr lang="en">
-                <a:solidFill>
-                  <a:srgbClr val="666666"/>
-                </a:solidFill>
-              </a:rPr>
-              <a:t>Training Set</a:t>
-            </a:r>
-            <a:endParaRPr>
-              <a:solidFill>
-                <a:srgbClr val="666666"/>
-              </a:solidFill>
-            </a:endParaRPr>
-          </a:p>
-        </p:txBody>
-      </p:sp>
-      <p:sp>
-        <p:nvSpPr>
-          <p:cNvPr id="331" name="Google Shape;331;p44"/>
-          <p:cNvSpPr/>
-          <p:nvPr/>
-        </p:nvSpPr>
-        <p:spPr>
-          <a:xfrm>
-            <a:off x="3654975" y="1750600"/>
-            <a:ext cx="1528800" cy="639900"/>
-          </a:xfrm>
-          <a:prstGeom prst="rect">
-            <a:avLst/>
-          </a:prstGeom>
-          <a:noFill/>
-          <a:ln w="9525" cap="flat" cmpd="sng">
-            <a:solidFill>
-              <a:schemeClr val="dk2"/>
-            </a:solidFill>
-            <a:prstDash val="solid"/>
-            <a:round/>
-            <a:headEnd type="none" w="sm" len="sm"/>
-            <a:tailEnd type="none" w="sm" len="sm"/>
-          </a:ln>
-        </p:spPr>
-        <p:txBody>
-          <a:bodyPr spcFirstLastPara="1" wrap="square" lIns="91425" tIns="91425" rIns="91425" bIns="91425" anchor="ctr" anchorCtr="0">
-            <a:noAutofit/>
-          </a:bodyPr>
-          <a:lstStyle/>
-          <a:p>
-            <a:pPr marL="0" lvl="0" indent="0" algn="ctr" rtl="0">
-              <a:spcBef>
-                <a:spcPts val="0"/>
-              </a:spcBef>
-              <a:spcAft>
-                <a:spcPts val="0"/>
-              </a:spcAft>
-              <a:buNone/>
-            </a:pPr>
-            <a:r>
-              <a:rPr lang="en">
-                <a:solidFill>
-                  <a:srgbClr val="666666"/>
-                </a:solidFill>
-              </a:rPr>
-              <a:t>Training Set</a:t>
-            </a:r>
-            <a:endParaRPr>
-              <a:solidFill>
-                <a:srgbClr val="666666"/>
-              </a:solidFill>
-            </a:endParaRPr>
-          </a:p>
-        </p:txBody>
-      </p:sp>
-      <p:sp>
-        <p:nvSpPr>
-          <p:cNvPr id="332" name="Google Shape;332;p44"/>
-          <p:cNvSpPr/>
-          <p:nvPr/>
-        </p:nvSpPr>
-        <p:spPr>
-          <a:xfrm>
-            <a:off x="5183775" y="1750600"/>
-            <a:ext cx="1528800" cy="639900"/>
-          </a:xfrm>
-          <a:prstGeom prst="rect">
-            <a:avLst/>
-          </a:prstGeom>
-          <a:solidFill>
-            <a:srgbClr val="CCCCCC"/>
-          </a:solidFill>
-          <a:ln w="9525" cap="flat" cmpd="sng">
-            <a:solidFill>
-              <a:schemeClr val="dk2"/>
-            </a:solidFill>
-            <a:prstDash val="solid"/>
-            <a:round/>
-            <a:headEnd type="none" w="sm" len="sm"/>
-            <a:tailEnd type="none" w="sm" len="sm"/>
-          </a:ln>
-        </p:spPr>
-        <p:txBody>
-          <a:bodyPr spcFirstLastPara="1" wrap="square" lIns="91425" tIns="91425" rIns="91425" bIns="91425" anchor="ctr" anchorCtr="0">
-            <a:noAutofit/>
-          </a:bodyPr>
-          <a:lstStyle/>
-          <a:p>
-            <a:pPr marL="0" lvl="0" indent="0" algn="ctr" rtl="0">
-              <a:spcBef>
-                <a:spcPts val="0"/>
-              </a:spcBef>
-              <a:spcAft>
-                <a:spcPts val="0"/>
-              </a:spcAft>
-              <a:buNone/>
-            </a:pPr>
-            <a:r>
-              <a:rPr lang="en">
-                <a:solidFill>
-                  <a:srgbClr val="666666"/>
-                </a:solidFill>
-              </a:rPr>
-              <a:t>Validation Set</a:t>
-            </a:r>
-            <a:endParaRPr>
-              <a:solidFill>
-                <a:srgbClr val="666666"/>
-              </a:solidFill>
-            </a:endParaRPr>
-          </a:p>
-        </p:txBody>
-      </p:sp>
-      <p:sp>
-        <p:nvSpPr>
-          <p:cNvPr id="333" name="Google Shape;333;p44"/>
-          <p:cNvSpPr/>
-          <p:nvPr/>
-        </p:nvSpPr>
-        <p:spPr>
-          <a:xfrm>
-            <a:off x="597375" y="2487338"/>
-            <a:ext cx="1528800" cy="639900"/>
-          </a:xfrm>
-          <a:prstGeom prst="rect">
-            <a:avLst/>
-          </a:prstGeom>
-          <a:noFill/>
-          <a:ln w="9525" cap="flat" cmpd="sng">
-            <a:solidFill>
-              <a:schemeClr val="dk2"/>
-            </a:solidFill>
-            <a:prstDash val="solid"/>
-            <a:round/>
-            <a:headEnd type="none" w="sm" len="sm"/>
-            <a:tailEnd type="none" w="sm" len="sm"/>
-          </a:ln>
-        </p:spPr>
-        <p:txBody>
-          <a:bodyPr spcFirstLastPara="1" wrap="square" lIns="91425" tIns="91425" rIns="91425" bIns="91425" anchor="ctr" anchorCtr="0">
-            <a:noAutofit/>
-          </a:bodyPr>
-          <a:lstStyle/>
-          <a:p>
-            <a:pPr marL="0" lvl="0" indent="0" algn="ctr" rtl="0">
-              <a:spcBef>
-                <a:spcPts val="0"/>
-              </a:spcBef>
-              <a:spcAft>
-                <a:spcPts val="0"/>
-              </a:spcAft>
-              <a:buNone/>
-            </a:pPr>
-            <a:r>
-              <a:rPr lang="en">
-                <a:solidFill>
-                  <a:srgbClr val="666666"/>
-                </a:solidFill>
-              </a:rPr>
-              <a:t>Training Set</a:t>
-            </a:r>
-            <a:endParaRPr>
-              <a:solidFill>
-                <a:srgbClr val="666666"/>
-              </a:solidFill>
-            </a:endParaRPr>
-          </a:p>
-        </p:txBody>
-      </p:sp>
-      <p:sp>
-        <p:nvSpPr>
-          <p:cNvPr id="334" name="Google Shape;334;p44"/>
-          <p:cNvSpPr/>
-          <p:nvPr/>
-        </p:nvSpPr>
-        <p:spPr>
-          <a:xfrm>
-            <a:off x="2126175" y="2487338"/>
-            <a:ext cx="1528800" cy="639900"/>
-          </a:xfrm>
-          <a:prstGeom prst="rect">
-            <a:avLst/>
-          </a:prstGeom>
-          <a:noFill/>
-          <a:ln w="9525" cap="flat" cmpd="sng">
-            <a:solidFill>
-              <a:schemeClr val="dk2"/>
-            </a:solidFill>
-            <a:prstDash val="solid"/>
-            <a:round/>
-            <a:headEnd type="none" w="sm" len="sm"/>
-            <a:tailEnd type="none" w="sm" len="sm"/>
-          </a:ln>
-        </p:spPr>
-        <p:txBody>
-          <a:bodyPr spcFirstLastPara="1" wrap="square" lIns="91425" tIns="91425" rIns="91425" bIns="91425" anchor="ctr" anchorCtr="0">
-            <a:noAutofit/>
-          </a:bodyPr>
-          <a:lstStyle/>
-          <a:p>
-            <a:pPr marL="0" lvl="0" indent="0" algn="ctr" rtl="0">
-              <a:spcBef>
-                <a:spcPts val="0"/>
-              </a:spcBef>
-              <a:spcAft>
-                <a:spcPts val="0"/>
-              </a:spcAft>
-              <a:buNone/>
-            </a:pPr>
-            <a:r>
-              <a:rPr lang="en">
-                <a:solidFill>
-                  <a:srgbClr val="666666"/>
-                </a:solidFill>
-              </a:rPr>
-              <a:t>Training Set</a:t>
-            </a:r>
-            <a:endParaRPr>
-              <a:solidFill>
-                <a:srgbClr val="666666"/>
-              </a:solidFill>
-            </a:endParaRPr>
-          </a:p>
-        </p:txBody>
-      </p:sp>
-      <p:sp>
-        <p:nvSpPr>
-          <p:cNvPr id="335" name="Google Shape;335;p44"/>
-          <p:cNvSpPr/>
-          <p:nvPr/>
-        </p:nvSpPr>
-        <p:spPr>
-          <a:xfrm>
-            <a:off x="5183775" y="2487338"/>
-            <a:ext cx="1528800" cy="639900"/>
-          </a:xfrm>
-          <a:prstGeom prst="rect">
-            <a:avLst/>
-          </a:prstGeom>
-          <a:noFill/>
-          <a:ln w="9525" cap="flat" cmpd="sng">
-            <a:solidFill>
-              <a:schemeClr val="dk2"/>
-            </a:solidFill>
-            <a:prstDash val="solid"/>
-            <a:round/>
-            <a:headEnd type="none" w="sm" len="sm"/>
-            <a:tailEnd type="none" w="sm" len="sm"/>
-          </a:ln>
-        </p:spPr>
-        <p:txBody>
-          <a:bodyPr spcFirstLastPara="1" wrap="square" lIns="91425" tIns="91425" rIns="91425" bIns="91425" anchor="ctr" anchorCtr="0">
-            <a:noAutofit/>
-          </a:bodyPr>
-          <a:lstStyle/>
-          <a:p>
-            <a:pPr marL="0" lvl="0" indent="0" algn="ctr" rtl="0">
-              <a:spcBef>
-                <a:spcPts val="0"/>
-              </a:spcBef>
-              <a:spcAft>
-                <a:spcPts val="0"/>
-              </a:spcAft>
-              <a:buNone/>
-            </a:pPr>
-            <a:r>
-              <a:rPr lang="en">
-                <a:solidFill>
-                  <a:srgbClr val="666666"/>
-                </a:solidFill>
-              </a:rPr>
-              <a:t>Training Set</a:t>
-            </a:r>
-            <a:endParaRPr>
-              <a:solidFill>
-                <a:srgbClr val="666666"/>
-              </a:solidFill>
-            </a:endParaRPr>
-          </a:p>
-        </p:txBody>
-      </p:sp>
-      <p:sp>
-        <p:nvSpPr>
-          <p:cNvPr id="336" name="Google Shape;336;p44"/>
-          <p:cNvSpPr/>
-          <p:nvPr/>
-        </p:nvSpPr>
-        <p:spPr>
-          <a:xfrm>
-            <a:off x="3654975" y="2487338"/>
-            <a:ext cx="1528800" cy="639900"/>
-          </a:xfrm>
-          <a:prstGeom prst="rect">
-            <a:avLst/>
-          </a:prstGeom>
-          <a:solidFill>
-            <a:srgbClr val="CCCCCC"/>
-          </a:solidFill>
-          <a:ln w="9525" cap="flat" cmpd="sng">
-            <a:solidFill>
-              <a:schemeClr val="dk2"/>
-            </a:solidFill>
-            <a:prstDash val="solid"/>
-            <a:round/>
-            <a:headEnd type="none" w="sm" len="sm"/>
-            <a:tailEnd type="none" w="sm" len="sm"/>
-          </a:ln>
-        </p:spPr>
-        <p:txBody>
-          <a:bodyPr spcFirstLastPara="1" wrap="square" lIns="91425" tIns="91425" rIns="91425" bIns="91425" anchor="ctr" anchorCtr="0">
-            <a:noAutofit/>
-          </a:bodyPr>
-          <a:lstStyle/>
-          <a:p>
-            <a:pPr marL="0" lvl="0" indent="0" algn="ctr" rtl="0">
-              <a:spcBef>
-                <a:spcPts val="0"/>
-              </a:spcBef>
-              <a:spcAft>
-                <a:spcPts val="0"/>
-              </a:spcAft>
-              <a:buNone/>
-            </a:pPr>
-            <a:r>
-              <a:rPr lang="en">
-                <a:solidFill>
-                  <a:srgbClr val="666666"/>
-                </a:solidFill>
-              </a:rPr>
-              <a:t>Validation Set</a:t>
-            </a:r>
-            <a:endParaRPr>
-              <a:solidFill>
-                <a:srgbClr val="666666"/>
-              </a:solidFill>
-            </a:endParaRPr>
-          </a:p>
-        </p:txBody>
-      </p:sp>
-      <p:sp>
-        <p:nvSpPr>
-          <p:cNvPr id="337" name="Google Shape;337;p44"/>
-          <p:cNvSpPr/>
-          <p:nvPr/>
-        </p:nvSpPr>
-        <p:spPr>
-          <a:xfrm>
-            <a:off x="597375" y="3224100"/>
-            <a:ext cx="1528800" cy="639900"/>
-          </a:xfrm>
-          <a:prstGeom prst="rect">
-            <a:avLst/>
-          </a:prstGeom>
-          <a:noFill/>
-          <a:ln w="9525" cap="flat" cmpd="sng">
-            <a:solidFill>
-              <a:schemeClr val="dk2"/>
-            </a:solidFill>
-            <a:prstDash val="solid"/>
-            <a:round/>
-            <a:headEnd type="none" w="sm" len="sm"/>
-            <a:tailEnd type="none" w="sm" len="sm"/>
-          </a:ln>
-        </p:spPr>
-        <p:txBody>
-          <a:bodyPr spcFirstLastPara="1" wrap="square" lIns="91425" tIns="91425" rIns="91425" bIns="91425" anchor="ctr" anchorCtr="0">
-            <a:noAutofit/>
-          </a:bodyPr>
-          <a:lstStyle/>
-          <a:p>
-            <a:pPr marL="0" lvl="0" indent="0" algn="ctr" rtl="0">
-              <a:spcBef>
-                <a:spcPts val="0"/>
-              </a:spcBef>
-              <a:spcAft>
-                <a:spcPts val="0"/>
-              </a:spcAft>
-              <a:buNone/>
-            </a:pPr>
-            <a:r>
-              <a:rPr lang="en">
-                <a:solidFill>
-                  <a:srgbClr val="666666"/>
-                </a:solidFill>
-              </a:rPr>
-              <a:t>Training Set</a:t>
-            </a:r>
-            <a:endParaRPr>
-              <a:solidFill>
-                <a:srgbClr val="666666"/>
-              </a:solidFill>
-            </a:endParaRPr>
-          </a:p>
-        </p:txBody>
-      </p:sp>
-      <p:sp>
-        <p:nvSpPr>
-          <p:cNvPr id="338" name="Google Shape;338;p44"/>
-          <p:cNvSpPr/>
-          <p:nvPr/>
-        </p:nvSpPr>
-        <p:spPr>
-          <a:xfrm>
-            <a:off x="5183775" y="3224100"/>
-            <a:ext cx="1528800" cy="639900"/>
-          </a:xfrm>
-          <a:prstGeom prst="rect">
-            <a:avLst/>
-          </a:prstGeom>
-          <a:noFill/>
-          <a:ln w="9525" cap="flat" cmpd="sng">
-            <a:solidFill>
-              <a:schemeClr val="dk2"/>
-            </a:solidFill>
-            <a:prstDash val="solid"/>
-            <a:round/>
-            <a:headEnd type="none" w="sm" len="sm"/>
-            <a:tailEnd type="none" w="sm" len="sm"/>
-          </a:ln>
-        </p:spPr>
-        <p:txBody>
-          <a:bodyPr spcFirstLastPara="1" wrap="square" lIns="91425" tIns="91425" rIns="91425" bIns="91425" anchor="ctr" anchorCtr="0">
-            <a:noAutofit/>
-          </a:bodyPr>
-          <a:lstStyle/>
-          <a:p>
-            <a:pPr marL="0" lvl="0" indent="0" algn="ctr" rtl="0">
-              <a:spcBef>
-                <a:spcPts val="0"/>
-              </a:spcBef>
-              <a:spcAft>
-                <a:spcPts val="0"/>
-              </a:spcAft>
-              <a:buNone/>
-            </a:pPr>
-            <a:r>
-              <a:rPr lang="en">
-                <a:solidFill>
-                  <a:srgbClr val="666666"/>
-                </a:solidFill>
-              </a:rPr>
-              <a:t>Training Set</a:t>
-            </a:r>
-            <a:endParaRPr>
-              <a:solidFill>
-                <a:srgbClr val="666666"/>
-              </a:solidFill>
-            </a:endParaRPr>
-          </a:p>
-        </p:txBody>
-      </p:sp>
-      <p:sp>
-        <p:nvSpPr>
-          <p:cNvPr id="339" name="Google Shape;339;p44"/>
-          <p:cNvSpPr/>
-          <p:nvPr/>
-        </p:nvSpPr>
-        <p:spPr>
-          <a:xfrm>
-            <a:off x="3654975" y="3224100"/>
-            <a:ext cx="1528800" cy="639900"/>
-          </a:xfrm>
-          <a:prstGeom prst="rect">
-            <a:avLst/>
-          </a:prstGeom>
-          <a:noFill/>
-          <a:ln w="9525" cap="flat" cmpd="sng">
-            <a:solidFill>
-              <a:schemeClr val="dk2"/>
-            </a:solidFill>
-            <a:prstDash val="solid"/>
-            <a:round/>
-            <a:headEnd type="none" w="sm" len="sm"/>
-            <a:tailEnd type="none" w="sm" len="sm"/>
-          </a:ln>
-        </p:spPr>
-        <p:txBody>
-          <a:bodyPr spcFirstLastPara="1" wrap="square" lIns="91425" tIns="91425" rIns="91425" bIns="91425" anchor="ctr" anchorCtr="0">
-            <a:noAutofit/>
-          </a:bodyPr>
-          <a:lstStyle/>
-          <a:p>
-            <a:pPr marL="0" lvl="0" indent="0" algn="ctr" rtl="0">
-              <a:spcBef>
-                <a:spcPts val="0"/>
-              </a:spcBef>
-              <a:spcAft>
-                <a:spcPts val="0"/>
-              </a:spcAft>
-              <a:buNone/>
-            </a:pPr>
-            <a:r>
-              <a:rPr lang="en">
-                <a:solidFill>
-                  <a:srgbClr val="666666"/>
-                </a:solidFill>
-              </a:rPr>
-              <a:t>Training Set</a:t>
-            </a:r>
-            <a:endParaRPr>
-              <a:solidFill>
-                <a:srgbClr val="666666"/>
-              </a:solidFill>
-            </a:endParaRPr>
-          </a:p>
-        </p:txBody>
-      </p:sp>
-      <p:sp>
-        <p:nvSpPr>
-          <p:cNvPr id="340" name="Google Shape;340;p44"/>
-          <p:cNvSpPr/>
-          <p:nvPr/>
-        </p:nvSpPr>
-        <p:spPr>
-          <a:xfrm>
-            <a:off x="2126175" y="3224100"/>
-            <a:ext cx="1528800" cy="639900"/>
-          </a:xfrm>
-          <a:prstGeom prst="rect">
-            <a:avLst/>
-          </a:prstGeom>
-          <a:solidFill>
-            <a:srgbClr val="CCCCCC"/>
-          </a:solidFill>
-          <a:ln w="9525" cap="flat" cmpd="sng">
-            <a:solidFill>
-              <a:schemeClr val="dk2"/>
-            </a:solidFill>
-            <a:prstDash val="solid"/>
-            <a:round/>
-            <a:headEnd type="none" w="sm" len="sm"/>
-            <a:tailEnd type="none" w="sm" len="sm"/>
-          </a:ln>
-        </p:spPr>
-        <p:txBody>
-          <a:bodyPr spcFirstLastPara="1" wrap="square" lIns="91425" tIns="91425" rIns="91425" bIns="91425" anchor="ctr" anchorCtr="0">
-            <a:noAutofit/>
-          </a:bodyPr>
-          <a:lstStyle/>
-          <a:p>
-            <a:pPr marL="0" lvl="0" indent="0" algn="ctr" rtl="0">
-              <a:spcBef>
-                <a:spcPts val="0"/>
-              </a:spcBef>
-              <a:spcAft>
-                <a:spcPts val="0"/>
-              </a:spcAft>
-              <a:buNone/>
-            </a:pPr>
-            <a:r>
-              <a:rPr lang="en">
-                <a:solidFill>
-                  <a:srgbClr val="666666"/>
-                </a:solidFill>
-              </a:rPr>
-              <a:t>Validation Set</a:t>
-            </a:r>
-            <a:endParaRPr>
-              <a:solidFill>
-                <a:srgbClr val="666666"/>
-              </a:solidFill>
-            </a:endParaRPr>
-          </a:p>
-        </p:txBody>
-      </p:sp>
-      <p:sp>
-        <p:nvSpPr>
-          <p:cNvPr id="341" name="Google Shape;341;p44"/>
-          <p:cNvSpPr/>
-          <p:nvPr/>
-        </p:nvSpPr>
-        <p:spPr>
-          <a:xfrm>
-            <a:off x="5183775" y="3960850"/>
-            <a:ext cx="1528800" cy="639900"/>
-          </a:xfrm>
-          <a:prstGeom prst="rect">
-            <a:avLst/>
-          </a:prstGeom>
-          <a:noFill/>
-          <a:ln w="9525" cap="flat" cmpd="sng">
-            <a:solidFill>
-              <a:schemeClr val="dk2"/>
-            </a:solidFill>
-            <a:prstDash val="solid"/>
-            <a:round/>
-            <a:headEnd type="none" w="sm" len="sm"/>
-            <a:tailEnd type="none" w="sm" len="sm"/>
-          </a:ln>
-        </p:spPr>
-        <p:txBody>
-          <a:bodyPr spcFirstLastPara="1" wrap="square" lIns="91425" tIns="91425" rIns="91425" bIns="91425" anchor="ctr" anchorCtr="0">
-            <a:noAutofit/>
-          </a:bodyPr>
-          <a:lstStyle/>
-          <a:p>
-            <a:pPr marL="0" lvl="0" indent="0" algn="ctr" rtl="0">
-              <a:spcBef>
-                <a:spcPts val="0"/>
-              </a:spcBef>
-              <a:spcAft>
-                <a:spcPts val="0"/>
-              </a:spcAft>
-              <a:buNone/>
-            </a:pPr>
-            <a:r>
-              <a:rPr lang="en">
-                <a:solidFill>
-                  <a:srgbClr val="666666"/>
-                </a:solidFill>
-              </a:rPr>
-              <a:t>Training Set</a:t>
-            </a:r>
-            <a:endParaRPr>
-              <a:solidFill>
-                <a:srgbClr val="666666"/>
-              </a:solidFill>
-            </a:endParaRPr>
-          </a:p>
-        </p:txBody>
-      </p:sp>
-      <p:sp>
-        <p:nvSpPr>
-          <p:cNvPr id="342" name="Google Shape;342;p44"/>
-          <p:cNvSpPr/>
-          <p:nvPr/>
-        </p:nvSpPr>
-        <p:spPr>
-          <a:xfrm>
-            <a:off x="2126175" y="3960850"/>
-            <a:ext cx="1528800" cy="639900"/>
-          </a:xfrm>
-          <a:prstGeom prst="rect">
-            <a:avLst/>
-          </a:prstGeom>
-          <a:noFill/>
-          <a:ln w="9525" cap="flat" cmpd="sng">
-            <a:solidFill>
-              <a:schemeClr val="dk2"/>
-            </a:solidFill>
-            <a:prstDash val="solid"/>
-            <a:round/>
-            <a:headEnd type="none" w="sm" len="sm"/>
-            <a:tailEnd type="none" w="sm" len="sm"/>
-          </a:ln>
-        </p:spPr>
-        <p:txBody>
-          <a:bodyPr spcFirstLastPara="1" wrap="square" lIns="91425" tIns="91425" rIns="91425" bIns="91425" anchor="ctr" anchorCtr="0">
-            <a:noAutofit/>
-          </a:bodyPr>
-          <a:lstStyle/>
-          <a:p>
-            <a:pPr marL="0" lvl="0" indent="0" algn="ctr" rtl="0">
-              <a:spcBef>
-                <a:spcPts val="0"/>
-              </a:spcBef>
-              <a:spcAft>
-                <a:spcPts val="0"/>
-              </a:spcAft>
-              <a:buNone/>
-            </a:pPr>
-            <a:r>
-              <a:rPr lang="en">
-                <a:solidFill>
-                  <a:srgbClr val="666666"/>
-                </a:solidFill>
-              </a:rPr>
-              <a:t>Training Set</a:t>
-            </a:r>
-            <a:endParaRPr>
-              <a:solidFill>
-                <a:srgbClr val="666666"/>
-              </a:solidFill>
-            </a:endParaRPr>
-          </a:p>
-        </p:txBody>
-      </p:sp>
-      <p:sp>
-        <p:nvSpPr>
-          <p:cNvPr id="343" name="Google Shape;343;p44"/>
-          <p:cNvSpPr/>
-          <p:nvPr/>
-        </p:nvSpPr>
-        <p:spPr>
-          <a:xfrm>
-            <a:off x="3654975" y="3960850"/>
-            <a:ext cx="1528800" cy="639900"/>
-          </a:xfrm>
-          <a:prstGeom prst="rect">
-            <a:avLst/>
-          </a:prstGeom>
-          <a:noFill/>
-          <a:ln w="9525" cap="flat" cmpd="sng">
-            <a:solidFill>
-              <a:schemeClr val="dk2"/>
-            </a:solidFill>
-            <a:prstDash val="solid"/>
-            <a:round/>
-            <a:headEnd type="none" w="sm" len="sm"/>
-            <a:tailEnd type="none" w="sm" len="sm"/>
-          </a:ln>
-        </p:spPr>
-        <p:txBody>
-          <a:bodyPr spcFirstLastPara="1" wrap="square" lIns="91425" tIns="91425" rIns="91425" bIns="91425" anchor="ctr" anchorCtr="0">
-            <a:noAutofit/>
-          </a:bodyPr>
-          <a:lstStyle/>
-          <a:p>
-            <a:pPr marL="0" lvl="0" indent="0" algn="ctr" rtl="0">
-              <a:spcBef>
-                <a:spcPts val="0"/>
-              </a:spcBef>
-              <a:spcAft>
-                <a:spcPts val="0"/>
-              </a:spcAft>
-              <a:buNone/>
-            </a:pPr>
-            <a:r>
-              <a:rPr lang="en">
-                <a:solidFill>
-                  <a:srgbClr val="666666"/>
-                </a:solidFill>
-              </a:rPr>
-              <a:t>Training Set</a:t>
-            </a:r>
-            <a:endParaRPr>
-              <a:solidFill>
-                <a:srgbClr val="666666"/>
-              </a:solidFill>
-            </a:endParaRPr>
-          </a:p>
-        </p:txBody>
-      </p:sp>
-      <p:sp>
-        <p:nvSpPr>
-          <p:cNvPr id="344" name="Google Shape;344;p44"/>
-          <p:cNvSpPr/>
-          <p:nvPr/>
-        </p:nvSpPr>
-        <p:spPr>
-          <a:xfrm>
-            <a:off x="597375" y="3960850"/>
-            <a:ext cx="1528800" cy="639900"/>
-          </a:xfrm>
-          <a:prstGeom prst="rect">
-            <a:avLst/>
-          </a:prstGeom>
-          <a:solidFill>
-            <a:srgbClr val="CCCCCC"/>
-          </a:solidFill>
-          <a:ln w="9525" cap="flat" cmpd="sng">
-            <a:solidFill>
-              <a:schemeClr val="dk2"/>
-            </a:solidFill>
-            <a:prstDash val="solid"/>
-            <a:round/>
-            <a:headEnd type="none" w="sm" len="sm"/>
-            <a:tailEnd type="none" w="sm" len="sm"/>
-          </a:ln>
-        </p:spPr>
-        <p:txBody>
-          <a:bodyPr spcFirstLastPara="1" wrap="square" lIns="91425" tIns="91425" rIns="91425" bIns="91425" anchor="ctr" anchorCtr="0">
-            <a:noAutofit/>
-          </a:bodyPr>
-          <a:lstStyle/>
-          <a:p>
-            <a:pPr marL="0" lvl="0" indent="0" algn="ctr" rtl="0">
-              <a:spcBef>
-                <a:spcPts val="0"/>
-              </a:spcBef>
-              <a:spcAft>
-                <a:spcPts val="0"/>
-              </a:spcAft>
-              <a:buNone/>
-            </a:pPr>
-            <a:r>
-              <a:rPr lang="en">
-                <a:solidFill>
-                  <a:srgbClr val="666666"/>
-                </a:solidFill>
-              </a:rPr>
-              <a:t>Validation Set</a:t>
-            </a:r>
-            <a:endParaRPr>
-              <a:solidFill>
-                <a:srgbClr val="666666"/>
-              </a:solidFill>
-            </a:endParaRPr>
           </a:p>
         </p:txBody>
       </p:sp>
@@ -23796,11 +23422,11 @@
             </a:avLst>
           </a:prstGeom>
           <a:solidFill>
-            <a:srgbClr val="224144"/>
+            <a:srgbClr val="502653"/>
           </a:solidFill>
           <a:ln w="9525" cap="flat" cmpd="sng">
             <a:solidFill>
-              <a:srgbClr val="999999"/>
+              <a:srgbClr val="502653"/>
             </a:solidFill>
             <a:prstDash val="solid"/>
             <a:round/>
@@ -23864,11 +23490,11 @@
             </a:avLst>
           </a:prstGeom>
           <a:solidFill>
-            <a:srgbClr val="224144"/>
+            <a:srgbClr val="502653"/>
           </a:solidFill>
           <a:ln w="9525" cap="flat" cmpd="sng">
             <a:solidFill>
-              <a:srgbClr val="999999"/>
+              <a:srgbClr val="502653"/>
             </a:solidFill>
             <a:prstDash val="solid"/>
             <a:round/>
@@ -23932,11 +23558,11 @@
             </a:avLst>
           </a:prstGeom>
           <a:solidFill>
-            <a:srgbClr val="224144"/>
+            <a:srgbClr val="502653"/>
           </a:solidFill>
           <a:ln w="9525" cap="flat" cmpd="sng">
             <a:solidFill>
-              <a:srgbClr val="999999"/>
+              <a:srgbClr val="502653"/>
             </a:solidFill>
             <a:prstDash val="solid"/>
             <a:round/>
@@ -24000,11 +23626,11 @@
             </a:avLst>
           </a:prstGeom>
           <a:solidFill>
-            <a:srgbClr val="224144"/>
+            <a:srgbClr val="502653"/>
           </a:solidFill>
           <a:ln w="9525" cap="flat" cmpd="sng">
             <a:solidFill>
-              <a:srgbClr val="999999"/>
+              <a:srgbClr val="502653"/>
             </a:solidFill>
             <a:prstDash val="solid"/>
             <a:round/>
@@ -24100,11 +23726,11 @@
             </a:avLst>
           </a:prstGeom>
           <a:solidFill>
-            <a:srgbClr val="224144"/>
+            <a:srgbClr val="502653"/>
           </a:solidFill>
           <a:ln w="9525" cap="flat" cmpd="sng">
             <a:solidFill>
-              <a:srgbClr val="999999"/>
+              <a:srgbClr val="502653"/>
             </a:solidFill>
             <a:prstDash val="solid"/>
             <a:round/>
@@ -24200,11 +23826,11 @@
             </a:avLst>
           </a:prstGeom>
           <a:solidFill>
-            <a:srgbClr val="224144"/>
+            <a:srgbClr val="502653"/>
           </a:solidFill>
           <a:ln w="9525" cap="flat" cmpd="sng">
             <a:solidFill>
-              <a:srgbClr val="999999"/>
+              <a:srgbClr val="502653"/>
             </a:solidFill>
             <a:prstDash val="solid"/>
             <a:round/>
@@ -24300,11 +23926,11 @@
             </a:avLst>
           </a:prstGeom>
           <a:solidFill>
-            <a:srgbClr val="224144"/>
+            <a:srgbClr val="502653"/>
           </a:solidFill>
           <a:ln w="9525" cap="flat" cmpd="sng">
             <a:solidFill>
-              <a:srgbClr val="999999"/>
+              <a:srgbClr val="502653"/>
             </a:solidFill>
             <a:prstDash val="solid"/>
             <a:round/>
@@ -24524,11 +24150,11 @@
             </a:avLst>
           </a:prstGeom>
           <a:solidFill>
-            <a:srgbClr val="224144"/>
+            <a:srgbClr val="502653"/>
           </a:solidFill>
           <a:ln w="9525" cap="flat" cmpd="sng">
             <a:solidFill>
-              <a:srgbClr val="999999"/>
+              <a:srgbClr val="502653"/>
             </a:solidFill>
             <a:prstDash val="solid"/>
             <a:round/>
@@ -24663,6 +24289,1100 @@
 </file>
 
 <file path=ppt/slides/slide40.xml><?xml version="1.0" encoding="utf-8"?>
+<p:sld xmlns:a="http://schemas.openxmlformats.org/drawingml/2006/main" xmlns:r="http://schemas.openxmlformats.org/officeDocument/2006/relationships" xmlns:p="http://schemas.openxmlformats.org/presentationml/2006/main">
+  <p:cSld>
+    <p:spTree>
+      <p:nvGrpSpPr>
+        <p:cNvPr id="1" name="Shape 321"/>
+        <p:cNvGrpSpPr/>
+        <p:nvPr/>
+      </p:nvGrpSpPr>
+      <p:grpSpPr>
+        <a:xfrm>
+          <a:off x="0" y="0"/>
+          <a:ext cx="0" cy="0"/>
+          <a:chOff x="0" y="0"/>
+          <a:chExt cx="0" cy="0"/>
+        </a:xfrm>
+      </p:grpSpPr>
+      <p:sp>
+        <p:nvSpPr>
+          <p:cNvPr id="322" name="Google Shape;322;p43"/>
+          <p:cNvSpPr txBox="1">
+            <a:spLocks noGrp="1"/>
+          </p:cNvSpPr>
+          <p:nvPr>
+            <p:ph type="title"/>
+          </p:nvPr>
+        </p:nvSpPr>
+        <p:spPr>
+          <a:xfrm>
+            <a:off x="98250" y="16350"/>
+            <a:ext cx="8826600" cy="602700"/>
+          </a:xfrm>
+          <a:prstGeom prst="rect">
+            <a:avLst/>
+          </a:prstGeom>
+        </p:spPr>
+        <p:txBody>
+          <a:bodyPr spcFirstLastPara="1" wrap="square" lIns="91425" tIns="91425" rIns="91425" bIns="91425" anchor="ctr" anchorCtr="0">
+            <a:noAutofit/>
+          </a:bodyPr>
+          <a:lstStyle/>
+          <a:p>
+            <a:pPr marL="0" lvl="0" indent="0">
+              <a:spcBef>
+                <a:spcPts val="0"/>
+              </a:spcBef>
+              <a:spcAft>
+                <a:spcPts val="0"/>
+              </a:spcAft>
+              <a:buNone/>
+            </a:pPr>
+            <a:r>
+              <a:rPr lang="en"/>
+              <a:t>Bias - Variance Tradeoff</a:t>
+            </a:r>
+            <a:endParaRPr/>
+          </a:p>
+        </p:txBody>
+      </p:sp>
+    </p:spTree>
+  </p:cSld>
+  <p:clrMapOvr>
+    <a:masterClrMapping/>
+  </p:clrMapOvr>
+</p:sld>
+</file>
+
+<file path=ppt/slides/slide41.xml><?xml version="1.0" encoding="utf-8"?>
+<p:sld xmlns:a="http://schemas.openxmlformats.org/drawingml/2006/main" xmlns:r="http://schemas.openxmlformats.org/officeDocument/2006/relationships" xmlns:p="http://schemas.openxmlformats.org/presentationml/2006/main">
+  <p:cSld>
+    <p:spTree>
+      <p:nvGrpSpPr>
+        <p:cNvPr id="1" name="Shape 326"/>
+        <p:cNvGrpSpPr/>
+        <p:nvPr/>
+      </p:nvGrpSpPr>
+      <p:grpSpPr>
+        <a:xfrm>
+          <a:off x="0" y="0"/>
+          <a:ext cx="0" cy="0"/>
+          <a:chOff x="0" y="0"/>
+          <a:chExt cx="0" cy="0"/>
+        </a:xfrm>
+      </p:grpSpPr>
+      <p:sp>
+        <p:nvSpPr>
+          <p:cNvPr id="327" name="Google Shape;327;p44"/>
+          <p:cNvSpPr txBox="1">
+            <a:spLocks noGrp="1"/>
+          </p:cNvSpPr>
+          <p:nvPr>
+            <p:ph type="title"/>
+          </p:nvPr>
+        </p:nvSpPr>
+        <p:spPr>
+          <a:xfrm>
+            <a:off x="98250" y="16350"/>
+            <a:ext cx="8826600" cy="602700"/>
+          </a:xfrm>
+          <a:prstGeom prst="rect">
+            <a:avLst/>
+          </a:prstGeom>
+        </p:spPr>
+        <p:txBody>
+          <a:bodyPr spcFirstLastPara="1" wrap="square" lIns="91425" tIns="91425" rIns="91425" bIns="91425" anchor="ctr" anchorCtr="0">
+            <a:noAutofit/>
+          </a:bodyPr>
+          <a:lstStyle/>
+          <a:p>
+            <a:pPr marL="0" lvl="0" indent="0" rtl="0">
+              <a:spcBef>
+                <a:spcPts val="0"/>
+              </a:spcBef>
+              <a:spcAft>
+                <a:spcPts val="0"/>
+              </a:spcAft>
+              <a:buNone/>
+            </a:pPr>
+            <a:r>
+              <a:rPr lang="en"/>
+              <a:t>K - Fold Cross Validation</a:t>
+            </a:r>
+            <a:endParaRPr/>
+          </a:p>
+        </p:txBody>
+      </p:sp>
+      <p:sp>
+        <p:nvSpPr>
+          <p:cNvPr id="328" name="Google Shape;328;p44"/>
+          <p:cNvSpPr/>
+          <p:nvPr/>
+        </p:nvSpPr>
+        <p:spPr>
+          <a:xfrm>
+            <a:off x="597375" y="1750600"/>
+            <a:ext cx="1528800" cy="639900"/>
+          </a:xfrm>
+          <a:prstGeom prst="rect">
+            <a:avLst/>
+          </a:prstGeom>
+          <a:noFill/>
+          <a:ln w="9525" cap="flat" cmpd="sng">
+            <a:solidFill>
+              <a:schemeClr val="dk2"/>
+            </a:solidFill>
+            <a:prstDash val="solid"/>
+            <a:round/>
+            <a:headEnd type="none" w="sm" len="sm"/>
+            <a:tailEnd type="none" w="sm" len="sm"/>
+          </a:ln>
+        </p:spPr>
+        <p:txBody>
+          <a:bodyPr spcFirstLastPara="1" wrap="square" lIns="91425" tIns="91425" rIns="91425" bIns="91425" anchor="ctr" anchorCtr="0">
+            <a:noAutofit/>
+          </a:bodyPr>
+          <a:lstStyle/>
+          <a:p>
+            <a:pPr marL="0" lvl="0" indent="0" algn="ctr" rtl="0">
+              <a:spcBef>
+                <a:spcPts val="0"/>
+              </a:spcBef>
+              <a:spcAft>
+                <a:spcPts val="0"/>
+              </a:spcAft>
+              <a:buNone/>
+            </a:pPr>
+            <a:r>
+              <a:rPr lang="en">
+                <a:solidFill>
+                  <a:srgbClr val="666666"/>
+                </a:solidFill>
+              </a:rPr>
+              <a:t>Training Set</a:t>
+            </a:r>
+            <a:endParaRPr>
+              <a:solidFill>
+                <a:srgbClr val="666666"/>
+              </a:solidFill>
+            </a:endParaRPr>
+          </a:p>
+        </p:txBody>
+      </p:sp>
+      <p:sp>
+        <p:nvSpPr>
+          <p:cNvPr id="329" name="Google Shape;329;p44"/>
+          <p:cNvSpPr/>
+          <p:nvPr/>
+        </p:nvSpPr>
+        <p:spPr>
+          <a:xfrm>
+            <a:off x="597375" y="959275"/>
+            <a:ext cx="6115200" cy="639900"/>
+          </a:xfrm>
+          <a:prstGeom prst="rect">
+            <a:avLst/>
+          </a:prstGeom>
+          <a:noFill/>
+          <a:ln w="9525" cap="flat" cmpd="sng">
+            <a:solidFill>
+              <a:schemeClr val="dk2"/>
+            </a:solidFill>
+            <a:prstDash val="solid"/>
+            <a:round/>
+            <a:headEnd type="none" w="sm" len="sm"/>
+            <a:tailEnd type="none" w="sm" len="sm"/>
+          </a:ln>
+        </p:spPr>
+        <p:txBody>
+          <a:bodyPr spcFirstLastPara="1" wrap="square" lIns="91425" tIns="91425" rIns="91425" bIns="91425" anchor="ctr" anchorCtr="0">
+            <a:noAutofit/>
+          </a:bodyPr>
+          <a:lstStyle/>
+          <a:p>
+            <a:pPr marL="0" lvl="0" indent="0" algn="ctr" rtl="0">
+              <a:spcBef>
+                <a:spcPts val="0"/>
+              </a:spcBef>
+              <a:spcAft>
+                <a:spcPts val="0"/>
+              </a:spcAft>
+              <a:buNone/>
+            </a:pPr>
+            <a:r>
+              <a:rPr lang="en">
+                <a:solidFill>
+                  <a:srgbClr val="666666"/>
+                </a:solidFill>
+              </a:rPr>
+              <a:t>Train Data</a:t>
+            </a:r>
+            <a:endParaRPr>
+              <a:solidFill>
+                <a:srgbClr val="666666"/>
+              </a:solidFill>
+            </a:endParaRPr>
+          </a:p>
+        </p:txBody>
+      </p:sp>
+      <p:sp>
+        <p:nvSpPr>
+          <p:cNvPr id="330" name="Google Shape;330;p44"/>
+          <p:cNvSpPr/>
+          <p:nvPr/>
+        </p:nvSpPr>
+        <p:spPr>
+          <a:xfrm>
+            <a:off x="2126175" y="1750600"/>
+            <a:ext cx="1528800" cy="639900"/>
+          </a:xfrm>
+          <a:prstGeom prst="rect">
+            <a:avLst/>
+          </a:prstGeom>
+          <a:noFill/>
+          <a:ln w="9525" cap="flat" cmpd="sng">
+            <a:solidFill>
+              <a:schemeClr val="dk2"/>
+            </a:solidFill>
+            <a:prstDash val="solid"/>
+            <a:round/>
+            <a:headEnd type="none" w="sm" len="sm"/>
+            <a:tailEnd type="none" w="sm" len="sm"/>
+          </a:ln>
+        </p:spPr>
+        <p:txBody>
+          <a:bodyPr spcFirstLastPara="1" wrap="square" lIns="91425" tIns="91425" rIns="91425" bIns="91425" anchor="ctr" anchorCtr="0">
+            <a:noAutofit/>
+          </a:bodyPr>
+          <a:lstStyle/>
+          <a:p>
+            <a:pPr marL="0" lvl="0" indent="0" algn="ctr" rtl="0">
+              <a:spcBef>
+                <a:spcPts val="0"/>
+              </a:spcBef>
+              <a:spcAft>
+                <a:spcPts val="0"/>
+              </a:spcAft>
+              <a:buNone/>
+            </a:pPr>
+            <a:r>
+              <a:rPr lang="en">
+                <a:solidFill>
+                  <a:srgbClr val="666666"/>
+                </a:solidFill>
+              </a:rPr>
+              <a:t>Training Set</a:t>
+            </a:r>
+            <a:endParaRPr>
+              <a:solidFill>
+                <a:srgbClr val="666666"/>
+              </a:solidFill>
+            </a:endParaRPr>
+          </a:p>
+        </p:txBody>
+      </p:sp>
+      <p:sp>
+        <p:nvSpPr>
+          <p:cNvPr id="331" name="Google Shape;331;p44"/>
+          <p:cNvSpPr/>
+          <p:nvPr/>
+        </p:nvSpPr>
+        <p:spPr>
+          <a:xfrm>
+            <a:off x="3654975" y="1750600"/>
+            <a:ext cx="1528800" cy="639900"/>
+          </a:xfrm>
+          <a:prstGeom prst="rect">
+            <a:avLst/>
+          </a:prstGeom>
+          <a:noFill/>
+          <a:ln w="9525" cap="flat" cmpd="sng">
+            <a:solidFill>
+              <a:schemeClr val="dk2"/>
+            </a:solidFill>
+            <a:prstDash val="solid"/>
+            <a:round/>
+            <a:headEnd type="none" w="sm" len="sm"/>
+            <a:tailEnd type="none" w="sm" len="sm"/>
+          </a:ln>
+        </p:spPr>
+        <p:txBody>
+          <a:bodyPr spcFirstLastPara="1" wrap="square" lIns="91425" tIns="91425" rIns="91425" bIns="91425" anchor="ctr" anchorCtr="0">
+            <a:noAutofit/>
+          </a:bodyPr>
+          <a:lstStyle/>
+          <a:p>
+            <a:pPr marL="0" lvl="0" indent="0" algn="ctr" rtl="0">
+              <a:spcBef>
+                <a:spcPts val="0"/>
+              </a:spcBef>
+              <a:spcAft>
+                <a:spcPts val="0"/>
+              </a:spcAft>
+              <a:buNone/>
+            </a:pPr>
+            <a:r>
+              <a:rPr lang="en">
+                <a:solidFill>
+                  <a:srgbClr val="666666"/>
+                </a:solidFill>
+              </a:rPr>
+              <a:t>Training Set</a:t>
+            </a:r>
+            <a:endParaRPr>
+              <a:solidFill>
+                <a:srgbClr val="666666"/>
+              </a:solidFill>
+            </a:endParaRPr>
+          </a:p>
+        </p:txBody>
+      </p:sp>
+      <p:sp>
+        <p:nvSpPr>
+          <p:cNvPr id="332" name="Google Shape;332;p44"/>
+          <p:cNvSpPr/>
+          <p:nvPr/>
+        </p:nvSpPr>
+        <p:spPr>
+          <a:xfrm>
+            <a:off x="5183775" y="1750600"/>
+            <a:ext cx="1528800" cy="639900"/>
+          </a:xfrm>
+          <a:prstGeom prst="rect">
+            <a:avLst/>
+          </a:prstGeom>
+          <a:solidFill>
+            <a:srgbClr val="CCCCCC"/>
+          </a:solidFill>
+          <a:ln w="9525" cap="flat" cmpd="sng">
+            <a:solidFill>
+              <a:schemeClr val="dk2"/>
+            </a:solidFill>
+            <a:prstDash val="solid"/>
+            <a:round/>
+            <a:headEnd type="none" w="sm" len="sm"/>
+            <a:tailEnd type="none" w="sm" len="sm"/>
+          </a:ln>
+        </p:spPr>
+        <p:txBody>
+          <a:bodyPr spcFirstLastPara="1" wrap="square" lIns="91425" tIns="91425" rIns="91425" bIns="91425" anchor="ctr" anchorCtr="0">
+            <a:noAutofit/>
+          </a:bodyPr>
+          <a:lstStyle/>
+          <a:p>
+            <a:pPr marL="0" lvl="0" indent="0" algn="ctr" rtl="0">
+              <a:spcBef>
+                <a:spcPts val="0"/>
+              </a:spcBef>
+              <a:spcAft>
+                <a:spcPts val="0"/>
+              </a:spcAft>
+              <a:buNone/>
+            </a:pPr>
+            <a:r>
+              <a:rPr lang="en">
+                <a:solidFill>
+                  <a:srgbClr val="666666"/>
+                </a:solidFill>
+              </a:rPr>
+              <a:t>Validation Set</a:t>
+            </a:r>
+            <a:endParaRPr>
+              <a:solidFill>
+                <a:srgbClr val="666666"/>
+              </a:solidFill>
+            </a:endParaRPr>
+          </a:p>
+        </p:txBody>
+      </p:sp>
+      <p:sp>
+        <p:nvSpPr>
+          <p:cNvPr id="333" name="Google Shape;333;p44"/>
+          <p:cNvSpPr/>
+          <p:nvPr/>
+        </p:nvSpPr>
+        <p:spPr>
+          <a:xfrm>
+            <a:off x="597375" y="2487338"/>
+            <a:ext cx="1528800" cy="639900"/>
+          </a:xfrm>
+          <a:prstGeom prst="rect">
+            <a:avLst/>
+          </a:prstGeom>
+          <a:noFill/>
+          <a:ln w="9525" cap="flat" cmpd="sng">
+            <a:solidFill>
+              <a:schemeClr val="dk2"/>
+            </a:solidFill>
+            <a:prstDash val="solid"/>
+            <a:round/>
+            <a:headEnd type="none" w="sm" len="sm"/>
+            <a:tailEnd type="none" w="sm" len="sm"/>
+          </a:ln>
+        </p:spPr>
+        <p:txBody>
+          <a:bodyPr spcFirstLastPara="1" wrap="square" lIns="91425" tIns="91425" rIns="91425" bIns="91425" anchor="ctr" anchorCtr="0">
+            <a:noAutofit/>
+          </a:bodyPr>
+          <a:lstStyle/>
+          <a:p>
+            <a:pPr marL="0" lvl="0" indent="0" algn="ctr" rtl="0">
+              <a:spcBef>
+                <a:spcPts val="0"/>
+              </a:spcBef>
+              <a:spcAft>
+                <a:spcPts val="0"/>
+              </a:spcAft>
+              <a:buNone/>
+            </a:pPr>
+            <a:r>
+              <a:rPr lang="en">
+                <a:solidFill>
+                  <a:srgbClr val="666666"/>
+                </a:solidFill>
+              </a:rPr>
+              <a:t>Training Set</a:t>
+            </a:r>
+            <a:endParaRPr>
+              <a:solidFill>
+                <a:srgbClr val="666666"/>
+              </a:solidFill>
+            </a:endParaRPr>
+          </a:p>
+        </p:txBody>
+      </p:sp>
+      <p:sp>
+        <p:nvSpPr>
+          <p:cNvPr id="334" name="Google Shape;334;p44"/>
+          <p:cNvSpPr/>
+          <p:nvPr/>
+        </p:nvSpPr>
+        <p:spPr>
+          <a:xfrm>
+            <a:off x="2126175" y="2487338"/>
+            <a:ext cx="1528800" cy="639900"/>
+          </a:xfrm>
+          <a:prstGeom prst="rect">
+            <a:avLst/>
+          </a:prstGeom>
+          <a:noFill/>
+          <a:ln w="9525" cap="flat" cmpd="sng">
+            <a:solidFill>
+              <a:schemeClr val="dk2"/>
+            </a:solidFill>
+            <a:prstDash val="solid"/>
+            <a:round/>
+            <a:headEnd type="none" w="sm" len="sm"/>
+            <a:tailEnd type="none" w="sm" len="sm"/>
+          </a:ln>
+        </p:spPr>
+        <p:txBody>
+          <a:bodyPr spcFirstLastPara="1" wrap="square" lIns="91425" tIns="91425" rIns="91425" bIns="91425" anchor="ctr" anchorCtr="0">
+            <a:noAutofit/>
+          </a:bodyPr>
+          <a:lstStyle/>
+          <a:p>
+            <a:pPr marL="0" lvl="0" indent="0" algn="ctr" rtl="0">
+              <a:spcBef>
+                <a:spcPts val="0"/>
+              </a:spcBef>
+              <a:spcAft>
+                <a:spcPts val="0"/>
+              </a:spcAft>
+              <a:buNone/>
+            </a:pPr>
+            <a:r>
+              <a:rPr lang="en">
+                <a:solidFill>
+                  <a:srgbClr val="666666"/>
+                </a:solidFill>
+              </a:rPr>
+              <a:t>Training Set</a:t>
+            </a:r>
+            <a:endParaRPr>
+              <a:solidFill>
+                <a:srgbClr val="666666"/>
+              </a:solidFill>
+            </a:endParaRPr>
+          </a:p>
+        </p:txBody>
+      </p:sp>
+      <p:sp>
+        <p:nvSpPr>
+          <p:cNvPr id="335" name="Google Shape;335;p44"/>
+          <p:cNvSpPr/>
+          <p:nvPr/>
+        </p:nvSpPr>
+        <p:spPr>
+          <a:xfrm>
+            <a:off x="5183775" y="2487338"/>
+            <a:ext cx="1528800" cy="639900"/>
+          </a:xfrm>
+          <a:prstGeom prst="rect">
+            <a:avLst/>
+          </a:prstGeom>
+          <a:noFill/>
+          <a:ln w="9525" cap="flat" cmpd="sng">
+            <a:solidFill>
+              <a:schemeClr val="dk2"/>
+            </a:solidFill>
+            <a:prstDash val="solid"/>
+            <a:round/>
+            <a:headEnd type="none" w="sm" len="sm"/>
+            <a:tailEnd type="none" w="sm" len="sm"/>
+          </a:ln>
+        </p:spPr>
+        <p:txBody>
+          <a:bodyPr spcFirstLastPara="1" wrap="square" lIns="91425" tIns="91425" rIns="91425" bIns="91425" anchor="ctr" anchorCtr="0">
+            <a:noAutofit/>
+          </a:bodyPr>
+          <a:lstStyle/>
+          <a:p>
+            <a:pPr marL="0" lvl="0" indent="0" algn="ctr" rtl="0">
+              <a:spcBef>
+                <a:spcPts val="0"/>
+              </a:spcBef>
+              <a:spcAft>
+                <a:spcPts val="0"/>
+              </a:spcAft>
+              <a:buNone/>
+            </a:pPr>
+            <a:r>
+              <a:rPr lang="en">
+                <a:solidFill>
+                  <a:srgbClr val="666666"/>
+                </a:solidFill>
+              </a:rPr>
+              <a:t>Training Set</a:t>
+            </a:r>
+            <a:endParaRPr>
+              <a:solidFill>
+                <a:srgbClr val="666666"/>
+              </a:solidFill>
+            </a:endParaRPr>
+          </a:p>
+        </p:txBody>
+      </p:sp>
+      <p:sp>
+        <p:nvSpPr>
+          <p:cNvPr id="336" name="Google Shape;336;p44"/>
+          <p:cNvSpPr/>
+          <p:nvPr/>
+        </p:nvSpPr>
+        <p:spPr>
+          <a:xfrm>
+            <a:off x="3654975" y="2487338"/>
+            <a:ext cx="1528800" cy="639900"/>
+          </a:xfrm>
+          <a:prstGeom prst="rect">
+            <a:avLst/>
+          </a:prstGeom>
+          <a:solidFill>
+            <a:srgbClr val="CCCCCC"/>
+          </a:solidFill>
+          <a:ln w="9525" cap="flat" cmpd="sng">
+            <a:solidFill>
+              <a:schemeClr val="dk2"/>
+            </a:solidFill>
+            <a:prstDash val="solid"/>
+            <a:round/>
+            <a:headEnd type="none" w="sm" len="sm"/>
+            <a:tailEnd type="none" w="sm" len="sm"/>
+          </a:ln>
+        </p:spPr>
+        <p:txBody>
+          <a:bodyPr spcFirstLastPara="1" wrap="square" lIns="91425" tIns="91425" rIns="91425" bIns="91425" anchor="ctr" anchorCtr="0">
+            <a:noAutofit/>
+          </a:bodyPr>
+          <a:lstStyle/>
+          <a:p>
+            <a:pPr marL="0" lvl="0" indent="0" algn="ctr" rtl="0">
+              <a:spcBef>
+                <a:spcPts val="0"/>
+              </a:spcBef>
+              <a:spcAft>
+                <a:spcPts val="0"/>
+              </a:spcAft>
+              <a:buNone/>
+            </a:pPr>
+            <a:r>
+              <a:rPr lang="en">
+                <a:solidFill>
+                  <a:srgbClr val="666666"/>
+                </a:solidFill>
+              </a:rPr>
+              <a:t>Validation Set</a:t>
+            </a:r>
+            <a:endParaRPr>
+              <a:solidFill>
+                <a:srgbClr val="666666"/>
+              </a:solidFill>
+            </a:endParaRPr>
+          </a:p>
+        </p:txBody>
+      </p:sp>
+      <p:sp>
+        <p:nvSpPr>
+          <p:cNvPr id="337" name="Google Shape;337;p44"/>
+          <p:cNvSpPr/>
+          <p:nvPr/>
+        </p:nvSpPr>
+        <p:spPr>
+          <a:xfrm>
+            <a:off x="597375" y="3224100"/>
+            <a:ext cx="1528800" cy="639900"/>
+          </a:xfrm>
+          <a:prstGeom prst="rect">
+            <a:avLst/>
+          </a:prstGeom>
+          <a:noFill/>
+          <a:ln w="9525" cap="flat" cmpd="sng">
+            <a:solidFill>
+              <a:schemeClr val="dk2"/>
+            </a:solidFill>
+            <a:prstDash val="solid"/>
+            <a:round/>
+            <a:headEnd type="none" w="sm" len="sm"/>
+            <a:tailEnd type="none" w="sm" len="sm"/>
+          </a:ln>
+        </p:spPr>
+        <p:txBody>
+          <a:bodyPr spcFirstLastPara="1" wrap="square" lIns="91425" tIns="91425" rIns="91425" bIns="91425" anchor="ctr" anchorCtr="0">
+            <a:noAutofit/>
+          </a:bodyPr>
+          <a:lstStyle/>
+          <a:p>
+            <a:pPr marL="0" lvl="0" indent="0" algn="ctr" rtl="0">
+              <a:spcBef>
+                <a:spcPts val="0"/>
+              </a:spcBef>
+              <a:spcAft>
+                <a:spcPts val="0"/>
+              </a:spcAft>
+              <a:buNone/>
+            </a:pPr>
+            <a:r>
+              <a:rPr lang="en">
+                <a:solidFill>
+                  <a:srgbClr val="666666"/>
+                </a:solidFill>
+              </a:rPr>
+              <a:t>Training Set</a:t>
+            </a:r>
+            <a:endParaRPr>
+              <a:solidFill>
+                <a:srgbClr val="666666"/>
+              </a:solidFill>
+            </a:endParaRPr>
+          </a:p>
+        </p:txBody>
+      </p:sp>
+      <p:sp>
+        <p:nvSpPr>
+          <p:cNvPr id="338" name="Google Shape;338;p44"/>
+          <p:cNvSpPr/>
+          <p:nvPr/>
+        </p:nvSpPr>
+        <p:spPr>
+          <a:xfrm>
+            <a:off x="5183775" y="3224100"/>
+            <a:ext cx="1528800" cy="639900"/>
+          </a:xfrm>
+          <a:prstGeom prst="rect">
+            <a:avLst/>
+          </a:prstGeom>
+          <a:noFill/>
+          <a:ln w="9525" cap="flat" cmpd="sng">
+            <a:solidFill>
+              <a:schemeClr val="dk2"/>
+            </a:solidFill>
+            <a:prstDash val="solid"/>
+            <a:round/>
+            <a:headEnd type="none" w="sm" len="sm"/>
+            <a:tailEnd type="none" w="sm" len="sm"/>
+          </a:ln>
+        </p:spPr>
+        <p:txBody>
+          <a:bodyPr spcFirstLastPara="1" wrap="square" lIns="91425" tIns="91425" rIns="91425" bIns="91425" anchor="ctr" anchorCtr="0">
+            <a:noAutofit/>
+          </a:bodyPr>
+          <a:lstStyle/>
+          <a:p>
+            <a:pPr marL="0" lvl="0" indent="0" algn="ctr" rtl="0">
+              <a:spcBef>
+                <a:spcPts val="0"/>
+              </a:spcBef>
+              <a:spcAft>
+                <a:spcPts val="0"/>
+              </a:spcAft>
+              <a:buNone/>
+            </a:pPr>
+            <a:r>
+              <a:rPr lang="en">
+                <a:solidFill>
+                  <a:srgbClr val="666666"/>
+                </a:solidFill>
+              </a:rPr>
+              <a:t>Training Set</a:t>
+            </a:r>
+            <a:endParaRPr>
+              <a:solidFill>
+                <a:srgbClr val="666666"/>
+              </a:solidFill>
+            </a:endParaRPr>
+          </a:p>
+        </p:txBody>
+      </p:sp>
+      <p:sp>
+        <p:nvSpPr>
+          <p:cNvPr id="339" name="Google Shape;339;p44"/>
+          <p:cNvSpPr/>
+          <p:nvPr/>
+        </p:nvSpPr>
+        <p:spPr>
+          <a:xfrm>
+            <a:off x="3654975" y="3224100"/>
+            <a:ext cx="1528800" cy="639900"/>
+          </a:xfrm>
+          <a:prstGeom prst="rect">
+            <a:avLst/>
+          </a:prstGeom>
+          <a:noFill/>
+          <a:ln w="9525" cap="flat" cmpd="sng">
+            <a:solidFill>
+              <a:schemeClr val="dk2"/>
+            </a:solidFill>
+            <a:prstDash val="solid"/>
+            <a:round/>
+            <a:headEnd type="none" w="sm" len="sm"/>
+            <a:tailEnd type="none" w="sm" len="sm"/>
+          </a:ln>
+        </p:spPr>
+        <p:txBody>
+          <a:bodyPr spcFirstLastPara="1" wrap="square" lIns="91425" tIns="91425" rIns="91425" bIns="91425" anchor="ctr" anchorCtr="0">
+            <a:noAutofit/>
+          </a:bodyPr>
+          <a:lstStyle/>
+          <a:p>
+            <a:pPr marL="0" lvl="0" indent="0" algn="ctr" rtl="0">
+              <a:spcBef>
+                <a:spcPts val="0"/>
+              </a:spcBef>
+              <a:spcAft>
+                <a:spcPts val="0"/>
+              </a:spcAft>
+              <a:buNone/>
+            </a:pPr>
+            <a:r>
+              <a:rPr lang="en">
+                <a:solidFill>
+                  <a:srgbClr val="666666"/>
+                </a:solidFill>
+              </a:rPr>
+              <a:t>Training Set</a:t>
+            </a:r>
+            <a:endParaRPr>
+              <a:solidFill>
+                <a:srgbClr val="666666"/>
+              </a:solidFill>
+            </a:endParaRPr>
+          </a:p>
+        </p:txBody>
+      </p:sp>
+      <p:sp>
+        <p:nvSpPr>
+          <p:cNvPr id="340" name="Google Shape;340;p44"/>
+          <p:cNvSpPr/>
+          <p:nvPr/>
+        </p:nvSpPr>
+        <p:spPr>
+          <a:xfrm>
+            <a:off x="2126175" y="3224100"/>
+            <a:ext cx="1528800" cy="639900"/>
+          </a:xfrm>
+          <a:prstGeom prst="rect">
+            <a:avLst/>
+          </a:prstGeom>
+          <a:solidFill>
+            <a:srgbClr val="CCCCCC"/>
+          </a:solidFill>
+          <a:ln w="9525" cap="flat" cmpd="sng">
+            <a:solidFill>
+              <a:schemeClr val="dk2"/>
+            </a:solidFill>
+            <a:prstDash val="solid"/>
+            <a:round/>
+            <a:headEnd type="none" w="sm" len="sm"/>
+            <a:tailEnd type="none" w="sm" len="sm"/>
+          </a:ln>
+        </p:spPr>
+        <p:txBody>
+          <a:bodyPr spcFirstLastPara="1" wrap="square" lIns="91425" tIns="91425" rIns="91425" bIns="91425" anchor="ctr" anchorCtr="0">
+            <a:noAutofit/>
+          </a:bodyPr>
+          <a:lstStyle/>
+          <a:p>
+            <a:pPr marL="0" lvl="0" indent="0" algn="ctr" rtl="0">
+              <a:spcBef>
+                <a:spcPts val="0"/>
+              </a:spcBef>
+              <a:spcAft>
+                <a:spcPts val="0"/>
+              </a:spcAft>
+              <a:buNone/>
+            </a:pPr>
+            <a:r>
+              <a:rPr lang="en">
+                <a:solidFill>
+                  <a:srgbClr val="666666"/>
+                </a:solidFill>
+              </a:rPr>
+              <a:t>Validation Set</a:t>
+            </a:r>
+            <a:endParaRPr>
+              <a:solidFill>
+                <a:srgbClr val="666666"/>
+              </a:solidFill>
+            </a:endParaRPr>
+          </a:p>
+        </p:txBody>
+      </p:sp>
+      <p:sp>
+        <p:nvSpPr>
+          <p:cNvPr id="341" name="Google Shape;341;p44"/>
+          <p:cNvSpPr/>
+          <p:nvPr/>
+        </p:nvSpPr>
+        <p:spPr>
+          <a:xfrm>
+            <a:off x="5183775" y="3960850"/>
+            <a:ext cx="1528800" cy="639900"/>
+          </a:xfrm>
+          <a:prstGeom prst="rect">
+            <a:avLst/>
+          </a:prstGeom>
+          <a:noFill/>
+          <a:ln w="9525" cap="flat" cmpd="sng">
+            <a:solidFill>
+              <a:schemeClr val="dk2"/>
+            </a:solidFill>
+            <a:prstDash val="solid"/>
+            <a:round/>
+            <a:headEnd type="none" w="sm" len="sm"/>
+            <a:tailEnd type="none" w="sm" len="sm"/>
+          </a:ln>
+        </p:spPr>
+        <p:txBody>
+          <a:bodyPr spcFirstLastPara="1" wrap="square" lIns="91425" tIns="91425" rIns="91425" bIns="91425" anchor="ctr" anchorCtr="0">
+            <a:noAutofit/>
+          </a:bodyPr>
+          <a:lstStyle/>
+          <a:p>
+            <a:pPr marL="0" lvl="0" indent="0" algn="ctr" rtl="0">
+              <a:spcBef>
+                <a:spcPts val="0"/>
+              </a:spcBef>
+              <a:spcAft>
+                <a:spcPts val="0"/>
+              </a:spcAft>
+              <a:buNone/>
+            </a:pPr>
+            <a:r>
+              <a:rPr lang="en">
+                <a:solidFill>
+                  <a:srgbClr val="666666"/>
+                </a:solidFill>
+              </a:rPr>
+              <a:t>Training Set</a:t>
+            </a:r>
+            <a:endParaRPr>
+              <a:solidFill>
+                <a:srgbClr val="666666"/>
+              </a:solidFill>
+            </a:endParaRPr>
+          </a:p>
+        </p:txBody>
+      </p:sp>
+      <p:sp>
+        <p:nvSpPr>
+          <p:cNvPr id="342" name="Google Shape;342;p44"/>
+          <p:cNvSpPr/>
+          <p:nvPr/>
+        </p:nvSpPr>
+        <p:spPr>
+          <a:xfrm>
+            <a:off x="2126175" y="3960850"/>
+            <a:ext cx="1528800" cy="639900"/>
+          </a:xfrm>
+          <a:prstGeom prst="rect">
+            <a:avLst/>
+          </a:prstGeom>
+          <a:noFill/>
+          <a:ln w="9525" cap="flat" cmpd="sng">
+            <a:solidFill>
+              <a:schemeClr val="dk2"/>
+            </a:solidFill>
+            <a:prstDash val="solid"/>
+            <a:round/>
+            <a:headEnd type="none" w="sm" len="sm"/>
+            <a:tailEnd type="none" w="sm" len="sm"/>
+          </a:ln>
+        </p:spPr>
+        <p:txBody>
+          <a:bodyPr spcFirstLastPara="1" wrap="square" lIns="91425" tIns="91425" rIns="91425" bIns="91425" anchor="ctr" anchorCtr="0">
+            <a:noAutofit/>
+          </a:bodyPr>
+          <a:lstStyle/>
+          <a:p>
+            <a:pPr marL="0" lvl="0" indent="0" algn="ctr" rtl="0">
+              <a:spcBef>
+                <a:spcPts val="0"/>
+              </a:spcBef>
+              <a:spcAft>
+                <a:spcPts val="0"/>
+              </a:spcAft>
+              <a:buNone/>
+            </a:pPr>
+            <a:r>
+              <a:rPr lang="en">
+                <a:solidFill>
+                  <a:srgbClr val="666666"/>
+                </a:solidFill>
+              </a:rPr>
+              <a:t>Training Set</a:t>
+            </a:r>
+            <a:endParaRPr>
+              <a:solidFill>
+                <a:srgbClr val="666666"/>
+              </a:solidFill>
+            </a:endParaRPr>
+          </a:p>
+        </p:txBody>
+      </p:sp>
+      <p:sp>
+        <p:nvSpPr>
+          <p:cNvPr id="343" name="Google Shape;343;p44"/>
+          <p:cNvSpPr/>
+          <p:nvPr/>
+        </p:nvSpPr>
+        <p:spPr>
+          <a:xfrm>
+            <a:off x="3654975" y="3960850"/>
+            <a:ext cx="1528800" cy="639900"/>
+          </a:xfrm>
+          <a:prstGeom prst="rect">
+            <a:avLst/>
+          </a:prstGeom>
+          <a:noFill/>
+          <a:ln w="9525" cap="flat" cmpd="sng">
+            <a:solidFill>
+              <a:schemeClr val="dk2"/>
+            </a:solidFill>
+            <a:prstDash val="solid"/>
+            <a:round/>
+            <a:headEnd type="none" w="sm" len="sm"/>
+            <a:tailEnd type="none" w="sm" len="sm"/>
+          </a:ln>
+        </p:spPr>
+        <p:txBody>
+          <a:bodyPr spcFirstLastPara="1" wrap="square" lIns="91425" tIns="91425" rIns="91425" bIns="91425" anchor="ctr" anchorCtr="0">
+            <a:noAutofit/>
+          </a:bodyPr>
+          <a:lstStyle/>
+          <a:p>
+            <a:pPr marL="0" lvl="0" indent="0" algn="ctr" rtl="0">
+              <a:spcBef>
+                <a:spcPts val="0"/>
+              </a:spcBef>
+              <a:spcAft>
+                <a:spcPts val="0"/>
+              </a:spcAft>
+              <a:buNone/>
+            </a:pPr>
+            <a:r>
+              <a:rPr lang="en">
+                <a:solidFill>
+                  <a:srgbClr val="666666"/>
+                </a:solidFill>
+              </a:rPr>
+              <a:t>Training Set</a:t>
+            </a:r>
+            <a:endParaRPr>
+              <a:solidFill>
+                <a:srgbClr val="666666"/>
+              </a:solidFill>
+            </a:endParaRPr>
+          </a:p>
+        </p:txBody>
+      </p:sp>
+      <p:sp>
+        <p:nvSpPr>
+          <p:cNvPr id="344" name="Google Shape;344;p44"/>
+          <p:cNvSpPr/>
+          <p:nvPr/>
+        </p:nvSpPr>
+        <p:spPr>
+          <a:xfrm>
+            <a:off x="597375" y="3960850"/>
+            <a:ext cx="1528800" cy="639900"/>
+          </a:xfrm>
+          <a:prstGeom prst="rect">
+            <a:avLst/>
+          </a:prstGeom>
+          <a:solidFill>
+            <a:srgbClr val="CCCCCC"/>
+          </a:solidFill>
+          <a:ln w="9525" cap="flat" cmpd="sng">
+            <a:solidFill>
+              <a:schemeClr val="dk2"/>
+            </a:solidFill>
+            <a:prstDash val="solid"/>
+            <a:round/>
+            <a:headEnd type="none" w="sm" len="sm"/>
+            <a:tailEnd type="none" w="sm" len="sm"/>
+          </a:ln>
+        </p:spPr>
+        <p:txBody>
+          <a:bodyPr spcFirstLastPara="1" wrap="square" lIns="91425" tIns="91425" rIns="91425" bIns="91425" anchor="ctr" anchorCtr="0">
+            <a:noAutofit/>
+          </a:bodyPr>
+          <a:lstStyle/>
+          <a:p>
+            <a:pPr marL="0" lvl="0" indent="0" algn="ctr" rtl="0">
+              <a:spcBef>
+                <a:spcPts val="0"/>
+              </a:spcBef>
+              <a:spcAft>
+                <a:spcPts val="0"/>
+              </a:spcAft>
+              <a:buNone/>
+            </a:pPr>
+            <a:r>
+              <a:rPr lang="en">
+                <a:solidFill>
+                  <a:srgbClr val="666666"/>
+                </a:solidFill>
+              </a:rPr>
+              <a:t>Validation Set</a:t>
+            </a:r>
+            <a:endParaRPr>
+              <a:solidFill>
+                <a:srgbClr val="666666"/>
+              </a:solidFill>
+            </a:endParaRPr>
+          </a:p>
+        </p:txBody>
+      </p:sp>
+    </p:spTree>
+  </p:cSld>
+  <p:clrMapOvr>
+    <a:masterClrMapping/>
+  </p:clrMapOvr>
+</p:sld>
+</file>
+
+<file path=ppt/slides/slide42.xml><?xml version="1.0" encoding="utf-8"?>
 <p:sld xmlns:a="http://schemas.openxmlformats.org/drawingml/2006/main" xmlns:r="http://schemas.openxmlformats.org/officeDocument/2006/relationships" xmlns:p="http://schemas.openxmlformats.org/presentationml/2006/main">
   <p:cSld>
     <p:spTree>
@@ -24729,7 +25449,7 @@
 </p:sld>
 </file>
 
-<file path=ppt/slides/slide41.xml><?xml version="1.0" encoding="utf-8"?>
+<file path=ppt/slides/slide43.xml><?xml version="1.0" encoding="utf-8"?>
 <p:sld xmlns:a="http://schemas.openxmlformats.org/drawingml/2006/main" xmlns:r="http://schemas.openxmlformats.org/officeDocument/2006/relationships" xmlns:p="http://schemas.openxmlformats.org/presentationml/2006/main">
   <p:cSld>
     <p:spTree>
@@ -24824,7 +25544,7 @@
           </a:prstGeom>
         </p:spPr>
         <p:txBody>
-          <a:bodyPr spcFirstLastPara="1" wrap="square" lIns="91425" tIns="91425" rIns="91425" bIns="91425" anchor="ctr" anchorCtr="0">
+          <a:bodyPr spcFirstLastPara="1" wrap="square" lIns="91425" tIns="91425" rIns="91425" bIns="91425" anchor="t" anchorCtr="0">
             <a:noAutofit/>
           </a:bodyPr>
           <a:lstStyle/>
@@ -24840,22 +25560,10 @@
               <a:buChar char="●"/>
             </a:pPr>
             <a:r>
-              <a:rPr lang="en"/>
+              <a:rPr lang="en" dirty="0"/>
               <a:t>Training and evaluating on the training set</a:t>
             </a:r>
-            <a:endParaRPr/>
-          </a:p>
-          <a:p>
-            <a:pPr marL="457200" lvl="0" indent="0" rtl="0">
-              <a:spcBef>
-                <a:spcPts val="1600"/>
-              </a:spcBef>
-              <a:spcAft>
-                <a:spcPts val="0"/>
-              </a:spcAft>
-              <a:buNone/>
-            </a:pPr>
-            <a:endParaRPr/>
+            <a:endParaRPr dirty="0"/>
           </a:p>
           <a:p>
             <a:pPr marL="457200" lvl="0" indent="-342900" rtl="0">
@@ -24869,22 +25577,10 @@
               <a:buChar char="●"/>
             </a:pPr>
             <a:r>
-              <a:rPr lang="en"/>
+              <a:rPr lang="en" dirty="0"/>
               <a:t>Better evaluation using Cross-Validation</a:t>
             </a:r>
-            <a:endParaRPr/>
-          </a:p>
-          <a:p>
-            <a:pPr marL="457200" lvl="0" indent="0" rtl="0">
-              <a:spcBef>
-                <a:spcPts val="1600"/>
-              </a:spcBef>
-              <a:spcAft>
-                <a:spcPts val="0"/>
-              </a:spcAft>
-              <a:buNone/>
-            </a:pPr>
-            <a:endParaRPr/>
+            <a:endParaRPr dirty="0"/>
           </a:p>
           <a:p>
             <a:pPr marL="457200" lvl="0" indent="-342900" rtl="0">
@@ -24898,22 +25594,10 @@
               <a:buChar char="●"/>
             </a:pPr>
             <a:r>
-              <a:rPr lang="en"/>
+              <a:rPr lang="en" dirty="0"/>
               <a:t>Finalizing the model</a:t>
             </a:r>
-            <a:endParaRPr/>
-          </a:p>
-          <a:p>
-            <a:pPr marL="457200" lvl="0" indent="0" rtl="0">
-              <a:spcBef>
-                <a:spcPts val="1600"/>
-              </a:spcBef>
-              <a:spcAft>
-                <a:spcPts val="0"/>
-              </a:spcAft>
-              <a:buNone/>
-            </a:pPr>
-            <a:endParaRPr/>
+            <a:endParaRPr dirty="0"/>
           </a:p>
           <a:p>
             <a:pPr marL="457200" lvl="0" indent="-342900" rtl="0">
@@ -24927,10 +25611,10 @@
               <a:buChar char="●"/>
             </a:pPr>
             <a:r>
-              <a:rPr lang="en"/>
+              <a:rPr lang="en" dirty="0"/>
               <a:t>Predicting the test set</a:t>
             </a:r>
-            <a:endParaRPr/>
+            <a:endParaRPr dirty="0"/>
           </a:p>
         </p:txBody>
       </p:sp>
@@ -24942,8 +25626,8 @@
         </p:nvSpPr>
         <p:spPr>
           <a:xfrm>
-            <a:off x="5006700" y="3041217"/>
-            <a:ext cx="3702600" cy="740400"/>
+            <a:off x="4939500" y="2034540"/>
+            <a:ext cx="3702600" cy="531260"/>
           </a:xfrm>
           <a:prstGeom prst="roundRect">
             <a:avLst>
@@ -24988,7 +25672,7 @@
 </p:sld>
 </file>
 
-<file path=ppt/slides/slide42.xml><?xml version="1.0" encoding="utf-8"?>
+<file path=ppt/slides/slide44.xml><?xml version="1.0" encoding="utf-8"?>
 <p:sld xmlns:a="http://schemas.openxmlformats.org/drawingml/2006/main" xmlns:r="http://schemas.openxmlformats.org/officeDocument/2006/relationships" xmlns:p="http://schemas.openxmlformats.org/presentationml/2006/main">
   <p:cSld>
     <p:spTree>
@@ -25125,12 +25809,12 @@
 </p:sld>
 </file>
 
-<file path=ppt/slides/slide43.xml><?xml version="1.0" encoding="utf-8"?>
+<file path=ppt/slides/slide45.xml><?xml version="1.0" encoding="utf-8"?>
 <p:sld xmlns:a="http://schemas.openxmlformats.org/drawingml/2006/main" xmlns:r="http://schemas.openxmlformats.org/officeDocument/2006/relationships" xmlns:p="http://schemas.openxmlformats.org/presentationml/2006/main">
   <p:cSld>
     <p:spTree>
       <p:nvGrpSpPr>
-        <p:cNvPr id="1" name="Shape 367"/>
+        <p:cNvPr id="1" name="Shape 353"/>
         <p:cNvGrpSpPr/>
         <p:nvPr/>
       </p:nvGrpSpPr>
@@ -25144,7 +25828,7 @@
       </p:grpSpPr>
       <p:sp>
         <p:nvSpPr>
-          <p:cNvPr id="368" name="Google Shape;368;p48"/>
+          <p:cNvPr id="354" name="Google Shape;354;p46"/>
           <p:cNvSpPr txBox="1">
             <a:spLocks noGrp="1"/>
           </p:cNvSpPr>
@@ -25202,7 +25886,7 @@
       </p:sp>
       <p:sp>
         <p:nvSpPr>
-          <p:cNvPr id="369" name="Google Shape;369;p48"/>
+          <p:cNvPr id="355" name="Google Shape;355;p46"/>
           <p:cNvSpPr txBox="1">
             <a:spLocks noGrp="1"/>
           </p:cNvSpPr>
@@ -25220,7 +25904,7 @@
           </a:prstGeom>
         </p:spPr>
         <p:txBody>
-          <a:bodyPr spcFirstLastPara="1" wrap="square" lIns="91425" tIns="91425" rIns="91425" bIns="91425" anchor="ctr" anchorCtr="0">
+          <a:bodyPr spcFirstLastPara="1" wrap="square" lIns="91425" tIns="91425" rIns="91425" bIns="91425" anchor="t" anchorCtr="0">
             <a:noAutofit/>
           </a:bodyPr>
           <a:lstStyle/>
@@ -25242,18 +25926,6 @@
             <a:endParaRPr dirty="0"/>
           </a:p>
           <a:p>
-            <a:pPr marL="457200" lvl="0" indent="0" rtl="0">
-              <a:spcBef>
-                <a:spcPts val="1600"/>
-              </a:spcBef>
-              <a:spcAft>
-                <a:spcPts val="0"/>
-              </a:spcAft>
-              <a:buNone/>
-            </a:pPr>
-            <a:endParaRPr dirty="0"/>
-          </a:p>
-          <a:p>
             <a:pPr marL="457200" lvl="0" indent="-342900" rtl="0">
               <a:spcBef>
                 <a:spcPts val="1600"/>
@@ -25271,18 +25943,6 @@
             <a:endParaRPr dirty="0"/>
           </a:p>
           <a:p>
-            <a:pPr marL="457200" lvl="0" indent="0" rtl="0">
-              <a:spcBef>
-                <a:spcPts val="1600"/>
-              </a:spcBef>
-              <a:spcAft>
-                <a:spcPts val="0"/>
-              </a:spcAft>
-              <a:buNone/>
-            </a:pPr>
-            <a:endParaRPr dirty="0"/>
-          </a:p>
-          <a:p>
             <a:pPr marL="457200" lvl="0" indent="-342900" rtl="0">
               <a:spcBef>
                 <a:spcPts val="1600"/>
@@ -25300,18 +25960,6 @@
             <a:endParaRPr dirty="0"/>
           </a:p>
           <a:p>
-            <a:pPr marL="457200" lvl="0" indent="0" rtl="0">
-              <a:spcBef>
-                <a:spcPts val="1600"/>
-              </a:spcBef>
-              <a:spcAft>
-                <a:spcPts val="0"/>
-              </a:spcAft>
-              <a:buNone/>
-            </a:pPr>
-            <a:endParaRPr dirty="0"/>
-          </a:p>
-          <a:p>
             <a:pPr marL="457200" lvl="0" indent="-342900" rtl="0">
               <a:spcBef>
                 <a:spcPts val="1600"/>
@@ -25332,14 +25980,14 @@
       </p:sp>
       <p:sp>
         <p:nvSpPr>
-          <p:cNvPr id="370" name="Google Shape;370;p48"/>
+          <p:cNvPr id="356" name="Google Shape;356;p46"/>
           <p:cNvSpPr/>
           <p:nvPr/>
         </p:nvSpPr>
         <p:spPr>
           <a:xfrm>
-            <a:off x="5006700" y="4047550"/>
-            <a:ext cx="3702600" cy="740400"/>
+            <a:off x="4939500" y="2564130"/>
+            <a:ext cx="3702600" cy="513426"/>
           </a:xfrm>
           <a:prstGeom prst="roundRect">
             <a:avLst>
@@ -25377,6 +26025,11 @@
         </p:txBody>
       </p:sp>
     </p:spTree>
+    <p:extLst>
+      <p:ext uri="{BB962C8B-B14F-4D97-AF65-F5344CB8AC3E}">
+        <p14:creationId xmlns:p14="http://schemas.microsoft.com/office/powerpoint/2010/main" val="3902295679"/>
+      </p:ext>
+    </p:extLst>
   </p:cSld>
   <p:clrMapOvr>
     <a:masterClrMapping/>
@@ -25384,7 +26037,7 @@
 </p:sld>
 </file>
 
-<file path=ppt/slides/slide44.xml><?xml version="1.0" encoding="utf-8"?>
+<file path=ppt/slides/slide46.xml><?xml version="1.0" encoding="utf-8"?>
 <p:sld xmlns:a="http://schemas.openxmlformats.org/drawingml/2006/main" xmlns:r="http://schemas.openxmlformats.org/officeDocument/2006/relationships" xmlns:p="http://schemas.openxmlformats.org/presentationml/2006/main">
   <p:cSld>
     <p:spTree>
@@ -25877,7 +26530,7 @@
               </a:avLst>
             </a:prstGeom>
             <a:solidFill>
-              <a:srgbClr val="224144"/>
+              <a:srgbClr val="502653"/>
             </a:solidFill>
             <a:ln>
               <a:noFill/>
@@ -25933,7 +26586,7 @@
               </a:avLst>
             </a:prstGeom>
             <a:solidFill>
-              <a:srgbClr val="224144"/>
+              <a:srgbClr val="502653"/>
             </a:solidFill>
             <a:ln>
               <a:noFill/>
@@ -26289,7 +26942,7 @@
               </a:avLst>
             </a:prstGeom>
             <a:solidFill>
-              <a:srgbClr val="224144"/>
+              <a:srgbClr val="502653"/>
             </a:solidFill>
             <a:ln>
               <a:noFill/>
@@ -26345,7 +26998,7 @@
               </a:avLst>
             </a:prstGeom>
             <a:solidFill>
-              <a:srgbClr val="224144"/>
+              <a:srgbClr val="502653"/>
             </a:solidFill>
             <a:ln>
               <a:noFill/>
@@ -26703,7 +27356,7 @@
               </a:avLst>
             </a:prstGeom>
             <a:solidFill>
-              <a:srgbClr val="224144"/>
+              <a:srgbClr val="502653"/>
             </a:solidFill>
             <a:ln>
               <a:noFill/>
@@ -26759,7 +27412,7 @@
               </a:avLst>
             </a:prstGeom>
             <a:solidFill>
-              <a:srgbClr val="224144"/>
+              <a:srgbClr val="502653"/>
             </a:solidFill>
             <a:ln>
               <a:noFill/>
@@ -27155,7 +27808,7 @@
               </a:avLst>
             </a:prstGeom>
             <a:solidFill>
-              <a:srgbClr val="224144"/>
+              <a:srgbClr val="502653"/>
             </a:solidFill>
             <a:ln>
               <a:noFill/>
@@ -27211,7 +27864,7 @@
               </a:avLst>
             </a:prstGeom>
             <a:solidFill>
-              <a:srgbClr val="224144"/>
+              <a:srgbClr val="502653"/>
             </a:solidFill>
             <a:ln>
               <a:noFill/>
@@ -27302,10 +27955,18 @@
               <a:buNone/>
             </a:pPr>
             <a:r>
-              <a:rPr lang="en" sz="5400" dirty="0"/>
+              <a:rPr lang="en" sz="5400" dirty="0">
+                <a:solidFill>
+                  <a:srgbClr val="FAFAFA"/>
+                </a:solidFill>
+              </a:rPr>
               <a:t>Let’s get started...</a:t>
             </a:r>
-            <a:endParaRPr sz="5400" dirty="0"/>
+            <a:endParaRPr sz="5400" dirty="0">
+              <a:solidFill>
+                <a:srgbClr val="FAFAFA"/>
+              </a:solidFill>
+            </a:endParaRPr>
           </a:p>
         </p:txBody>
       </p:sp>
@@ -27354,7 +28015,7 @@
           </a:prstGeom>
         </p:spPr>
         <p:txBody>
-          <a:bodyPr spcFirstLastPara="1" wrap="square" lIns="91425" tIns="91425" rIns="91425" bIns="91425" anchor="ctr" anchorCtr="0">
+          <a:bodyPr spcFirstLastPara="1" wrap="square" lIns="91425" tIns="91425" rIns="91425" bIns="91425" anchor="t" anchorCtr="0">
             <a:noAutofit/>
           </a:bodyPr>
           <a:lstStyle/>
@@ -27373,19 +28034,7 @@
               <a:rPr lang="en" dirty="0"/>
               <a:t>Create Workspace / Virtual Environment</a:t>
             </a:r>
-            <a:endParaRPr dirty="0"/>
-          </a:p>
-          <a:p>
-            <a:pPr marL="457200" lvl="0" indent="0" rtl="0">
-              <a:spcBef>
-                <a:spcPts val="1600"/>
-              </a:spcBef>
-              <a:spcAft>
-                <a:spcPts val="0"/>
-              </a:spcAft>
-              <a:buNone/>
-            </a:pPr>
-            <a:endParaRPr dirty="0"/>
+            <a:endParaRPr lang="en-IN" dirty="0"/>
           </a:p>
           <a:p>
             <a:pPr marL="457200" lvl="0" indent="-342900" rtl="0">
@@ -27402,19 +28051,7 @@
               <a:rPr lang="en" dirty="0"/>
               <a:t>Importing Data</a:t>
             </a:r>
-            <a:endParaRPr dirty="0"/>
-          </a:p>
-          <a:p>
-            <a:pPr marL="457200" lvl="0" indent="0" rtl="0">
-              <a:spcBef>
-                <a:spcPts val="1600"/>
-              </a:spcBef>
-              <a:spcAft>
-                <a:spcPts val="0"/>
-              </a:spcAft>
-              <a:buNone/>
-            </a:pPr>
-            <a:endParaRPr dirty="0"/>
+            <a:endParaRPr lang="en-IN" dirty="0"/>
           </a:p>
           <a:p>
             <a:pPr marL="457200" lvl="0" indent="-342900" rtl="0">
@@ -27431,19 +28068,7 @@
               <a:rPr lang="en" dirty="0"/>
               <a:t>Quick look at the data structure</a:t>
             </a:r>
-            <a:endParaRPr dirty="0"/>
-          </a:p>
-          <a:p>
-            <a:pPr marL="457200" lvl="0" indent="0" rtl="0">
-              <a:spcBef>
-                <a:spcPts val="1600"/>
-              </a:spcBef>
-              <a:spcAft>
-                <a:spcPts val="0"/>
-              </a:spcAft>
-              <a:buNone/>
-            </a:pPr>
-            <a:endParaRPr dirty="0"/>
+            <a:endParaRPr lang="en-IN" dirty="0"/>
           </a:p>
           <a:p>
             <a:pPr marL="457200" lvl="0" indent="-342900" rtl="0">
@@ -27522,7 +28147,7 @@
         </p:nvSpPr>
         <p:spPr>
           <a:xfrm>
-            <a:off x="5073900" y="624065"/>
+            <a:off x="5073900" y="425945"/>
             <a:ext cx="3702600" cy="740400"/>
           </a:xfrm>
           <a:prstGeom prst="roundRect">
